--- a/Tutorial/02-Week/robert/Turtlebot_02_robert.pptx
+++ b/Tutorial/02-Week/robert/Turtlebot_02_robert.pptx
@@ -13907,6 +13907,378 @@
           </a:p>
         </p:txBody>
       </p:sp>
+      <p:sp>
+        <p:nvSpPr>
+          <p:cNvPr id="2" name="Rectangle 1">
+            <a:extLst>
+              <a:ext uri="{FF2B5EF4-FFF2-40B4-BE49-F238E27FC236}">
+                <a16:creationId xmlns:a16="http://schemas.microsoft.com/office/drawing/2014/main" id="{28A648A7-39D8-87FE-0704-C31C59054D28}"/>
+              </a:ext>
+            </a:extLst>
+          </p:cNvPr>
+          <p:cNvSpPr>
+            <a:spLocks noChangeArrowheads="1"/>
+          </p:cNvSpPr>
+          <p:nvPr/>
+        </p:nvSpPr>
+        <p:spPr bwMode="auto">
+          <a:xfrm>
+            <a:off x="344794" y="2290814"/>
+            <a:ext cx="9362983" cy="1077218"/>
+          </a:xfrm>
+          <a:prstGeom prst="rect">
+            <a:avLst/>
+          </a:prstGeom>
+          <a:solidFill>
+            <a:srgbClr val="000000"/>
+          </a:solidFill>
+          <a:ln>
+            <a:noFill/>
+          </a:ln>
+          <a:effectLst/>
+          <a:extLst>
+            <a:ext uri="{91240B29-F687-4F45-9708-019B960494DF}">
+              <a14:hiddenLine xmlns:a14="http://schemas.microsoft.com/office/drawing/2010/main" w="9525">
+                <a:solidFill>
+                  <a:schemeClr val="tx1"/>
+                </a:solidFill>
+                <a:miter lim="800000"/>
+                <a:headEnd/>
+                <a:tailEnd/>
+              </a14:hiddenLine>
+            </a:ext>
+            <a:ext uri="{AF507438-7753-43E0-B8FC-AC1667EBCBE1}">
+              <a14:hiddenEffects xmlns:a14="http://schemas.microsoft.com/office/drawing/2010/main">
+                <a:effectLst>
+                  <a:outerShdw dist="35921" dir="2700000" algn="ctr" rotWithShape="0">
+                    <a:schemeClr val="bg2"/>
+                  </a:outerShdw>
+                </a:effectLst>
+              </a14:hiddenEffects>
+            </a:ext>
+          </a:extLst>
+        </p:spPr>
+        <p:txBody>
+          <a:bodyPr vert="horz" wrap="square" lIns="0" tIns="0" rIns="0" bIns="0" numCol="1" anchor="ctr" anchorCtr="0" compatLnSpc="1">
+            <a:prstTxWarp prst="textNoShape">
+              <a:avLst/>
+            </a:prstTxWarp>
+            <a:spAutoFit/>
+          </a:bodyPr>
+          <a:lstStyle/>
+          <a:p>
+            <a:pPr marL="0" marR="0" lvl="0" indent="0" algn="l" defTabSz="914400" rtl="0" eaLnBrk="0" fontAlgn="base" latinLnBrk="0" hangingPunct="0">
+              <a:lnSpc>
+                <a:spcPct val="100000"/>
+              </a:lnSpc>
+              <a:spcBef>
+                <a:spcPct val="0"/>
+              </a:spcBef>
+              <a:spcAft>
+                <a:spcPct val="0"/>
+              </a:spcAft>
+              <a:buClrTx/>
+              <a:buSzTx/>
+              <a:buFontTx/>
+              <a:buNone/>
+              <a:tabLst/>
+            </a:pPr>
+            <a:endParaRPr kumimoji="0" lang="en-US" altLang="ko-KR" sz="1000" b="0" i="0" u="none" strike="noStrike" cap="none" normalizeH="0" baseline="0" dirty="0">
+              <a:ln>
+                <a:noFill/>
+              </a:ln>
+              <a:solidFill>
+                <a:srgbClr val="22B3EB"/>
+              </a:solidFill>
+              <a:effectLst/>
+              <a:latin typeface="Arial Unicode MS"/>
+            </a:endParaRPr>
+          </a:p>
+          <a:p>
+            <a:pPr marL="0" marR="0" lvl="0" indent="0" algn="l" defTabSz="914400" rtl="0" eaLnBrk="0" fontAlgn="base" latinLnBrk="0" hangingPunct="0">
+              <a:lnSpc>
+                <a:spcPct val="100000"/>
+              </a:lnSpc>
+              <a:spcBef>
+                <a:spcPct val="0"/>
+              </a:spcBef>
+              <a:spcAft>
+                <a:spcPct val="0"/>
+              </a:spcAft>
+              <a:buClrTx/>
+              <a:buSzTx/>
+              <a:buFontTx/>
+              <a:buNone/>
+              <a:tabLst/>
+            </a:pPr>
+            <a:r>
+              <a:rPr kumimoji="0" lang="en-US" altLang="ko-KR" sz="1000" b="0" i="0" u="none" strike="noStrike" cap="none" normalizeH="0" baseline="0" dirty="0">
+                <a:ln>
+                  <a:noFill/>
+                </a:ln>
+                <a:solidFill>
+                  <a:srgbClr val="22B3EB"/>
+                </a:solidFill>
+                <a:effectLst/>
+                <a:latin typeface="Arial Unicode MS"/>
+              </a:rPr>
+              <a:t>$ </a:t>
+            </a:r>
+            <a:r>
+              <a:rPr kumimoji="0" lang="en-US" altLang="ko-KR" sz="1000" b="0" i="0" u="none" strike="noStrike" cap="none" normalizeH="0" baseline="0" dirty="0" err="1">
+                <a:ln>
+                  <a:noFill/>
+                </a:ln>
+                <a:solidFill>
+                  <a:srgbClr val="22B3EB"/>
+                </a:solidFill>
+                <a:effectLst/>
+                <a:latin typeface="Arial Unicode MS"/>
+              </a:rPr>
+              <a:t>sudo</a:t>
+            </a:r>
+            <a:r>
+              <a:rPr kumimoji="0" lang="en-US" altLang="ko-KR" sz="1000" b="0" i="0" u="none" strike="noStrike" cap="none" normalizeH="0" baseline="0" dirty="0">
+                <a:ln>
+                  <a:noFill/>
+                </a:ln>
+                <a:solidFill>
+                  <a:srgbClr val="22B3EB"/>
+                </a:solidFill>
+                <a:effectLst/>
+                <a:latin typeface="Arial Unicode MS"/>
+              </a:rPr>
+              <a:t> apt-get update</a:t>
+            </a:r>
+          </a:p>
+          <a:p>
+            <a:pPr marL="0" marR="0" lvl="0" indent="0" algn="l" defTabSz="914400" rtl="0" eaLnBrk="0" fontAlgn="base" latinLnBrk="0" hangingPunct="0">
+              <a:lnSpc>
+                <a:spcPct val="100000"/>
+              </a:lnSpc>
+              <a:spcBef>
+                <a:spcPct val="0"/>
+              </a:spcBef>
+              <a:spcAft>
+                <a:spcPct val="0"/>
+              </a:spcAft>
+              <a:buClrTx/>
+              <a:buSzTx/>
+              <a:buFontTx/>
+              <a:buNone/>
+              <a:tabLst/>
+            </a:pPr>
+            <a:r>
+              <a:rPr kumimoji="0" lang="en-US" altLang="ko-KR" sz="1000" b="0" i="0" u="none" strike="noStrike" cap="none" normalizeH="0" baseline="0" dirty="0">
+                <a:ln>
+                  <a:noFill/>
+                </a:ln>
+                <a:solidFill>
+                  <a:srgbClr val="22B3EB"/>
+                </a:solidFill>
+                <a:effectLst/>
+                <a:latin typeface="Arial Unicode MS"/>
+              </a:rPr>
+              <a:t>$ </a:t>
+            </a:r>
+            <a:r>
+              <a:rPr kumimoji="0" lang="en-US" altLang="ko-KR" sz="1000" b="0" i="0" u="none" strike="noStrike" cap="none" normalizeH="0" baseline="0" dirty="0" err="1">
+                <a:ln>
+                  <a:noFill/>
+                </a:ln>
+                <a:solidFill>
+                  <a:srgbClr val="22B3EB"/>
+                </a:solidFill>
+                <a:effectLst/>
+                <a:latin typeface="Arial Unicode MS"/>
+              </a:rPr>
+              <a:t>sudo</a:t>
+            </a:r>
+            <a:r>
+              <a:rPr kumimoji="0" lang="en-US" altLang="ko-KR" sz="1000" b="0" i="0" u="none" strike="noStrike" cap="none" normalizeH="0" baseline="0" dirty="0">
+                <a:ln>
+                  <a:noFill/>
+                </a:ln>
+                <a:solidFill>
+                  <a:srgbClr val="22B3EB"/>
+                </a:solidFill>
+                <a:effectLst/>
+                <a:latin typeface="Arial Unicode MS"/>
+              </a:rPr>
+              <a:t> apt-get upgrade</a:t>
+            </a:r>
+          </a:p>
+          <a:p>
+            <a:pPr marL="0" marR="0" lvl="0" indent="0" algn="l" defTabSz="914400" rtl="0" eaLnBrk="0" fontAlgn="base" latinLnBrk="0" hangingPunct="0">
+              <a:lnSpc>
+                <a:spcPct val="100000"/>
+              </a:lnSpc>
+              <a:spcBef>
+                <a:spcPct val="0"/>
+              </a:spcBef>
+              <a:spcAft>
+                <a:spcPct val="0"/>
+              </a:spcAft>
+              <a:buClrTx/>
+              <a:buSzTx/>
+              <a:buFontTx/>
+              <a:buNone/>
+              <a:tabLst/>
+            </a:pPr>
+            <a:r>
+              <a:rPr kumimoji="0" lang="en-US" altLang="ko-KR" sz="1000" b="0" i="0" u="none" strike="noStrike" cap="none" normalizeH="0" baseline="0" dirty="0">
+                <a:ln>
+                  <a:noFill/>
+                </a:ln>
+                <a:solidFill>
+                  <a:srgbClr val="22B3EB"/>
+                </a:solidFill>
+                <a:effectLst/>
+                <a:latin typeface="Arial Unicode MS"/>
+              </a:rPr>
+              <a:t>$ </a:t>
+            </a:r>
+            <a:r>
+              <a:rPr kumimoji="0" lang="en-US" altLang="ko-KR" sz="1000" b="0" i="0" u="none" strike="noStrike" cap="none" normalizeH="0" baseline="0" dirty="0" err="1">
+                <a:ln>
+                  <a:noFill/>
+                </a:ln>
+                <a:solidFill>
+                  <a:srgbClr val="22B3EB"/>
+                </a:solidFill>
+                <a:effectLst/>
+                <a:latin typeface="Arial Unicode MS"/>
+              </a:rPr>
+              <a:t>wget</a:t>
+            </a:r>
+            <a:r>
+              <a:rPr kumimoji="0" lang="en-US" altLang="ko-KR" sz="1000" b="0" i="0" u="none" strike="noStrike" cap="none" normalizeH="0" baseline="0" dirty="0">
+                <a:ln>
+                  <a:noFill/>
+                </a:ln>
+                <a:solidFill>
+                  <a:srgbClr val="22B3EB"/>
+                </a:solidFill>
+                <a:effectLst/>
+                <a:latin typeface="Arial Unicode MS"/>
+              </a:rPr>
+              <a:t> https://raw.githubusercontent.com/orocapangyo/turtlebot/blob/main/Tutorial/02-Week/robert/install_ros2_humble_rpi.sh</a:t>
+            </a:r>
+          </a:p>
+          <a:p>
+            <a:pPr marL="0" marR="0" lvl="0" indent="0" algn="l" defTabSz="914400" rtl="0" eaLnBrk="0" fontAlgn="base" latinLnBrk="0" hangingPunct="0">
+              <a:lnSpc>
+                <a:spcPct val="100000"/>
+              </a:lnSpc>
+              <a:spcBef>
+                <a:spcPct val="0"/>
+              </a:spcBef>
+              <a:spcAft>
+                <a:spcPct val="0"/>
+              </a:spcAft>
+              <a:buClrTx/>
+              <a:buSzTx/>
+              <a:buFontTx/>
+              <a:buNone/>
+              <a:tabLst/>
+            </a:pPr>
+            <a:r>
+              <a:rPr kumimoji="0" lang="en-US" altLang="ko-KR" sz="1000" b="0" i="0" u="none" strike="noStrike" cap="none" normalizeH="0" baseline="0" dirty="0">
+                <a:ln>
+                  <a:noFill/>
+                </a:ln>
+                <a:solidFill>
+                  <a:srgbClr val="22B3EB"/>
+                </a:solidFill>
+                <a:effectLst/>
+                <a:latin typeface="Arial Unicode MS"/>
+              </a:rPr>
+              <a:t>$ </a:t>
+            </a:r>
+            <a:r>
+              <a:rPr kumimoji="0" lang="en-US" altLang="ko-KR" sz="1000" b="0" i="0" u="none" strike="noStrike" cap="none" normalizeH="0" baseline="0" dirty="0" err="1">
+                <a:ln>
+                  <a:noFill/>
+                </a:ln>
+                <a:solidFill>
+                  <a:srgbClr val="22B3EB"/>
+                </a:solidFill>
+                <a:effectLst/>
+                <a:latin typeface="Arial Unicode MS"/>
+              </a:rPr>
+              <a:t>chmod</a:t>
+            </a:r>
+            <a:r>
+              <a:rPr kumimoji="0" lang="en-US" altLang="ko-KR" sz="1000" b="0" i="0" u="none" strike="noStrike" cap="none" normalizeH="0" baseline="0" dirty="0">
+                <a:ln>
+                  <a:noFill/>
+                </a:ln>
+                <a:solidFill>
+                  <a:srgbClr val="22B3EB"/>
+                </a:solidFill>
+                <a:effectLst/>
+                <a:latin typeface="Arial Unicode MS"/>
+              </a:rPr>
+              <a:t> 755 ./install_ros2_humble_rpi.sh </a:t>
+            </a:r>
+          </a:p>
+          <a:p>
+            <a:pPr marL="0" marR="0" lvl="0" indent="0" algn="l" defTabSz="914400" rtl="0" eaLnBrk="0" fontAlgn="base" latinLnBrk="0" hangingPunct="0">
+              <a:lnSpc>
+                <a:spcPct val="100000"/>
+              </a:lnSpc>
+              <a:spcBef>
+                <a:spcPct val="0"/>
+              </a:spcBef>
+              <a:spcAft>
+                <a:spcPct val="0"/>
+              </a:spcAft>
+              <a:buClrTx/>
+              <a:buSzTx/>
+              <a:buFontTx/>
+              <a:buNone/>
+              <a:tabLst/>
+            </a:pPr>
+            <a:r>
+              <a:rPr kumimoji="0" lang="en-US" altLang="ko-KR" sz="1000" b="0" i="0" u="none" strike="noStrike" cap="none" normalizeH="0" baseline="0" dirty="0">
+                <a:ln>
+                  <a:noFill/>
+                </a:ln>
+                <a:solidFill>
+                  <a:srgbClr val="22B3EB"/>
+                </a:solidFill>
+                <a:effectLst/>
+                <a:latin typeface="Arial Unicode MS"/>
+              </a:rPr>
+              <a:t>$ bash ./install_ros2_humble_rpi.sh</a:t>
+            </a:r>
+          </a:p>
+          <a:p>
+            <a:pPr marL="0" marR="0" lvl="0" indent="0" algn="l" defTabSz="914400" rtl="0" eaLnBrk="0" fontAlgn="base" latinLnBrk="0" hangingPunct="0">
+              <a:lnSpc>
+                <a:spcPct val="100000"/>
+              </a:lnSpc>
+              <a:spcBef>
+                <a:spcPct val="0"/>
+              </a:spcBef>
+              <a:spcAft>
+                <a:spcPct val="0"/>
+              </a:spcAft>
+              <a:buClrTx/>
+              <a:buSzTx/>
+              <a:buFontTx/>
+              <a:buNone/>
+              <a:tabLst/>
+            </a:pPr>
+            <a:endParaRPr lang="en-US" altLang="ko-KR" sz="1000" dirty="0">
+              <a:solidFill>
+                <a:srgbClr val="22B3EB"/>
+              </a:solidFill>
+              <a:latin typeface="Arial Unicode MS"/>
+            </a:endParaRPr>
+          </a:p>
+        </p:txBody>
+      </p:sp>
     </p:spTree>
     <p:extLst>
       <p:ext uri="{BB962C8B-B14F-4D97-AF65-F5344CB8AC3E}">

--- a/Tutorial/02-Week/robert/Turtlebot_02_robert.pptx
+++ b/Tutorial/02-Week/robert/Turtlebot_02_robert.pptx
@@ -14,10 +14,6 @@
     <p:sldId id="266" r:id="rId8"/>
     <p:sldId id="267" r:id="rId9"/>
     <p:sldId id="268" r:id="rId10"/>
-    <p:sldId id="264" r:id="rId11"/>
-    <p:sldId id="259" r:id="rId12"/>
-    <p:sldId id="261" r:id="rId13"/>
-    <p:sldId id="262" r:id="rId14"/>
   </p:sldIdLst>
   <p:sldSz cx="12192000" cy="6858000"/>
   <p:notesSz cx="6858000" cy="9144000"/>
@@ -271,7 +267,7 @@
           <a:p>
             <a:fld id="{D14A4AEC-6143-46CB-85F0-7704C32C67EB}" type="datetimeFigureOut">
               <a:rPr lang="ko-KR" altLang="en-US" smtClean="0"/>
-              <a:t>2023-07-13</a:t>
+              <a:t>2023-07-20</a:t>
             </a:fld>
             <a:endParaRPr lang="ko-KR" altLang="en-US"/>
           </a:p>
@@ -469,7 +465,7 @@
           <a:p>
             <a:fld id="{D14A4AEC-6143-46CB-85F0-7704C32C67EB}" type="datetimeFigureOut">
               <a:rPr lang="ko-KR" altLang="en-US" smtClean="0"/>
-              <a:t>2023-07-13</a:t>
+              <a:t>2023-07-20</a:t>
             </a:fld>
             <a:endParaRPr lang="ko-KR" altLang="en-US"/>
           </a:p>
@@ -677,7 +673,7 @@
           <a:p>
             <a:fld id="{D14A4AEC-6143-46CB-85F0-7704C32C67EB}" type="datetimeFigureOut">
               <a:rPr lang="ko-KR" altLang="en-US" smtClean="0"/>
-              <a:t>2023-07-13</a:t>
+              <a:t>2023-07-20</a:t>
             </a:fld>
             <a:endParaRPr lang="ko-KR" altLang="en-US"/>
           </a:p>
@@ -875,7 +871,7 @@
           <a:p>
             <a:fld id="{D14A4AEC-6143-46CB-85F0-7704C32C67EB}" type="datetimeFigureOut">
               <a:rPr lang="ko-KR" altLang="en-US" smtClean="0"/>
-              <a:t>2023-07-13</a:t>
+              <a:t>2023-07-20</a:t>
             </a:fld>
             <a:endParaRPr lang="ko-KR" altLang="en-US"/>
           </a:p>
@@ -1150,7 +1146,7 @@
           <a:p>
             <a:fld id="{D14A4AEC-6143-46CB-85F0-7704C32C67EB}" type="datetimeFigureOut">
               <a:rPr lang="ko-KR" altLang="en-US" smtClean="0"/>
-              <a:t>2023-07-13</a:t>
+              <a:t>2023-07-20</a:t>
             </a:fld>
             <a:endParaRPr lang="ko-KR" altLang="en-US"/>
           </a:p>
@@ -1415,7 +1411,7 @@
           <a:p>
             <a:fld id="{D14A4AEC-6143-46CB-85F0-7704C32C67EB}" type="datetimeFigureOut">
               <a:rPr lang="ko-KR" altLang="en-US" smtClean="0"/>
-              <a:t>2023-07-13</a:t>
+              <a:t>2023-07-20</a:t>
             </a:fld>
             <a:endParaRPr lang="ko-KR" altLang="en-US"/>
           </a:p>
@@ -1827,7 +1823,7 @@
           <a:p>
             <a:fld id="{D14A4AEC-6143-46CB-85F0-7704C32C67EB}" type="datetimeFigureOut">
               <a:rPr lang="ko-KR" altLang="en-US" smtClean="0"/>
-              <a:t>2023-07-13</a:t>
+              <a:t>2023-07-20</a:t>
             </a:fld>
             <a:endParaRPr lang="ko-KR" altLang="en-US"/>
           </a:p>
@@ -1968,7 +1964,7 @@
           <a:p>
             <a:fld id="{D14A4AEC-6143-46CB-85F0-7704C32C67EB}" type="datetimeFigureOut">
               <a:rPr lang="ko-KR" altLang="en-US" smtClean="0"/>
-              <a:t>2023-07-13</a:t>
+              <a:t>2023-07-20</a:t>
             </a:fld>
             <a:endParaRPr lang="ko-KR" altLang="en-US"/>
           </a:p>
@@ -2081,7 +2077,7 @@
           <a:p>
             <a:fld id="{D14A4AEC-6143-46CB-85F0-7704C32C67EB}" type="datetimeFigureOut">
               <a:rPr lang="ko-KR" altLang="en-US" smtClean="0"/>
-              <a:t>2023-07-13</a:t>
+              <a:t>2023-07-20</a:t>
             </a:fld>
             <a:endParaRPr lang="ko-KR" altLang="en-US"/>
           </a:p>
@@ -2392,7 +2388,7 @@
           <a:p>
             <a:fld id="{D14A4AEC-6143-46CB-85F0-7704C32C67EB}" type="datetimeFigureOut">
               <a:rPr lang="ko-KR" altLang="en-US" smtClean="0"/>
-              <a:t>2023-07-13</a:t>
+              <a:t>2023-07-20</a:t>
             </a:fld>
             <a:endParaRPr lang="ko-KR" altLang="en-US"/>
           </a:p>
@@ -2680,7 +2676,7 @@
           <a:p>
             <a:fld id="{D14A4AEC-6143-46CB-85F0-7704C32C67EB}" type="datetimeFigureOut">
               <a:rPr lang="ko-KR" altLang="en-US" smtClean="0"/>
-              <a:t>2023-07-13</a:t>
+              <a:t>2023-07-20</a:t>
             </a:fld>
             <a:endParaRPr lang="ko-KR" altLang="en-US"/>
           </a:p>
@@ -2921,7 +2917,7 @@
           <a:p>
             <a:fld id="{D14A4AEC-6143-46CB-85F0-7704C32C67EB}" type="datetimeFigureOut">
               <a:rPr lang="ko-KR" altLang="en-US" smtClean="0"/>
-              <a:t>2023-07-13</a:t>
+              <a:t>2023-07-20</a:t>
             </a:fld>
             <a:endParaRPr lang="ko-KR" altLang="en-US"/>
           </a:p>
@@ -3448,4666 +3444,6 @@
 </p:sld>
 </file>
 
-<file path=ppt/slides/slide10.xml><?xml version="1.0" encoding="utf-8"?>
-<p:sld xmlns:a="http://schemas.openxmlformats.org/drawingml/2006/main" xmlns:r="http://schemas.openxmlformats.org/officeDocument/2006/relationships" xmlns:p="http://schemas.openxmlformats.org/presentationml/2006/main">
-  <p:cSld>
-    <p:spTree>
-      <p:nvGrpSpPr>
-        <p:cNvPr id="1" name=""/>
-        <p:cNvGrpSpPr/>
-        <p:nvPr/>
-      </p:nvGrpSpPr>
-      <p:grpSpPr>
-        <a:xfrm>
-          <a:off x="0" y="0"/>
-          <a:ext cx="0" cy="0"/>
-          <a:chOff x="0" y="0"/>
-          <a:chExt cx="0" cy="0"/>
-        </a:xfrm>
-      </p:grpSpPr>
-      <p:cxnSp>
-        <p:nvCxnSpPr>
-          <p:cNvPr id="5" name="직선 연결선 4">
-            <a:extLst>
-              <a:ext uri="{FF2B5EF4-FFF2-40B4-BE49-F238E27FC236}">
-                <a16:creationId xmlns:a16="http://schemas.microsoft.com/office/drawing/2014/main" id="{5C86692A-7D17-4D6E-2C8C-4A3FE6D011FD}"/>
-              </a:ext>
-            </a:extLst>
-          </p:cNvPr>
-          <p:cNvCxnSpPr/>
-          <p:nvPr/>
-        </p:nvCxnSpPr>
-        <p:spPr>
-          <a:xfrm>
-            <a:off x="159798" y="1003173"/>
-            <a:ext cx="11585359" cy="0"/>
-          </a:xfrm>
-          <a:prstGeom prst="line">
-            <a:avLst/>
-          </a:prstGeom>
-          <a:ln w="38100"/>
-        </p:spPr>
-        <p:style>
-          <a:lnRef idx="1">
-            <a:schemeClr val="dk1"/>
-          </a:lnRef>
-          <a:fillRef idx="0">
-            <a:schemeClr val="dk1"/>
-          </a:fillRef>
-          <a:effectRef idx="0">
-            <a:schemeClr val="dk1"/>
-          </a:effectRef>
-          <a:fontRef idx="minor">
-            <a:schemeClr val="tx1"/>
-          </a:fontRef>
-        </p:style>
-      </p:cxnSp>
-      <p:sp>
-        <p:nvSpPr>
-          <p:cNvPr id="6" name="TextBox 5">
-            <a:extLst>
-              <a:ext uri="{FF2B5EF4-FFF2-40B4-BE49-F238E27FC236}">
-                <a16:creationId xmlns:a16="http://schemas.microsoft.com/office/drawing/2014/main" id="{DA9F2F0B-C4F6-287B-C7B1-181AEC26E67F}"/>
-              </a:ext>
-            </a:extLst>
-          </p:cNvPr>
-          <p:cNvSpPr txBox="1"/>
-          <p:nvPr/>
-        </p:nvSpPr>
-        <p:spPr>
-          <a:xfrm>
-            <a:off x="3835153" y="260775"/>
-            <a:ext cx="5385000" cy="584775"/>
-          </a:xfrm>
-          <a:prstGeom prst="rect">
-            <a:avLst/>
-          </a:prstGeom>
-          <a:noFill/>
-        </p:spPr>
-        <p:txBody>
-          <a:bodyPr wrap="none" rtlCol="0">
-            <a:spAutoFit/>
-          </a:bodyPr>
-          <a:lstStyle/>
-          <a:p>
-            <a:r>
-              <a:rPr lang="en-US" altLang="ko-KR" sz="3200" dirty="0"/>
-              <a:t>PC Setup/</a:t>
-            </a:r>
-            <a:r>
-              <a:rPr lang="en-US" altLang="ko-KR" sz="3200" dirty="0" err="1"/>
-              <a:t>Turtlebot</a:t>
-            </a:r>
-            <a:r>
-              <a:rPr lang="en-US" altLang="ko-KR" sz="3200" dirty="0"/>
-              <a:t> Package</a:t>
-            </a:r>
-            <a:endParaRPr lang="ko-KR" altLang="en-US" sz="3200" dirty="0"/>
-          </a:p>
-        </p:txBody>
-      </p:sp>
-      <p:sp>
-        <p:nvSpPr>
-          <p:cNvPr id="7" name="TextBox 6">
-            <a:extLst>
-              <a:ext uri="{FF2B5EF4-FFF2-40B4-BE49-F238E27FC236}">
-                <a16:creationId xmlns:a16="http://schemas.microsoft.com/office/drawing/2014/main" id="{83EBF423-6C1F-8DE0-3A6A-32324600DBF9}"/>
-              </a:ext>
-            </a:extLst>
-          </p:cNvPr>
-          <p:cNvSpPr txBox="1"/>
-          <p:nvPr/>
-        </p:nvSpPr>
-        <p:spPr>
-          <a:xfrm>
-            <a:off x="198729" y="1278380"/>
-            <a:ext cx="1658211" cy="584775"/>
-          </a:xfrm>
-          <a:prstGeom prst="rect">
-            <a:avLst/>
-          </a:prstGeom>
-          <a:noFill/>
-        </p:spPr>
-        <p:txBody>
-          <a:bodyPr wrap="none" rtlCol="0">
-            <a:spAutoFit/>
-          </a:bodyPr>
-          <a:lstStyle/>
-          <a:p>
-            <a:pPr marL="457200" indent="-457200">
-              <a:buFont typeface="Arial" panose="020B0604020202020204" pitchFamily="34" charset="0"/>
-              <a:buChar char="•"/>
-            </a:pPr>
-            <a:r>
-              <a:rPr lang="en-US" altLang="ko-KR" sz="3200" dirty="0"/>
-              <a:t>ROS1</a:t>
-            </a:r>
-            <a:endParaRPr lang="ko-KR" altLang="en-US" dirty="0"/>
-          </a:p>
-        </p:txBody>
-      </p:sp>
-      <p:sp>
-        <p:nvSpPr>
-          <p:cNvPr id="8" name="TextBox 7">
-            <a:extLst>
-              <a:ext uri="{FF2B5EF4-FFF2-40B4-BE49-F238E27FC236}">
-                <a16:creationId xmlns:a16="http://schemas.microsoft.com/office/drawing/2014/main" id="{D75F6F21-147A-0272-AA8F-4DC5EA30F1AB}"/>
-              </a:ext>
-            </a:extLst>
-          </p:cNvPr>
-          <p:cNvSpPr txBox="1"/>
-          <p:nvPr/>
-        </p:nvSpPr>
-        <p:spPr>
-          <a:xfrm>
-            <a:off x="198729" y="3886200"/>
-            <a:ext cx="11670183" cy="584775"/>
-          </a:xfrm>
-          <a:prstGeom prst="rect">
-            <a:avLst/>
-          </a:prstGeom>
-          <a:noFill/>
-        </p:spPr>
-        <p:txBody>
-          <a:bodyPr wrap="square" rtlCol="0">
-            <a:spAutoFit/>
-          </a:bodyPr>
-          <a:lstStyle/>
-          <a:p>
-            <a:pPr marL="457200" indent="-457200">
-              <a:buFont typeface="Arial" panose="020B0604020202020204" pitchFamily="34" charset="0"/>
-              <a:buChar char="•"/>
-            </a:pPr>
-            <a:r>
-              <a:rPr lang="en-US" altLang="ko-KR" sz="3200" dirty="0"/>
-              <a:t>ROS2</a:t>
-            </a:r>
-            <a:endParaRPr lang="en-US" altLang="ko-KR" dirty="0"/>
-          </a:p>
-        </p:txBody>
-      </p:sp>
-      <p:sp>
-        <p:nvSpPr>
-          <p:cNvPr id="3" name="AutoShape 2" descr="TurtleBOT - Open source personal research robot">
-            <a:extLst>
-              <a:ext uri="{FF2B5EF4-FFF2-40B4-BE49-F238E27FC236}">
-                <a16:creationId xmlns:a16="http://schemas.microsoft.com/office/drawing/2014/main" id="{660CB241-B55D-83B3-A4DB-84D0C36F0D76}"/>
-              </a:ext>
-            </a:extLst>
-          </p:cNvPr>
-          <p:cNvSpPr>
-            <a:spLocks noChangeAspect="1" noChangeArrowheads="1"/>
-          </p:cNvSpPr>
-          <p:nvPr/>
-        </p:nvSpPr>
-        <p:spPr bwMode="auto">
-          <a:xfrm>
-            <a:off x="5943600" y="3276600"/>
-            <a:ext cx="304800" cy="304800"/>
-          </a:xfrm>
-          <a:prstGeom prst="rect">
-            <a:avLst/>
-          </a:prstGeom>
-          <a:noFill/>
-          <a:extLst>
-            <a:ext uri="{909E8E84-426E-40DD-AFC4-6F175D3DCCD1}">
-              <a14:hiddenFill xmlns:a14="http://schemas.microsoft.com/office/drawing/2010/main">
-                <a:solidFill>
-                  <a:srgbClr val="FFFFFF"/>
-                </a:solidFill>
-              </a14:hiddenFill>
-            </a:ext>
-          </a:extLst>
-        </p:spPr>
-        <p:txBody>
-          <a:bodyPr vert="horz" wrap="square" lIns="91440" tIns="45720" rIns="91440" bIns="45720" numCol="1" anchor="t" anchorCtr="0" compatLnSpc="1">
-            <a:prstTxWarp prst="textNoShape">
-              <a:avLst/>
-            </a:prstTxWarp>
-          </a:bodyPr>
-          <a:lstStyle/>
-          <a:p>
-            <a:endParaRPr lang="ko-KR" altLang="en-US"/>
-          </a:p>
-        </p:txBody>
-      </p:sp>
-      <p:sp>
-        <p:nvSpPr>
-          <p:cNvPr id="4" name="AutoShape 4" descr="TurtleBOT - Open source personal research robot">
-            <a:extLst>
-              <a:ext uri="{FF2B5EF4-FFF2-40B4-BE49-F238E27FC236}">
-                <a16:creationId xmlns:a16="http://schemas.microsoft.com/office/drawing/2014/main" id="{0940963A-B2DE-F3B8-F52C-C8EFF3DFF8CD}"/>
-              </a:ext>
-            </a:extLst>
-          </p:cNvPr>
-          <p:cNvSpPr>
-            <a:spLocks noChangeAspect="1" noChangeArrowheads="1"/>
-          </p:cNvSpPr>
-          <p:nvPr/>
-        </p:nvSpPr>
-        <p:spPr bwMode="auto">
-          <a:xfrm>
-            <a:off x="6096000" y="3429000"/>
-            <a:ext cx="304800" cy="304800"/>
-          </a:xfrm>
-          <a:prstGeom prst="rect">
-            <a:avLst/>
-          </a:prstGeom>
-          <a:noFill/>
-          <a:extLst>
-            <a:ext uri="{909E8E84-426E-40DD-AFC4-6F175D3DCCD1}">
-              <a14:hiddenFill xmlns:a14="http://schemas.microsoft.com/office/drawing/2010/main">
-                <a:solidFill>
-                  <a:srgbClr val="FFFFFF"/>
-                </a:solidFill>
-              </a14:hiddenFill>
-            </a:ext>
-          </a:extLst>
-        </p:spPr>
-        <p:txBody>
-          <a:bodyPr vert="horz" wrap="square" lIns="91440" tIns="45720" rIns="91440" bIns="45720" numCol="1" anchor="t" anchorCtr="0" compatLnSpc="1">
-            <a:prstTxWarp prst="textNoShape">
-              <a:avLst/>
-            </a:prstTxWarp>
-          </a:bodyPr>
-          <a:lstStyle/>
-          <a:p>
-            <a:endParaRPr lang="ko-KR" altLang="en-US"/>
-          </a:p>
-        </p:txBody>
-      </p:sp>
-      <p:pic>
-        <p:nvPicPr>
-          <p:cNvPr id="2054" name="Picture 6" descr="Open Source Robots - TurtleBot 3 - ROBOTIS">
-            <a:extLst>
-              <a:ext uri="{FF2B5EF4-FFF2-40B4-BE49-F238E27FC236}">
-                <a16:creationId xmlns:a16="http://schemas.microsoft.com/office/drawing/2014/main" id="{BC22BBD3-E0C9-4173-B29C-412B55F25647}"/>
-              </a:ext>
-            </a:extLst>
-          </p:cNvPr>
-          <p:cNvPicPr>
-            <a:picLocks noChangeAspect="1" noChangeArrowheads="1"/>
-          </p:cNvPicPr>
-          <p:nvPr/>
-        </p:nvPicPr>
-        <p:blipFill>
-          <a:blip r:embed="rId2">
-            <a:extLst>
-              <a:ext uri="{28A0092B-C50C-407E-A947-70E740481C1C}">
-                <a14:useLocalDpi xmlns:a14="http://schemas.microsoft.com/office/drawing/2010/main" val="0"/>
-              </a:ext>
-            </a:extLst>
-          </a:blip>
-          <a:srcRect/>
-          <a:stretch>
-            <a:fillRect/>
-          </a:stretch>
-        </p:blipFill>
-        <p:spPr bwMode="auto">
-          <a:xfrm>
-            <a:off x="159798" y="289382"/>
-            <a:ext cx="3338384" cy="511337"/>
-          </a:xfrm>
-          <a:prstGeom prst="rect">
-            <a:avLst/>
-          </a:prstGeom>
-          <a:noFill/>
-          <a:extLst>
-            <a:ext uri="{909E8E84-426E-40DD-AFC4-6F175D3DCCD1}">
-              <a14:hiddenFill xmlns:a14="http://schemas.microsoft.com/office/drawing/2010/main">
-                <a:solidFill>
-                  <a:srgbClr val="FFFFFF"/>
-                </a:solidFill>
-              </a14:hiddenFill>
-            </a:ext>
-          </a:extLst>
-        </p:spPr>
-      </p:pic>
-      <p:sp>
-        <p:nvSpPr>
-          <p:cNvPr id="2" name="Rectangle 1">
-            <a:extLst>
-              <a:ext uri="{FF2B5EF4-FFF2-40B4-BE49-F238E27FC236}">
-                <a16:creationId xmlns:a16="http://schemas.microsoft.com/office/drawing/2014/main" id="{EC37D1BD-BBDC-DFAB-32E3-2F09004FAF86}"/>
-              </a:ext>
-            </a:extLst>
-          </p:cNvPr>
-          <p:cNvSpPr>
-            <a:spLocks noChangeArrowheads="1"/>
-          </p:cNvSpPr>
-          <p:nvPr/>
-        </p:nvSpPr>
-        <p:spPr bwMode="auto">
-          <a:xfrm>
-            <a:off x="381739" y="1918232"/>
-            <a:ext cx="9362983" cy="648000"/>
-          </a:xfrm>
-          <a:prstGeom prst="rect">
-            <a:avLst/>
-          </a:prstGeom>
-          <a:solidFill>
-            <a:srgbClr val="000000"/>
-          </a:solidFill>
-          <a:ln>
-            <a:noFill/>
-          </a:ln>
-          <a:effectLst/>
-          <a:extLst>
-            <a:ext uri="{91240B29-F687-4F45-9708-019B960494DF}">
-              <a14:hiddenLine xmlns:a14="http://schemas.microsoft.com/office/drawing/2010/main" w="9525">
-                <a:solidFill>
-                  <a:schemeClr val="tx1"/>
-                </a:solidFill>
-                <a:miter lim="800000"/>
-                <a:headEnd/>
-                <a:tailEnd/>
-              </a14:hiddenLine>
-            </a:ext>
-            <a:ext uri="{AF507438-7753-43E0-B8FC-AC1667EBCBE1}">
-              <a14:hiddenEffects xmlns:a14="http://schemas.microsoft.com/office/drawing/2010/main">
-                <a:effectLst>
-                  <a:outerShdw dist="35921" dir="2700000" algn="ctr" rotWithShape="0">
-                    <a:schemeClr val="bg2"/>
-                  </a:outerShdw>
-                </a:effectLst>
-              </a14:hiddenEffects>
-            </a:ext>
-          </a:extLst>
-        </p:spPr>
-        <p:txBody>
-          <a:bodyPr vert="horz" wrap="square" lIns="0" tIns="0" rIns="0" bIns="0" numCol="1" anchor="ctr" anchorCtr="0" compatLnSpc="1">
-            <a:prstTxWarp prst="textNoShape">
-              <a:avLst/>
-            </a:prstTxWarp>
-            <a:spAutoFit/>
-          </a:bodyPr>
-          <a:lstStyle/>
-          <a:p>
-            <a:pPr marL="0" marR="0" lvl="0" indent="0" algn="l" defTabSz="914400" rtl="0" eaLnBrk="0" fontAlgn="base" latinLnBrk="0" hangingPunct="0">
-              <a:lnSpc>
-                <a:spcPct val="100000"/>
-              </a:lnSpc>
-              <a:spcBef>
-                <a:spcPct val="0"/>
-              </a:spcBef>
-              <a:spcAft>
-                <a:spcPct val="0"/>
-              </a:spcAft>
-              <a:buClrTx/>
-              <a:buSzTx/>
-              <a:buFontTx/>
-              <a:buNone/>
-              <a:tabLst/>
-            </a:pPr>
-            <a:r>
-              <a:rPr kumimoji="0" lang="ko-KR" altLang="ko-KR" sz="1000" b="0" i="0" u="none" strike="noStrike" cap="none" normalizeH="0" baseline="0" dirty="0">
-                <a:ln>
-                  <a:noFill/>
-                </a:ln>
-                <a:solidFill>
-                  <a:srgbClr val="22B3EB"/>
-                </a:solidFill>
-                <a:effectLst/>
-                <a:latin typeface="Arial Unicode MS"/>
-              </a:rPr>
-              <a:t>$ </a:t>
-            </a:r>
-            <a:r>
-              <a:rPr kumimoji="0" lang="en-US" altLang="ko-KR" sz="1000" b="0" i="0" u="none" strike="noStrike" cap="none" normalizeH="0" baseline="0" dirty="0" err="1">
-                <a:ln>
-                  <a:noFill/>
-                </a:ln>
-                <a:solidFill>
-                  <a:srgbClr val="22B3EB"/>
-                </a:solidFill>
-                <a:effectLst/>
-                <a:latin typeface="Arial Unicode MS"/>
-              </a:rPr>
-              <a:t>sudo</a:t>
-            </a:r>
-            <a:r>
-              <a:rPr kumimoji="0" lang="en-US" altLang="ko-KR" sz="1000" b="0" i="0" u="none" strike="noStrike" cap="none" normalizeH="0" baseline="0" dirty="0">
-                <a:ln>
-                  <a:noFill/>
-                </a:ln>
-                <a:solidFill>
-                  <a:srgbClr val="22B3EB"/>
-                </a:solidFill>
-                <a:effectLst/>
-                <a:latin typeface="Arial Unicode MS"/>
-              </a:rPr>
-              <a:t> </a:t>
-            </a:r>
-            <a:r>
-              <a:rPr kumimoji="0" lang="ko-KR" altLang="ko-KR" sz="1000" b="0" i="0" u="none" strike="noStrike" cap="none" normalizeH="0" baseline="0" dirty="0" err="1">
-                <a:ln>
-                  <a:noFill/>
-                </a:ln>
-                <a:solidFill>
-                  <a:srgbClr val="FFFFFF"/>
-                </a:solidFill>
-                <a:effectLst/>
-                <a:latin typeface="Arial Unicode MS"/>
-              </a:rPr>
-              <a:t>apt-get</a:t>
-            </a:r>
-            <a:r>
-              <a:rPr kumimoji="0" lang="ko-KR" altLang="ko-KR" sz="1000" b="0" i="0" u="none" strike="noStrike" cap="none" normalizeH="0" baseline="0" dirty="0">
-                <a:ln>
-                  <a:noFill/>
-                </a:ln>
-                <a:solidFill>
-                  <a:srgbClr val="FFFFFF"/>
-                </a:solidFill>
-                <a:effectLst/>
-                <a:latin typeface="Arial Unicode MS"/>
-              </a:rPr>
-              <a:t> </a:t>
-            </a:r>
-            <a:r>
-              <a:rPr kumimoji="0" lang="ko-KR" altLang="ko-KR" sz="1000" b="0" i="0" u="none" strike="noStrike" cap="none" normalizeH="0" baseline="0" dirty="0" err="1">
-                <a:ln>
-                  <a:noFill/>
-                </a:ln>
-                <a:solidFill>
-                  <a:srgbClr val="FFFFFF"/>
-                </a:solidFill>
-                <a:effectLst/>
-                <a:latin typeface="Arial Unicode MS"/>
-              </a:rPr>
-              <a:t>ros-kinetic-dynamixel-sdk</a:t>
-            </a:r>
-            <a:r>
-              <a:rPr kumimoji="0" lang="ko-KR" altLang="ko-KR" sz="1000" b="0" i="0" u="none" strike="noStrike" cap="none" normalizeH="0" baseline="0" dirty="0">
-                <a:ln>
-                  <a:noFill/>
-                </a:ln>
-                <a:solidFill>
-                  <a:srgbClr val="FFFFFF"/>
-                </a:solidFill>
-                <a:effectLst/>
-                <a:latin typeface="Arial Unicode MS"/>
-              </a:rPr>
-              <a:t> </a:t>
-            </a:r>
-            <a:endParaRPr kumimoji="0" lang="en-US" altLang="ko-KR" sz="1000" b="0" i="0" u="none" strike="noStrike" cap="none" normalizeH="0" baseline="0" dirty="0">
-              <a:ln>
-                <a:noFill/>
-              </a:ln>
-              <a:solidFill>
-                <a:srgbClr val="FFFFFF"/>
-              </a:solidFill>
-              <a:effectLst/>
-              <a:latin typeface="Arial Unicode MS"/>
-            </a:endParaRPr>
-          </a:p>
-          <a:p>
-            <a:pPr marL="0" marR="0" lvl="0" indent="0" algn="l" defTabSz="914400" rtl="0" eaLnBrk="0" fontAlgn="base" latinLnBrk="0" hangingPunct="0">
-              <a:lnSpc>
-                <a:spcPct val="100000"/>
-              </a:lnSpc>
-              <a:spcBef>
-                <a:spcPct val="0"/>
-              </a:spcBef>
-              <a:spcAft>
-                <a:spcPct val="0"/>
-              </a:spcAft>
-              <a:buClrTx/>
-              <a:buSzTx/>
-              <a:buFontTx/>
-              <a:buNone/>
-              <a:tabLst/>
-            </a:pPr>
-            <a:r>
-              <a:rPr kumimoji="0" lang="ko-KR" altLang="ko-KR" sz="1000" b="0" i="0" u="none" strike="noStrike" cap="none" normalizeH="0" baseline="0" dirty="0">
-                <a:ln>
-                  <a:noFill/>
-                </a:ln>
-                <a:solidFill>
-                  <a:srgbClr val="22B3EB"/>
-                </a:solidFill>
-                <a:effectLst/>
-                <a:latin typeface="Arial Unicode MS"/>
-              </a:rPr>
-              <a:t>$ </a:t>
-            </a:r>
-            <a:r>
-              <a:rPr kumimoji="0" lang="en-US" altLang="ko-KR" sz="1000" b="0" i="0" u="none" strike="noStrike" cap="none" normalizeH="0" baseline="0" dirty="0" err="1">
-                <a:ln>
-                  <a:noFill/>
-                </a:ln>
-                <a:solidFill>
-                  <a:srgbClr val="22B3EB"/>
-                </a:solidFill>
-                <a:effectLst/>
-                <a:latin typeface="Arial Unicode MS"/>
-              </a:rPr>
-              <a:t>sudo</a:t>
-            </a:r>
-            <a:r>
-              <a:rPr kumimoji="0" lang="en-US" altLang="ko-KR" sz="1000" b="0" i="0" u="none" strike="noStrike" cap="none" normalizeH="0" baseline="0" dirty="0">
-                <a:ln>
-                  <a:noFill/>
-                </a:ln>
-                <a:solidFill>
-                  <a:srgbClr val="22B3EB"/>
-                </a:solidFill>
-                <a:effectLst/>
-                <a:latin typeface="Arial Unicode MS"/>
-              </a:rPr>
-              <a:t> </a:t>
-            </a:r>
-            <a:r>
-              <a:rPr kumimoji="0" lang="ko-KR" altLang="ko-KR" sz="1000" b="0" i="0" u="none" strike="noStrike" cap="none" normalizeH="0" baseline="0" dirty="0" err="1">
-                <a:ln>
-                  <a:noFill/>
-                </a:ln>
-                <a:solidFill>
-                  <a:srgbClr val="FFFFFF"/>
-                </a:solidFill>
-                <a:effectLst/>
-                <a:latin typeface="Arial Unicode MS"/>
-              </a:rPr>
-              <a:t>apt-get</a:t>
-            </a:r>
-            <a:r>
-              <a:rPr kumimoji="0" lang="ko-KR" altLang="ko-KR" sz="1000" b="0" i="0" u="none" strike="noStrike" cap="none" normalizeH="0" baseline="0" dirty="0">
-                <a:ln>
-                  <a:noFill/>
-                </a:ln>
-                <a:solidFill>
-                  <a:srgbClr val="FFFFFF"/>
-                </a:solidFill>
-                <a:effectLst/>
-                <a:latin typeface="Arial Unicode MS"/>
-              </a:rPr>
-              <a:t> ros-kinetic-turtlebot3-msgs </a:t>
-            </a:r>
-            <a:endParaRPr kumimoji="0" lang="en-US" altLang="ko-KR" sz="1000" b="0" i="0" u="none" strike="noStrike" cap="none" normalizeH="0" baseline="0" dirty="0">
-              <a:ln>
-                <a:noFill/>
-              </a:ln>
-              <a:solidFill>
-                <a:srgbClr val="FFFFFF"/>
-              </a:solidFill>
-              <a:effectLst/>
-              <a:latin typeface="Arial Unicode MS"/>
-            </a:endParaRPr>
-          </a:p>
-          <a:p>
-            <a:pPr marL="0" marR="0" lvl="0" indent="0" algn="l" defTabSz="914400" rtl="0" eaLnBrk="0" fontAlgn="base" latinLnBrk="0" hangingPunct="0">
-              <a:lnSpc>
-                <a:spcPct val="100000"/>
-              </a:lnSpc>
-              <a:spcBef>
-                <a:spcPct val="0"/>
-              </a:spcBef>
-              <a:spcAft>
-                <a:spcPct val="0"/>
-              </a:spcAft>
-              <a:buClrTx/>
-              <a:buSzTx/>
-              <a:buFontTx/>
-              <a:buNone/>
-              <a:tabLst/>
-            </a:pPr>
-            <a:r>
-              <a:rPr kumimoji="0" lang="ko-KR" altLang="ko-KR" sz="1000" b="0" i="0" u="none" strike="noStrike" cap="none" normalizeH="0" baseline="0" dirty="0">
-                <a:ln>
-                  <a:noFill/>
-                </a:ln>
-                <a:solidFill>
-                  <a:srgbClr val="22B3EB"/>
-                </a:solidFill>
-                <a:effectLst/>
-                <a:latin typeface="Arial Unicode MS"/>
-              </a:rPr>
-              <a:t>$</a:t>
-            </a:r>
-            <a:r>
-              <a:rPr kumimoji="0" lang="en-US" altLang="ko-KR" sz="1000" b="0" i="0" u="none" strike="noStrike" cap="none" normalizeH="0" baseline="0" dirty="0">
-                <a:ln>
-                  <a:noFill/>
-                </a:ln>
-                <a:solidFill>
-                  <a:srgbClr val="22B3EB"/>
-                </a:solidFill>
-                <a:effectLst/>
-                <a:latin typeface="Arial Unicode MS"/>
-              </a:rPr>
-              <a:t> </a:t>
-            </a:r>
-            <a:r>
-              <a:rPr kumimoji="0" lang="en-US" altLang="ko-KR" sz="1000" b="0" i="0" u="none" strike="noStrike" cap="none" normalizeH="0" baseline="0" dirty="0" err="1">
-                <a:ln>
-                  <a:noFill/>
-                </a:ln>
-                <a:solidFill>
-                  <a:srgbClr val="22B3EB"/>
-                </a:solidFill>
-                <a:effectLst/>
-                <a:latin typeface="Arial Unicode MS"/>
-              </a:rPr>
-              <a:t>sudo</a:t>
-            </a:r>
-            <a:r>
-              <a:rPr kumimoji="0" lang="en-US" altLang="ko-KR" sz="1000" b="0" i="0" u="none" strike="noStrike" cap="none" normalizeH="0" baseline="0" dirty="0">
-                <a:ln>
-                  <a:noFill/>
-                </a:ln>
-                <a:solidFill>
-                  <a:srgbClr val="22B3EB"/>
-                </a:solidFill>
-                <a:effectLst/>
-                <a:latin typeface="Arial Unicode MS"/>
-              </a:rPr>
-              <a:t> </a:t>
-            </a:r>
-            <a:r>
-              <a:rPr kumimoji="0" lang="ko-KR" altLang="ko-KR" sz="1000" b="0" i="0" u="none" strike="noStrike" cap="none" normalizeH="0" baseline="0" dirty="0" err="1">
-                <a:ln>
-                  <a:noFill/>
-                </a:ln>
-                <a:solidFill>
-                  <a:srgbClr val="FFFFFF"/>
-                </a:solidFill>
-                <a:effectLst/>
-                <a:latin typeface="Arial Unicode MS"/>
-              </a:rPr>
-              <a:t>apt-get</a:t>
-            </a:r>
-            <a:r>
-              <a:rPr kumimoji="0" lang="ko-KR" altLang="ko-KR" sz="1000" b="0" i="0" u="none" strike="noStrike" cap="none" normalizeH="0" baseline="0" dirty="0">
-                <a:ln>
-                  <a:noFill/>
-                </a:ln>
-                <a:solidFill>
-                  <a:srgbClr val="FFFFFF"/>
-                </a:solidFill>
-                <a:effectLst/>
-                <a:latin typeface="Arial Unicode MS"/>
-              </a:rPr>
-              <a:t> ros-kinetic-turtlebot3</a:t>
-            </a:r>
-            <a:r>
-              <a:rPr kumimoji="0" lang="ko-KR" altLang="ko-KR" sz="800" b="0" i="0" u="none" strike="noStrike" cap="none" normalizeH="0" baseline="0" dirty="0">
-                <a:ln>
-                  <a:noFill/>
-                </a:ln>
-                <a:solidFill>
-                  <a:schemeClr val="tx1"/>
-                </a:solidFill>
-                <a:effectLst/>
-              </a:rPr>
-              <a:t> </a:t>
-            </a:r>
-            <a:endParaRPr kumimoji="0" lang="ko-KR" altLang="ko-KR" sz="1800" b="0" i="0" u="none" strike="noStrike" cap="none" normalizeH="0" baseline="0" dirty="0">
-              <a:ln>
-                <a:noFill/>
-              </a:ln>
-              <a:solidFill>
-                <a:schemeClr val="tx1"/>
-              </a:solidFill>
-              <a:effectLst/>
-              <a:latin typeface="Arial" panose="020B0604020202020204" pitchFamily="34" charset="0"/>
-            </a:endParaRPr>
-          </a:p>
-        </p:txBody>
-      </p:sp>
-      <p:sp>
-        <p:nvSpPr>
-          <p:cNvPr id="9" name="Rectangle 2">
-            <a:extLst>
-              <a:ext uri="{FF2B5EF4-FFF2-40B4-BE49-F238E27FC236}">
-                <a16:creationId xmlns:a16="http://schemas.microsoft.com/office/drawing/2014/main" id="{A945850B-411E-0B58-4D21-C5C74ECEA903}"/>
-              </a:ext>
-            </a:extLst>
-          </p:cNvPr>
-          <p:cNvSpPr>
-            <a:spLocks noChangeArrowheads="1"/>
-          </p:cNvSpPr>
-          <p:nvPr/>
-        </p:nvSpPr>
-        <p:spPr bwMode="auto">
-          <a:xfrm>
-            <a:off x="381739" y="4549258"/>
-            <a:ext cx="9362983" cy="900000"/>
-          </a:xfrm>
-          <a:prstGeom prst="rect">
-            <a:avLst/>
-          </a:prstGeom>
-          <a:solidFill>
-            <a:srgbClr val="000000"/>
-          </a:solidFill>
-          <a:ln>
-            <a:noFill/>
-          </a:ln>
-          <a:effectLst/>
-          <a:extLst>
-            <a:ext uri="{91240B29-F687-4F45-9708-019B960494DF}">
-              <a14:hiddenLine xmlns:a14="http://schemas.microsoft.com/office/drawing/2010/main" w="9525">
-                <a:solidFill>
-                  <a:schemeClr val="tx1"/>
-                </a:solidFill>
-                <a:miter lim="800000"/>
-                <a:headEnd/>
-                <a:tailEnd/>
-              </a14:hiddenLine>
-            </a:ext>
-            <a:ext uri="{AF507438-7753-43E0-B8FC-AC1667EBCBE1}">
-              <a14:hiddenEffects xmlns:a14="http://schemas.microsoft.com/office/drawing/2010/main">
-                <a:effectLst>
-                  <a:outerShdw dist="35921" dir="2700000" algn="ctr" rotWithShape="0">
-                    <a:schemeClr val="bg2"/>
-                  </a:outerShdw>
-                </a:effectLst>
-              </a14:hiddenEffects>
-            </a:ext>
-          </a:extLst>
-        </p:spPr>
-        <p:txBody>
-          <a:bodyPr vert="horz" wrap="square" lIns="0" tIns="0" rIns="0" bIns="0" numCol="1" anchor="ctr" anchorCtr="0" compatLnSpc="1">
-            <a:prstTxWarp prst="textNoShape">
-              <a:avLst/>
-            </a:prstTxWarp>
-            <a:spAutoFit/>
-          </a:bodyPr>
-          <a:lstStyle/>
-          <a:p>
-            <a:pPr marL="0" marR="0" lvl="0" indent="0" algn="l" defTabSz="914400" rtl="0" eaLnBrk="0" fontAlgn="base" latinLnBrk="0" hangingPunct="0">
-              <a:spcBef>
-                <a:spcPct val="0"/>
-              </a:spcBef>
-              <a:spcAft>
-                <a:spcPct val="0"/>
-              </a:spcAft>
-              <a:buClrTx/>
-              <a:buSzTx/>
-              <a:buFontTx/>
-              <a:buNone/>
-              <a:tabLst/>
-            </a:pPr>
-            <a:r>
-              <a:rPr kumimoji="0" lang="ko-KR" altLang="ko-KR" sz="1000" b="0" i="0" u="none" strike="noStrike" cap="none" normalizeH="0" baseline="0" dirty="0">
-                <a:ln>
-                  <a:noFill/>
-                </a:ln>
-                <a:solidFill>
-                  <a:srgbClr val="22B3EB"/>
-                </a:solidFill>
-                <a:effectLst/>
-                <a:latin typeface="Arial Unicode MS"/>
-              </a:rPr>
-              <a:t>$ </a:t>
-            </a:r>
-            <a:r>
-              <a:rPr lang="en-US" altLang="ko-KR" sz="1000" dirty="0">
-                <a:solidFill>
-                  <a:srgbClr val="B58900"/>
-                </a:solidFill>
-                <a:latin typeface="Arial" panose="020B0604020202020204" pitchFamily="34" charset="0"/>
-              </a:rPr>
-              <a:t>source </a:t>
-            </a:r>
-            <a:r>
-              <a:rPr kumimoji="0" lang="ko-KR" altLang="ko-KR" sz="1000" b="0" i="0" u="none" strike="noStrike" cap="none" normalizeH="0" baseline="0" dirty="0">
-                <a:ln>
-                  <a:noFill/>
-                </a:ln>
-                <a:solidFill>
-                  <a:srgbClr val="FFFFFF"/>
-                </a:solidFill>
-                <a:effectLst/>
-                <a:latin typeface="Arial Unicode MS"/>
-              </a:rPr>
-              <a:t>~/.</a:t>
-            </a:r>
-            <a:r>
-              <a:rPr kumimoji="0" lang="ko-KR" altLang="ko-KR" sz="1000" b="0" i="0" u="none" strike="noStrike" cap="none" normalizeH="0" baseline="0" dirty="0" err="1">
-                <a:ln>
-                  <a:noFill/>
-                </a:ln>
-                <a:solidFill>
-                  <a:srgbClr val="FFFFFF"/>
-                </a:solidFill>
-                <a:effectLst/>
-                <a:latin typeface="Arial Unicode MS"/>
-              </a:rPr>
-              <a:t>bashrc</a:t>
-            </a:r>
-            <a:r>
-              <a:rPr kumimoji="0" lang="ko-KR" altLang="ko-KR" sz="1000" b="0" i="0" u="none" strike="noStrike" cap="none" normalizeH="0" baseline="0" dirty="0">
-                <a:ln>
-                  <a:noFill/>
-                </a:ln>
-                <a:solidFill>
-                  <a:srgbClr val="FFFFFF"/>
-                </a:solidFill>
-                <a:effectLst/>
-                <a:latin typeface="Arial Unicode MS"/>
-              </a:rPr>
-              <a:t> </a:t>
-            </a:r>
-            <a:endParaRPr kumimoji="0" lang="en-US" altLang="ko-KR" sz="1000" b="0" i="0" u="none" strike="noStrike" cap="none" normalizeH="0" baseline="0" dirty="0">
-              <a:ln>
-                <a:noFill/>
-              </a:ln>
-              <a:solidFill>
-                <a:srgbClr val="FFFFFF"/>
-              </a:solidFill>
-              <a:effectLst/>
-              <a:latin typeface="Arial Unicode MS"/>
-            </a:endParaRPr>
-          </a:p>
-          <a:p>
-            <a:pPr marL="0" marR="0" lvl="0" indent="0" algn="l" defTabSz="914400" rtl="0" eaLnBrk="0" fontAlgn="base" latinLnBrk="0" hangingPunct="0">
-              <a:spcBef>
-                <a:spcPct val="0"/>
-              </a:spcBef>
-              <a:spcAft>
-                <a:spcPct val="0"/>
-              </a:spcAft>
-              <a:buClrTx/>
-              <a:buSzTx/>
-              <a:buFontTx/>
-              <a:buNone/>
-              <a:tabLst/>
-            </a:pPr>
-            <a:r>
-              <a:rPr kumimoji="0" lang="ko-KR" altLang="ko-KR" sz="1000" b="0" i="0" u="none" strike="noStrike" cap="none" normalizeH="0" baseline="0" dirty="0">
-                <a:ln>
-                  <a:noFill/>
-                </a:ln>
-                <a:solidFill>
-                  <a:srgbClr val="22B3EB"/>
-                </a:solidFill>
-                <a:effectLst/>
-                <a:latin typeface="Arial Unicode MS"/>
-              </a:rPr>
-              <a:t>$ </a:t>
-            </a:r>
-            <a:r>
-              <a:rPr kumimoji="0" lang="en-US" altLang="ko-KR" sz="1000" b="0" i="0" u="none" strike="noStrike" cap="none" normalizeH="0" baseline="0" dirty="0" err="1">
-                <a:ln>
-                  <a:noFill/>
-                </a:ln>
-                <a:solidFill>
-                  <a:srgbClr val="22B3EB"/>
-                </a:solidFill>
-                <a:effectLst/>
-                <a:latin typeface="Arial Unicode MS"/>
-              </a:rPr>
-              <a:t>sudo</a:t>
-            </a:r>
-            <a:r>
-              <a:rPr kumimoji="0" lang="en-US" altLang="ko-KR" sz="1000" b="0" i="0" u="none" strike="noStrike" cap="none" normalizeH="0" baseline="0" dirty="0">
-                <a:ln>
-                  <a:noFill/>
-                </a:ln>
-                <a:solidFill>
-                  <a:srgbClr val="22B3EB"/>
-                </a:solidFill>
-                <a:effectLst/>
-                <a:latin typeface="Arial Unicode MS"/>
-              </a:rPr>
-              <a:t> </a:t>
-            </a:r>
-            <a:r>
-              <a:rPr kumimoji="0" lang="ko-KR" altLang="ko-KR" sz="1000" b="0" i="0" u="none" strike="noStrike" cap="none" normalizeH="0" baseline="0" dirty="0" err="1">
-                <a:ln>
-                  <a:noFill/>
-                </a:ln>
-                <a:solidFill>
-                  <a:srgbClr val="FFFFFF"/>
-                </a:solidFill>
-                <a:effectLst/>
-                <a:latin typeface="Arial Unicode MS"/>
-              </a:rPr>
-              <a:t>apt</a:t>
-            </a:r>
-            <a:r>
-              <a:rPr kumimoji="0" lang="ko-KR" altLang="ko-KR" sz="1000" b="0" i="0" u="none" strike="noStrike" cap="none" normalizeH="0" baseline="0" dirty="0">
-                <a:ln>
-                  <a:noFill/>
-                </a:ln>
-                <a:solidFill>
-                  <a:srgbClr val="FFFFFF"/>
-                </a:solidFill>
-                <a:effectLst/>
-                <a:latin typeface="Arial Unicode MS"/>
-              </a:rPr>
-              <a:t> </a:t>
-            </a:r>
-            <a:r>
-              <a:rPr kumimoji="0" lang="ko-KR" altLang="ko-KR" sz="1000" b="0" i="0" u="none" strike="noStrike" cap="none" normalizeH="0" baseline="0" dirty="0" err="1">
-                <a:ln>
-                  <a:noFill/>
-                </a:ln>
-                <a:solidFill>
-                  <a:srgbClr val="FFFFFF"/>
-                </a:solidFill>
-                <a:effectLst/>
-                <a:latin typeface="Arial Unicode MS"/>
-              </a:rPr>
-              <a:t>ros-humble-dynamixel-sdk</a:t>
-            </a:r>
-            <a:r>
-              <a:rPr kumimoji="0" lang="ko-KR" altLang="ko-KR" sz="1000" b="0" i="0" u="none" strike="noStrike" cap="none" normalizeH="0" baseline="0" dirty="0">
-                <a:ln>
-                  <a:noFill/>
-                </a:ln>
-                <a:solidFill>
-                  <a:srgbClr val="FFFFFF"/>
-                </a:solidFill>
-                <a:effectLst/>
-                <a:latin typeface="Arial Unicode MS"/>
-              </a:rPr>
-              <a:t> </a:t>
-            </a:r>
-            <a:endParaRPr kumimoji="0" lang="en-US" altLang="ko-KR" sz="1000" b="0" i="0" u="none" strike="noStrike" cap="none" normalizeH="0" baseline="0" dirty="0">
-              <a:ln>
-                <a:noFill/>
-              </a:ln>
-              <a:solidFill>
-                <a:srgbClr val="FFFFFF"/>
-              </a:solidFill>
-              <a:effectLst/>
-              <a:latin typeface="Arial Unicode MS"/>
-            </a:endParaRPr>
-          </a:p>
-          <a:p>
-            <a:pPr marL="0" marR="0" lvl="0" indent="0" algn="l" defTabSz="914400" rtl="0" eaLnBrk="0" fontAlgn="base" latinLnBrk="0" hangingPunct="0">
-              <a:spcBef>
-                <a:spcPct val="0"/>
-              </a:spcBef>
-              <a:spcAft>
-                <a:spcPct val="0"/>
-              </a:spcAft>
-              <a:buClrTx/>
-              <a:buSzTx/>
-              <a:buFontTx/>
-              <a:buNone/>
-              <a:tabLst/>
-            </a:pPr>
-            <a:r>
-              <a:rPr kumimoji="0" lang="ko-KR" altLang="ko-KR" sz="1000" b="0" i="0" u="none" strike="noStrike" cap="none" normalizeH="0" baseline="0" dirty="0">
-                <a:ln>
-                  <a:noFill/>
-                </a:ln>
-                <a:solidFill>
-                  <a:srgbClr val="22B3EB"/>
-                </a:solidFill>
-                <a:effectLst/>
-                <a:latin typeface="Arial Unicode MS"/>
-              </a:rPr>
-              <a:t>$ </a:t>
-            </a:r>
-            <a:r>
-              <a:rPr lang="en-US" altLang="ko-KR" sz="1000" dirty="0" err="1">
-                <a:solidFill>
-                  <a:srgbClr val="B58900"/>
-                </a:solidFill>
-                <a:latin typeface="Arial" panose="020B0604020202020204" pitchFamily="34" charset="0"/>
-              </a:rPr>
-              <a:t>sudo</a:t>
-            </a:r>
-            <a:r>
-              <a:rPr lang="en-US" altLang="ko-KR" sz="1000" dirty="0">
-                <a:solidFill>
-                  <a:srgbClr val="B58900"/>
-                </a:solidFill>
-                <a:latin typeface="Arial" panose="020B0604020202020204" pitchFamily="34" charset="0"/>
-              </a:rPr>
-              <a:t> </a:t>
-            </a:r>
-            <a:r>
-              <a:rPr kumimoji="0" lang="ko-KR" altLang="ko-KR" sz="1000" b="0" i="0" u="none" strike="noStrike" cap="none" normalizeH="0" baseline="0" dirty="0" err="1">
-                <a:ln>
-                  <a:noFill/>
-                </a:ln>
-                <a:solidFill>
-                  <a:srgbClr val="FFFFFF"/>
-                </a:solidFill>
-                <a:effectLst/>
-                <a:latin typeface="Arial Unicode MS"/>
-              </a:rPr>
-              <a:t>apt</a:t>
-            </a:r>
-            <a:r>
-              <a:rPr kumimoji="0" lang="ko-KR" altLang="ko-KR" sz="1000" b="0" i="0" u="none" strike="noStrike" cap="none" normalizeH="0" baseline="0" dirty="0">
-                <a:ln>
-                  <a:noFill/>
-                </a:ln>
-                <a:solidFill>
-                  <a:srgbClr val="FFFFFF"/>
-                </a:solidFill>
-                <a:effectLst/>
-                <a:latin typeface="Arial Unicode MS"/>
-              </a:rPr>
-              <a:t> ros-humble-turtlebot3-msgs </a:t>
-            </a:r>
-            <a:endParaRPr kumimoji="0" lang="en-US" altLang="ko-KR" sz="1000" b="0" i="0" u="none" strike="noStrike" cap="none" normalizeH="0" baseline="0" dirty="0">
-              <a:ln>
-                <a:noFill/>
-              </a:ln>
-              <a:solidFill>
-                <a:srgbClr val="FFFFFF"/>
-              </a:solidFill>
-              <a:effectLst/>
-              <a:latin typeface="Arial Unicode MS"/>
-            </a:endParaRPr>
-          </a:p>
-          <a:p>
-            <a:pPr marL="0" marR="0" lvl="0" indent="0" algn="l" defTabSz="914400" rtl="0" eaLnBrk="0" fontAlgn="base" latinLnBrk="0" hangingPunct="0">
-              <a:spcBef>
-                <a:spcPct val="0"/>
-              </a:spcBef>
-              <a:spcAft>
-                <a:spcPct val="0"/>
-              </a:spcAft>
-              <a:buClrTx/>
-              <a:buSzTx/>
-              <a:buFontTx/>
-              <a:buNone/>
-              <a:tabLst/>
-            </a:pPr>
-            <a:r>
-              <a:rPr kumimoji="0" lang="ko-KR" altLang="ko-KR" sz="1000" b="0" i="0" u="none" strike="noStrike" cap="none" normalizeH="0" baseline="0" dirty="0">
-                <a:ln>
-                  <a:noFill/>
-                </a:ln>
-                <a:solidFill>
-                  <a:srgbClr val="22B3EB"/>
-                </a:solidFill>
-                <a:effectLst/>
-                <a:latin typeface="Arial Unicode MS"/>
-              </a:rPr>
-              <a:t>$ </a:t>
-            </a:r>
-            <a:r>
-              <a:rPr lang="en-US" altLang="ko-KR" sz="1000" dirty="0" err="1">
-                <a:solidFill>
-                  <a:srgbClr val="B58900"/>
-                </a:solidFill>
-                <a:latin typeface="Arial" panose="020B0604020202020204" pitchFamily="34" charset="0"/>
-              </a:rPr>
-              <a:t>sudo</a:t>
-            </a:r>
-            <a:r>
-              <a:rPr lang="en-US" altLang="ko-KR" sz="1000" dirty="0">
-                <a:solidFill>
-                  <a:srgbClr val="B58900"/>
-                </a:solidFill>
-                <a:latin typeface="Arial" panose="020B0604020202020204" pitchFamily="34" charset="0"/>
-              </a:rPr>
-              <a:t> </a:t>
-            </a:r>
-            <a:r>
-              <a:rPr kumimoji="0" lang="ko-KR" altLang="ko-KR" sz="1000" b="0" i="0" u="none" strike="noStrike" cap="none" normalizeH="0" baseline="0" dirty="0" err="1">
-                <a:ln>
-                  <a:noFill/>
-                </a:ln>
-                <a:solidFill>
-                  <a:srgbClr val="FFFFFF"/>
-                </a:solidFill>
-                <a:effectLst/>
-                <a:latin typeface="Arial Unicode MS"/>
-              </a:rPr>
-              <a:t>apt</a:t>
-            </a:r>
-            <a:r>
-              <a:rPr kumimoji="0" lang="ko-KR" altLang="ko-KR" sz="1000" b="0" i="0" u="none" strike="noStrike" cap="none" normalizeH="0" baseline="0" dirty="0">
-                <a:ln>
-                  <a:noFill/>
-                </a:ln>
-                <a:solidFill>
-                  <a:srgbClr val="FFFFFF"/>
-                </a:solidFill>
-                <a:effectLst/>
-                <a:latin typeface="Arial Unicode MS"/>
-              </a:rPr>
-              <a:t> ros-humble-turtlebot3</a:t>
-            </a:r>
-            <a:r>
-              <a:rPr kumimoji="0" lang="ko-KR" altLang="ko-KR" sz="1000" b="0" i="0" u="none" strike="noStrike" cap="none" normalizeH="0" baseline="0" dirty="0">
-                <a:ln>
-                  <a:noFill/>
-                </a:ln>
-                <a:solidFill>
-                  <a:schemeClr val="tx1"/>
-                </a:solidFill>
-                <a:effectLst/>
-              </a:rPr>
-              <a:t> </a:t>
-            </a:r>
-            <a:endParaRPr kumimoji="0" lang="ko-KR" altLang="ko-KR" sz="1000" b="0" i="0" u="none" strike="noStrike" cap="none" normalizeH="0" baseline="0" dirty="0">
-              <a:ln>
-                <a:noFill/>
-              </a:ln>
-              <a:solidFill>
-                <a:schemeClr val="tx1"/>
-              </a:solidFill>
-              <a:effectLst/>
-              <a:latin typeface="Arial" panose="020B0604020202020204" pitchFamily="34" charset="0"/>
-            </a:endParaRPr>
-          </a:p>
-        </p:txBody>
-      </p:sp>
-    </p:spTree>
-    <p:extLst>
-      <p:ext uri="{BB962C8B-B14F-4D97-AF65-F5344CB8AC3E}">
-        <p14:creationId xmlns:p14="http://schemas.microsoft.com/office/powerpoint/2010/main" val="426586832"/>
-      </p:ext>
-    </p:extLst>
-  </p:cSld>
-  <p:clrMapOvr>
-    <a:masterClrMapping/>
-  </p:clrMapOvr>
-</p:sld>
-</file>
-
-<file path=ppt/slides/slide11.xml><?xml version="1.0" encoding="utf-8"?>
-<p:sld xmlns:a="http://schemas.openxmlformats.org/drawingml/2006/main" xmlns:r="http://schemas.openxmlformats.org/officeDocument/2006/relationships" xmlns:p="http://schemas.openxmlformats.org/presentationml/2006/main">
-  <p:cSld>
-    <p:spTree>
-      <p:nvGrpSpPr>
-        <p:cNvPr id="1" name=""/>
-        <p:cNvGrpSpPr/>
-        <p:nvPr/>
-      </p:nvGrpSpPr>
-      <p:grpSpPr>
-        <a:xfrm>
-          <a:off x="0" y="0"/>
-          <a:ext cx="0" cy="0"/>
-          <a:chOff x="0" y="0"/>
-          <a:chExt cx="0" cy="0"/>
-        </a:xfrm>
-      </p:grpSpPr>
-      <p:cxnSp>
-        <p:nvCxnSpPr>
-          <p:cNvPr id="5" name="직선 연결선 4">
-            <a:extLst>
-              <a:ext uri="{FF2B5EF4-FFF2-40B4-BE49-F238E27FC236}">
-                <a16:creationId xmlns:a16="http://schemas.microsoft.com/office/drawing/2014/main" id="{5C86692A-7D17-4D6E-2C8C-4A3FE6D011FD}"/>
-              </a:ext>
-            </a:extLst>
-          </p:cNvPr>
-          <p:cNvCxnSpPr/>
-          <p:nvPr/>
-        </p:nvCxnSpPr>
-        <p:spPr>
-          <a:xfrm>
-            <a:off x="159798" y="1003173"/>
-            <a:ext cx="11585359" cy="0"/>
-          </a:xfrm>
-          <a:prstGeom prst="line">
-            <a:avLst/>
-          </a:prstGeom>
-          <a:ln w="38100"/>
-        </p:spPr>
-        <p:style>
-          <a:lnRef idx="1">
-            <a:schemeClr val="dk1"/>
-          </a:lnRef>
-          <a:fillRef idx="0">
-            <a:schemeClr val="dk1"/>
-          </a:fillRef>
-          <a:effectRef idx="0">
-            <a:schemeClr val="dk1"/>
-          </a:effectRef>
-          <a:fontRef idx="minor">
-            <a:schemeClr val="tx1"/>
-          </a:fontRef>
-        </p:style>
-      </p:cxnSp>
-      <p:sp>
-        <p:nvSpPr>
-          <p:cNvPr id="6" name="TextBox 5">
-            <a:extLst>
-              <a:ext uri="{FF2B5EF4-FFF2-40B4-BE49-F238E27FC236}">
-                <a16:creationId xmlns:a16="http://schemas.microsoft.com/office/drawing/2014/main" id="{DA9F2F0B-C4F6-287B-C7B1-181AEC26E67F}"/>
-              </a:ext>
-            </a:extLst>
-          </p:cNvPr>
-          <p:cNvSpPr txBox="1"/>
-          <p:nvPr/>
-        </p:nvSpPr>
-        <p:spPr>
-          <a:xfrm>
-            <a:off x="3835153" y="260775"/>
-            <a:ext cx="6706259" cy="584775"/>
-          </a:xfrm>
-          <a:prstGeom prst="rect">
-            <a:avLst/>
-          </a:prstGeom>
-          <a:noFill/>
-        </p:spPr>
-        <p:txBody>
-          <a:bodyPr wrap="none" rtlCol="0">
-            <a:spAutoFit/>
-          </a:bodyPr>
-          <a:lstStyle/>
-          <a:p>
-            <a:r>
-              <a:rPr lang="en-US" altLang="ko-KR" sz="3200" dirty="0"/>
-              <a:t>PC Setup/ROS Dependent Package</a:t>
-            </a:r>
-            <a:endParaRPr lang="ko-KR" altLang="en-US" sz="3200" dirty="0"/>
-          </a:p>
-        </p:txBody>
-      </p:sp>
-      <p:sp>
-        <p:nvSpPr>
-          <p:cNvPr id="7" name="TextBox 6">
-            <a:extLst>
-              <a:ext uri="{FF2B5EF4-FFF2-40B4-BE49-F238E27FC236}">
-                <a16:creationId xmlns:a16="http://schemas.microsoft.com/office/drawing/2014/main" id="{83EBF423-6C1F-8DE0-3A6A-32324600DBF9}"/>
-              </a:ext>
-            </a:extLst>
-          </p:cNvPr>
-          <p:cNvSpPr txBox="1"/>
-          <p:nvPr/>
-        </p:nvSpPr>
-        <p:spPr>
-          <a:xfrm>
-            <a:off x="198729" y="1278380"/>
-            <a:ext cx="1658211" cy="584775"/>
-          </a:xfrm>
-          <a:prstGeom prst="rect">
-            <a:avLst/>
-          </a:prstGeom>
-          <a:noFill/>
-        </p:spPr>
-        <p:txBody>
-          <a:bodyPr wrap="none" rtlCol="0">
-            <a:spAutoFit/>
-          </a:bodyPr>
-          <a:lstStyle/>
-          <a:p>
-            <a:pPr marL="457200" indent="-457200">
-              <a:buFont typeface="Arial" panose="020B0604020202020204" pitchFamily="34" charset="0"/>
-              <a:buChar char="•"/>
-            </a:pPr>
-            <a:r>
-              <a:rPr lang="en-US" altLang="ko-KR" sz="3200" dirty="0"/>
-              <a:t>ROS1</a:t>
-            </a:r>
-            <a:endParaRPr lang="ko-KR" altLang="en-US" dirty="0"/>
-          </a:p>
-        </p:txBody>
-      </p:sp>
-      <p:sp>
-        <p:nvSpPr>
-          <p:cNvPr id="8" name="TextBox 7">
-            <a:extLst>
-              <a:ext uri="{FF2B5EF4-FFF2-40B4-BE49-F238E27FC236}">
-                <a16:creationId xmlns:a16="http://schemas.microsoft.com/office/drawing/2014/main" id="{D75F6F21-147A-0272-AA8F-4DC5EA30F1AB}"/>
-              </a:ext>
-            </a:extLst>
-          </p:cNvPr>
-          <p:cNvSpPr txBox="1"/>
-          <p:nvPr/>
-        </p:nvSpPr>
-        <p:spPr>
-          <a:xfrm>
-            <a:off x="198729" y="3886200"/>
-            <a:ext cx="11670183" cy="584775"/>
-          </a:xfrm>
-          <a:prstGeom prst="rect">
-            <a:avLst/>
-          </a:prstGeom>
-          <a:noFill/>
-        </p:spPr>
-        <p:txBody>
-          <a:bodyPr wrap="square" rtlCol="0">
-            <a:spAutoFit/>
-          </a:bodyPr>
-          <a:lstStyle/>
-          <a:p>
-            <a:pPr marL="457200" indent="-457200">
-              <a:buFont typeface="Arial" panose="020B0604020202020204" pitchFamily="34" charset="0"/>
-              <a:buChar char="•"/>
-            </a:pPr>
-            <a:r>
-              <a:rPr lang="en-US" altLang="ko-KR" sz="3200" dirty="0"/>
-              <a:t>ROS2</a:t>
-            </a:r>
-            <a:endParaRPr lang="en-US" altLang="ko-KR" dirty="0"/>
-          </a:p>
-        </p:txBody>
-      </p:sp>
-      <p:sp>
-        <p:nvSpPr>
-          <p:cNvPr id="3" name="AutoShape 2" descr="TurtleBOT - Open source personal research robot">
-            <a:extLst>
-              <a:ext uri="{FF2B5EF4-FFF2-40B4-BE49-F238E27FC236}">
-                <a16:creationId xmlns:a16="http://schemas.microsoft.com/office/drawing/2014/main" id="{660CB241-B55D-83B3-A4DB-84D0C36F0D76}"/>
-              </a:ext>
-            </a:extLst>
-          </p:cNvPr>
-          <p:cNvSpPr>
-            <a:spLocks noChangeAspect="1" noChangeArrowheads="1"/>
-          </p:cNvSpPr>
-          <p:nvPr/>
-        </p:nvSpPr>
-        <p:spPr bwMode="auto">
-          <a:xfrm>
-            <a:off x="5943600" y="3276600"/>
-            <a:ext cx="304800" cy="304800"/>
-          </a:xfrm>
-          <a:prstGeom prst="rect">
-            <a:avLst/>
-          </a:prstGeom>
-          <a:noFill/>
-          <a:extLst>
-            <a:ext uri="{909E8E84-426E-40DD-AFC4-6F175D3DCCD1}">
-              <a14:hiddenFill xmlns:a14="http://schemas.microsoft.com/office/drawing/2010/main">
-                <a:solidFill>
-                  <a:srgbClr val="FFFFFF"/>
-                </a:solidFill>
-              </a14:hiddenFill>
-            </a:ext>
-          </a:extLst>
-        </p:spPr>
-        <p:txBody>
-          <a:bodyPr vert="horz" wrap="square" lIns="91440" tIns="45720" rIns="91440" bIns="45720" numCol="1" anchor="t" anchorCtr="0" compatLnSpc="1">
-            <a:prstTxWarp prst="textNoShape">
-              <a:avLst/>
-            </a:prstTxWarp>
-          </a:bodyPr>
-          <a:lstStyle/>
-          <a:p>
-            <a:endParaRPr lang="ko-KR" altLang="en-US"/>
-          </a:p>
-        </p:txBody>
-      </p:sp>
-      <p:sp>
-        <p:nvSpPr>
-          <p:cNvPr id="4" name="AutoShape 4" descr="TurtleBOT - Open source personal research robot">
-            <a:extLst>
-              <a:ext uri="{FF2B5EF4-FFF2-40B4-BE49-F238E27FC236}">
-                <a16:creationId xmlns:a16="http://schemas.microsoft.com/office/drawing/2014/main" id="{0940963A-B2DE-F3B8-F52C-C8EFF3DFF8CD}"/>
-              </a:ext>
-            </a:extLst>
-          </p:cNvPr>
-          <p:cNvSpPr>
-            <a:spLocks noChangeAspect="1" noChangeArrowheads="1"/>
-          </p:cNvSpPr>
-          <p:nvPr/>
-        </p:nvSpPr>
-        <p:spPr bwMode="auto">
-          <a:xfrm>
-            <a:off x="6096000" y="3429000"/>
-            <a:ext cx="304800" cy="304800"/>
-          </a:xfrm>
-          <a:prstGeom prst="rect">
-            <a:avLst/>
-          </a:prstGeom>
-          <a:noFill/>
-          <a:extLst>
-            <a:ext uri="{909E8E84-426E-40DD-AFC4-6F175D3DCCD1}">
-              <a14:hiddenFill xmlns:a14="http://schemas.microsoft.com/office/drawing/2010/main">
-                <a:solidFill>
-                  <a:srgbClr val="FFFFFF"/>
-                </a:solidFill>
-              </a14:hiddenFill>
-            </a:ext>
-          </a:extLst>
-        </p:spPr>
-        <p:txBody>
-          <a:bodyPr vert="horz" wrap="square" lIns="91440" tIns="45720" rIns="91440" bIns="45720" numCol="1" anchor="t" anchorCtr="0" compatLnSpc="1">
-            <a:prstTxWarp prst="textNoShape">
-              <a:avLst/>
-            </a:prstTxWarp>
-          </a:bodyPr>
-          <a:lstStyle/>
-          <a:p>
-            <a:endParaRPr lang="ko-KR" altLang="en-US"/>
-          </a:p>
-        </p:txBody>
-      </p:sp>
-      <p:pic>
-        <p:nvPicPr>
-          <p:cNvPr id="2054" name="Picture 6" descr="Open Source Robots - TurtleBot 3 - ROBOTIS">
-            <a:extLst>
-              <a:ext uri="{FF2B5EF4-FFF2-40B4-BE49-F238E27FC236}">
-                <a16:creationId xmlns:a16="http://schemas.microsoft.com/office/drawing/2014/main" id="{BC22BBD3-E0C9-4173-B29C-412B55F25647}"/>
-              </a:ext>
-            </a:extLst>
-          </p:cNvPr>
-          <p:cNvPicPr>
-            <a:picLocks noChangeAspect="1" noChangeArrowheads="1"/>
-          </p:cNvPicPr>
-          <p:nvPr/>
-        </p:nvPicPr>
-        <p:blipFill>
-          <a:blip r:embed="rId2">
-            <a:extLst>
-              <a:ext uri="{28A0092B-C50C-407E-A947-70E740481C1C}">
-                <a14:useLocalDpi xmlns:a14="http://schemas.microsoft.com/office/drawing/2010/main" val="0"/>
-              </a:ext>
-            </a:extLst>
-          </a:blip>
-          <a:srcRect/>
-          <a:stretch>
-            <a:fillRect/>
-          </a:stretch>
-        </p:blipFill>
-        <p:spPr bwMode="auto">
-          <a:xfrm>
-            <a:off x="159798" y="289382"/>
-            <a:ext cx="3338384" cy="511337"/>
-          </a:xfrm>
-          <a:prstGeom prst="rect">
-            <a:avLst/>
-          </a:prstGeom>
-          <a:noFill/>
-          <a:extLst>
-            <a:ext uri="{909E8E84-426E-40DD-AFC4-6F175D3DCCD1}">
-              <a14:hiddenFill xmlns:a14="http://schemas.microsoft.com/office/drawing/2010/main">
-                <a:solidFill>
-                  <a:srgbClr val="FFFFFF"/>
-                </a:solidFill>
-              </a14:hiddenFill>
-            </a:ext>
-          </a:extLst>
-        </p:spPr>
-      </p:pic>
-      <p:sp>
-        <p:nvSpPr>
-          <p:cNvPr id="11" name="Rectangle 2">
-            <a:extLst>
-              <a:ext uri="{FF2B5EF4-FFF2-40B4-BE49-F238E27FC236}">
-                <a16:creationId xmlns:a16="http://schemas.microsoft.com/office/drawing/2014/main" id="{6DEEF7F4-3698-8E57-B619-E8DE1AC768AD}"/>
-              </a:ext>
-            </a:extLst>
-          </p:cNvPr>
-          <p:cNvSpPr>
-            <a:spLocks noChangeArrowheads="1"/>
-          </p:cNvSpPr>
-          <p:nvPr/>
-        </p:nvSpPr>
-        <p:spPr bwMode="auto">
-          <a:xfrm>
-            <a:off x="381739" y="1812836"/>
-            <a:ext cx="9286044" cy="2124000"/>
-          </a:xfrm>
-          <a:prstGeom prst="rect">
-            <a:avLst/>
-          </a:prstGeom>
-          <a:solidFill>
-            <a:srgbClr val="000000"/>
-          </a:solidFill>
-          <a:ln>
-            <a:noFill/>
-          </a:ln>
-          <a:effectLst/>
-          <a:extLst>
-            <a:ext uri="{91240B29-F687-4F45-9708-019B960494DF}">
-              <a14:hiddenLine xmlns:a14="http://schemas.microsoft.com/office/drawing/2010/main" w="9525">
-                <a:solidFill>
-                  <a:schemeClr val="tx1"/>
-                </a:solidFill>
-                <a:miter lim="800000"/>
-                <a:headEnd/>
-                <a:tailEnd/>
-              </a14:hiddenLine>
-            </a:ext>
-            <a:ext uri="{AF507438-7753-43E0-B8FC-AC1667EBCBE1}">
-              <a14:hiddenEffects xmlns:a14="http://schemas.microsoft.com/office/drawing/2010/main">
-                <a:effectLst>
-                  <a:outerShdw dist="35921" dir="2700000" algn="ctr" rotWithShape="0">
-                    <a:schemeClr val="bg2"/>
-                  </a:outerShdw>
-                </a:effectLst>
-              </a14:hiddenEffects>
-            </a:ext>
-          </a:extLst>
-        </p:spPr>
-        <p:txBody>
-          <a:bodyPr vert="horz" wrap="square" lIns="0" tIns="0" rIns="0" bIns="0" numCol="1" anchor="ctr" anchorCtr="0" compatLnSpc="1">
-            <a:prstTxWarp prst="textNoShape">
-              <a:avLst/>
-            </a:prstTxWarp>
-            <a:spAutoFit/>
-          </a:bodyPr>
-          <a:lstStyle/>
-          <a:p>
-            <a:pPr marL="0" marR="0" lvl="0" indent="0" algn="l" defTabSz="914400" rtl="0" eaLnBrk="0" fontAlgn="base" latinLnBrk="0" hangingPunct="0">
-              <a:lnSpc>
-                <a:spcPct val="150000"/>
-              </a:lnSpc>
-              <a:spcBef>
-                <a:spcPct val="0"/>
-              </a:spcBef>
-              <a:spcAft>
-                <a:spcPct val="0"/>
-              </a:spcAft>
-              <a:buClrTx/>
-              <a:buSzTx/>
-              <a:buFontTx/>
-              <a:buNone/>
-              <a:tabLst/>
-            </a:pPr>
-            <a:r>
-              <a:rPr kumimoji="0" lang="ko-KR" altLang="ko-KR" sz="1000" b="0" i="0" u="none" strike="noStrike" cap="none" normalizeH="0" baseline="0" dirty="0">
-                <a:ln>
-                  <a:noFill/>
-                </a:ln>
-                <a:solidFill>
-                  <a:srgbClr val="22B3EB"/>
-                </a:solidFill>
-                <a:effectLst/>
-                <a:latin typeface="Arial Unicode MS"/>
-              </a:rPr>
-              <a:t>$ </a:t>
-            </a:r>
-            <a:r>
-              <a:rPr kumimoji="0" lang="en-US" altLang="ko-KR" sz="1000" b="0" i="0" u="none" strike="noStrike" cap="none" normalizeH="0" baseline="0" dirty="0" err="1">
-                <a:ln>
-                  <a:noFill/>
-                </a:ln>
-                <a:solidFill>
-                  <a:srgbClr val="22B3EB"/>
-                </a:solidFill>
-                <a:effectLst/>
-                <a:latin typeface="Arial Unicode MS"/>
-              </a:rPr>
-              <a:t>sudo</a:t>
-            </a:r>
-            <a:r>
-              <a:rPr kumimoji="0" lang="en-US" altLang="ko-KR" sz="1000" b="0" i="0" u="none" strike="noStrike" cap="none" normalizeH="0" baseline="0" dirty="0">
-                <a:ln>
-                  <a:noFill/>
-                </a:ln>
-                <a:solidFill>
-                  <a:srgbClr val="22B3EB"/>
-                </a:solidFill>
-                <a:effectLst/>
-                <a:latin typeface="Arial Unicode MS"/>
-              </a:rPr>
-              <a:t> </a:t>
-            </a:r>
-            <a:r>
-              <a:rPr kumimoji="0" lang="ko-KR" altLang="ko-KR" sz="1000" b="0" i="0" u="none" strike="noStrike" cap="none" normalizeH="0" baseline="0" dirty="0" err="1">
-                <a:ln>
-                  <a:noFill/>
-                </a:ln>
-                <a:solidFill>
-                  <a:srgbClr val="FFFFFF"/>
-                </a:solidFill>
-                <a:effectLst/>
-                <a:latin typeface="Arial Unicode MS"/>
-              </a:rPr>
-              <a:t>apt-get</a:t>
-            </a:r>
-            <a:r>
-              <a:rPr kumimoji="0" lang="ko-KR" altLang="ko-KR" sz="1000" b="0" i="0" u="none" strike="noStrike" cap="none" normalizeH="0" baseline="0" dirty="0">
-                <a:ln>
-                  <a:noFill/>
-                </a:ln>
-                <a:solidFill>
-                  <a:srgbClr val="FFFFFF"/>
-                </a:solidFill>
-                <a:effectLst/>
-                <a:latin typeface="Arial Unicode MS"/>
-              </a:rPr>
-              <a:t> </a:t>
-            </a:r>
-            <a:r>
-              <a:rPr kumimoji="0" lang="en-US" altLang="ko-KR" sz="1000" b="0" i="0" u="none" strike="noStrike" cap="none" normalizeH="0" baseline="0" dirty="0">
-                <a:ln>
-                  <a:noFill/>
-                </a:ln>
-                <a:solidFill>
-                  <a:srgbClr val="FFFFFF"/>
-                </a:solidFill>
-                <a:effectLst/>
-                <a:latin typeface="Arial Unicode MS"/>
-              </a:rPr>
-              <a:t>install </a:t>
-            </a:r>
-            <a:r>
-              <a:rPr kumimoji="0" lang="ko-KR" altLang="ko-KR" sz="1000" b="0" i="0" u="none" strike="noStrike" cap="none" normalizeH="0" baseline="0" dirty="0" err="1">
-                <a:ln>
-                  <a:noFill/>
-                </a:ln>
-                <a:solidFill>
-                  <a:srgbClr val="FFFFFF"/>
-                </a:solidFill>
-                <a:effectLst/>
-                <a:latin typeface="Arial Unicode MS"/>
-              </a:rPr>
-              <a:t>ros-kinetic-joy</a:t>
-            </a:r>
-            <a:r>
-              <a:rPr kumimoji="0" lang="ko-KR" altLang="ko-KR" sz="1000" b="0" i="0" u="none" strike="noStrike" cap="none" normalizeH="0" baseline="0" dirty="0">
-                <a:ln>
-                  <a:noFill/>
-                </a:ln>
-                <a:solidFill>
-                  <a:srgbClr val="FFFFFF"/>
-                </a:solidFill>
-                <a:effectLst/>
-                <a:latin typeface="Arial Unicode MS"/>
-              </a:rPr>
-              <a:t> </a:t>
-            </a:r>
-            <a:r>
-              <a:rPr kumimoji="0" lang="ko-KR" altLang="ko-KR" sz="1000" b="0" i="0" u="none" strike="noStrike" cap="none" normalizeH="0" baseline="0" dirty="0" err="1">
-                <a:ln>
-                  <a:noFill/>
-                </a:ln>
-                <a:solidFill>
-                  <a:srgbClr val="FFFFFF"/>
-                </a:solidFill>
-                <a:effectLst/>
-                <a:latin typeface="Arial Unicode MS"/>
-              </a:rPr>
-              <a:t>ros-kinetic-teleop-twist-joy</a:t>
-            </a:r>
-            <a:r>
-              <a:rPr kumimoji="0" lang="ko-KR" altLang="ko-KR" sz="1000" b="0" i="0" u="none" strike="noStrike" cap="none" normalizeH="0" baseline="0" dirty="0">
-                <a:ln>
-                  <a:noFill/>
-                </a:ln>
-                <a:solidFill>
-                  <a:srgbClr val="FFFFFF"/>
-                </a:solidFill>
-                <a:effectLst/>
-                <a:latin typeface="Arial Unicode MS"/>
-              </a:rPr>
-              <a:t> </a:t>
-            </a:r>
-            <a:r>
-              <a:rPr kumimoji="0" lang="ko-KR" altLang="ko-KR" sz="1000" b="0" i="0" u="none" strike="noStrike" cap="none" normalizeH="0" baseline="0" dirty="0">
-                <a:ln>
-                  <a:noFill/>
-                </a:ln>
-                <a:solidFill>
-                  <a:srgbClr val="CB4B16"/>
-                </a:solidFill>
-                <a:effectLst/>
-                <a:latin typeface="Arial Unicode MS"/>
-              </a:rPr>
-              <a:t>\</a:t>
-            </a:r>
-            <a:r>
-              <a:rPr kumimoji="0" lang="ko-KR" altLang="ko-KR" sz="1000" b="0" i="0" u="none" strike="noStrike" cap="none" normalizeH="0" baseline="0" dirty="0">
-                <a:ln>
-                  <a:noFill/>
-                </a:ln>
-                <a:solidFill>
-                  <a:srgbClr val="FFFFFF"/>
-                </a:solidFill>
-                <a:effectLst/>
-                <a:latin typeface="Arial Unicode MS"/>
-              </a:rPr>
-              <a:t> </a:t>
-            </a:r>
-            <a:endParaRPr kumimoji="0" lang="en-US" altLang="ko-KR" sz="1000" b="0" i="0" u="none" strike="noStrike" cap="none" normalizeH="0" baseline="0" dirty="0">
-              <a:ln>
-                <a:noFill/>
-              </a:ln>
-              <a:solidFill>
-                <a:srgbClr val="FFFFFF"/>
-              </a:solidFill>
-              <a:effectLst/>
-              <a:latin typeface="Arial Unicode MS"/>
-            </a:endParaRPr>
-          </a:p>
-          <a:p>
-            <a:pPr marL="0" marR="0" lvl="0" indent="0" algn="l" defTabSz="914400" rtl="0" eaLnBrk="0" fontAlgn="base" latinLnBrk="0" hangingPunct="0">
-              <a:lnSpc>
-                <a:spcPct val="150000"/>
-              </a:lnSpc>
-              <a:spcBef>
-                <a:spcPct val="0"/>
-              </a:spcBef>
-              <a:spcAft>
-                <a:spcPct val="0"/>
-              </a:spcAft>
-              <a:buClrTx/>
-              <a:buSzTx/>
-              <a:buFontTx/>
-              <a:buNone/>
-              <a:tabLst/>
-            </a:pPr>
-            <a:r>
-              <a:rPr kumimoji="0" lang="ko-KR" altLang="ko-KR" sz="1000" b="0" i="0" u="none" strike="noStrike" cap="none" normalizeH="0" baseline="0" dirty="0" err="1">
-                <a:ln>
-                  <a:noFill/>
-                </a:ln>
-                <a:solidFill>
-                  <a:srgbClr val="FFFFFF"/>
-                </a:solidFill>
-                <a:effectLst/>
-                <a:latin typeface="Arial Unicode MS"/>
-              </a:rPr>
-              <a:t>ros-kinetic-teleop-twist-keyboard</a:t>
-            </a:r>
-            <a:r>
-              <a:rPr kumimoji="0" lang="ko-KR" altLang="ko-KR" sz="1000" b="0" i="0" u="none" strike="noStrike" cap="none" normalizeH="0" baseline="0" dirty="0">
-                <a:ln>
-                  <a:noFill/>
-                </a:ln>
-                <a:solidFill>
-                  <a:srgbClr val="FFFFFF"/>
-                </a:solidFill>
-                <a:effectLst/>
-                <a:latin typeface="Arial Unicode MS"/>
-              </a:rPr>
-              <a:t> </a:t>
-            </a:r>
-            <a:r>
-              <a:rPr kumimoji="0" lang="ko-KR" altLang="ko-KR" sz="1000" b="0" i="0" u="none" strike="noStrike" cap="none" normalizeH="0" baseline="0" dirty="0" err="1">
-                <a:ln>
-                  <a:noFill/>
-                </a:ln>
-                <a:solidFill>
-                  <a:srgbClr val="FFFFFF"/>
-                </a:solidFill>
-                <a:effectLst/>
-                <a:latin typeface="Arial Unicode MS"/>
-              </a:rPr>
-              <a:t>ros-kinetic-laser-proc</a:t>
-            </a:r>
-            <a:r>
-              <a:rPr kumimoji="0" lang="ko-KR" altLang="ko-KR" sz="1000" b="0" i="0" u="none" strike="noStrike" cap="none" normalizeH="0" baseline="0" dirty="0">
-                <a:ln>
-                  <a:noFill/>
-                </a:ln>
-                <a:solidFill>
-                  <a:srgbClr val="FFFFFF"/>
-                </a:solidFill>
-                <a:effectLst/>
-                <a:latin typeface="Arial Unicode MS"/>
-              </a:rPr>
-              <a:t> </a:t>
-            </a:r>
-            <a:r>
-              <a:rPr kumimoji="0" lang="ko-KR" altLang="ko-KR" sz="1000" b="0" i="0" u="none" strike="noStrike" cap="none" normalizeH="0" baseline="0" dirty="0">
-                <a:ln>
-                  <a:noFill/>
-                </a:ln>
-                <a:solidFill>
-                  <a:srgbClr val="CB4B16"/>
-                </a:solidFill>
-                <a:effectLst/>
-                <a:latin typeface="Arial Unicode MS"/>
-              </a:rPr>
-              <a:t>\</a:t>
-            </a:r>
-            <a:r>
-              <a:rPr kumimoji="0" lang="ko-KR" altLang="ko-KR" sz="1000" b="0" i="0" u="none" strike="noStrike" cap="none" normalizeH="0" baseline="0" dirty="0">
-                <a:ln>
-                  <a:noFill/>
-                </a:ln>
-                <a:solidFill>
-                  <a:srgbClr val="FFFFFF"/>
-                </a:solidFill>
-                <a:effectLst/>
-                <a:latin typeface="Arial Unicode MS"/>
-              </a:rPr>
-              <a:t> </a:t>
-            </a:r>
-            <a:endParaRPr kumimoji="0" lang="en-US" altLang="ko-KR" sz="1000" b="0" i="0" u="none" strike="noStrike" cap="none" normalizeH="0" baseline="0" dirty="0">
-              <a:ln>
-                <a:noFill/>
-              </a:ln>
-              <a:solidFill>
-                <a:srgbClr val="FFFFFF"/>
-              </a:solidFill>
-              <a:effectLst/>
-              <a:latin typeface="Arial Unicode MS"/>
-            </a:endParaRPr>
-          </a:p>
-          <a:p>
-            <a:pPr marL="0" marR="0" lvl="0" indent="0" algn="l" defTabSz="914400" rtl="0" eaLnBrk="0" fontAlgn="base" latinLnBrk="0" hangingPunct="0">
-              <a:lnSpc>
-                <a:spcPct val="150000"/>
-              </a:lnSpc>
-              <a:spcBef>
-                <a:spcPct val="0"/>
-              </a:spcBef>
-              <a:spcAft>
-                <a:spcPct val="0"/>
-              </a:spcAft>
-              <a:buClrTx/>
-              <a:buSzTx/>
-              <a:buFontTx/>
-              <a:buNone/>
-              <a:tabLst/>
-            </a:pPr>
-            <a:r>
-              <a:rPr kumimoji="0" lang="ko-KR" altLang="ko-KR" sz="1000" b="0" i="0" u="none" strike="noStrike" cap="none" normalizeH="0" baseline="0" dirty="0" err="1">
-                <a:ln>
-                  <a:noFill/>
-                </a:ln>
-                <a:solidFill>
-                  <a:srgbClr val="FFFFFF"/>
-                </a:solidFill>
-                <a:effectLst/>
-                <a:latin typeface="Arial Unicode MS"/>
-              </a:rPr>
-              <a:t>ros-kinetic-rgbd-launch</a:t>
-            </a:r>
-            <a:r>
-              <a:rPr kumimoji="0" lang="ko-KR" altLang="ko-KR" sz="1000" b="0" i="0" u="none" strike="noStrike" cap="none" normalizeH="0" baseline="0" dirty="0">
-                <a:ln>
-                  <a:noFill/>
-                </a:ln>
-                <a:solidFill>
-                  <a:srgbClr val="FFFFFF"/>
-                </a:solidFill>
-                <a:effectLst/>
-                <a:latin typeface="Arial Unicode MS"/>
-              </a:rPr>
-              <a:t> </a:t>
-            </a:r>
-            <a:r>
-              <a:rPr kumimoji="0" lang="ko-KR" altLang="ko-KR" sz="1000" b="0" i="0" u="none" strike="noStrike" cap="none" normalizeH="0" baseline="0" dirty="0" err="1">
-                <a:ln>
-                  <a:noFill/>
-                </a:ln>
-                <a:solidFill>
-                  <a:srgbClr val="FFFFFF"/>
-                </a:solidFill>
-                <a:effectLst/>
-                <a:latin typeface="Arial Unicode MS"/>
-              </a:rPr>
-              <a:t>ros-kinetic-depthimage-to-laserscan</a:t>
-            </a:r>
-            <a:r>
-              <a:rPr kumimoji="0" lang="ko-KR" altLang="ko-KR" sz="1000" b="0" i="0" u="none" strike="noStrike" cap="none" normalizeH="0" baseline="0" dirty="0">
-                <a:ln>
-                  <a:noFill/>
-                </a:ln>
-                <a:solidFill>
-                  <a:srgbClr val="FFFFFF"/>
-                </a:solidFill>
-                <a:effectLst/>
-                <a:latin typeface="Arial Unicode MS"/>
-              </a:rPr>
-              <a:t> </a:t>
-            </a:r>
-            <a:r>
-              <a:rPr kumimoji="0" lang="ko-KR" altLang="ko-KR" sz="1000" b="0" i="0" u="none" strike="noStrike" cap="none" normalizeH="0" baseline="0" dirty="0">
-                <a:ln>
-                  <a:noFill/>
-                </a:ln>
-                <a:solidFill>
-                  <a:srgbClr val="CB4B16"/>
-                </a:solidFill>
-                <a:effectLst/>
-                <a:latin typeface="Arial Unicode MS"/>
-              </a:rPr>
-              <a:t>\</a:t>
-            </a:r>
-            <a:r>
-              <a:rPr kumimoji="0" lang="ko-KR" altLang="ko-KR" sz="1000" b="0" i="0" u="none" strike="noStrike" cap="none" normalizeH="0" baseline="0" dirty="0">
-                <a:ln>
-                  <a:noFill/>
-                </a:ln>
-                <a:solidFill>
-                  <a:srgbClr val="FFFFFF"/>
-                </a:solidFill>
-                <a:effectLst/>
-                <a:latin typeface="Arial Unicode MS"/>
-              </a:rPr>
-              <a:t> </a:t>
-            </a:r>
-            <a:endParaRPr kumimoji="0" lang="en-US" altLang="ko-KR" sz="1000" b="0" i="0" u="none" strike="noStrike" cap="none" normalizeH="0" baseline="0" dirty="0">
-              <a:ln>
-                <a:noFill/>
-              </a:ln>
-              <a:solidFill>
-                <a:srgbClr val="FFFFFF"/>
-              </a:solidFill>
-              <a:effectLst/>
-              <a:latin typeface="Arial Unicode MS"/>
-            </a:endParaRPr>
-          </a:p>
-          <a:p>
-            <a:pPr marL="0" marR="0" lvl="0" indent="0" algn="l" defTabSz="914400" rtl="0" eaLnBrk="0" fontAlgn="base" latinLnBrk="0" hangingPunct="0">
-              <a:lnSpc>
-                <a:spcPct val="150000"/>
-              </a:lnSpc>
-              <a:spcBef>
-                <a:spcPct val="0"/>
-              </a:spcBef>
-              <a:spcAft>
-                <a:spcPct val="0"/>
-              </a:spcAft>
-              <a:buClrTx/>
-              <a:buSzTx/>
-              <a:buFontTx/>
-              <a:buNone/>
-              <a:tabLst/>
-            </a:pPr>
-            <a:r>
-              <a:rPr kumimoji="0" lang="ko-KR" altLang="ko-KR" sz="1000" b="0" i="0" u="none" strike="noStrike" cap="none" normalizeH="0" baseline="0" dirty="0" err="1">
-                <a:ln>
-                  <a:noFill/>
-                </a:ln>
-                <a:solidFill>
-                  <a:srgbClr val="FFFFFF"/>
-                </a:solidFill>
-                <a:effectLst/>
-                <a:latin typeface="Arial Unicode MS"/>
-              </a:rPr>
-              <a:t>ros-kinetic-rosserial-arduino</a:t>
-            </a:r>
-            <a:r>
-              <a:rPr kumimoji="0" lang="ko-KR" altLang="ko-KR" sz="1000" b="0" i="0" u="none" strike="noStrike" cap="none" normalizeH="0" baseline="0" dirty="0">
-                <a:ln>
-                  <a:noFill/>
-                </a:ln>
-                <a:solidFill>
-                  <a:srgbClr val="FFFFFF"/>
-                </a:solidFill>
-                <a:effectLst/>
-                <a:latin typeface="Arial Unicode MS"/>
-              </a:rPr>
-              <a:t> </a:t>
-            </a:r>
-            <a:r>
-              <a:rPr kumimoji="0" lang="ko-KR" altLang="ko-KR" sz="1000" b="0" i="0" u="none" strike="noStrike" cap="none" normalizeH="0" baseline="0" dirty="0" err="1">
-                <a:ln>
-                  <a:noFill/>
-                </a:ln>
-                <a:solidFill>
-                  <a:srgbClr val="FFFFFF"/>
-                </a:solidFill>
-                <a:effectLst/>
-                <a:latin typeface="Arial Unicode MS"/>
-              </a:rPr>
-              <a:t>ros-kinetic-rosserial-python</a:t>
-            </a:r>
-            <a:r>
-              <a:rPr kumimoji="0" lang="ko-KR" altLang="ko-KR" sz="1000" b="0" i="0" u="none" strike="noStrike" cap="none" normalizeH="0" baseline="0" dirty="0">
-                <a:ln>
-                  <a:noFill/>
-                </a:ln>
-                <a:solidFill>
-                  <a:srgbClr val="FFFFFF"/>
-                </a:solidFill>
-                <a:effectLst/>
-                <a:latin typeface="Arial Unicode MS"/>
-              </a:rPr>
-              <a:t> </a:t>
-            </a:r>
-            <a:r>
-              <a:rPr kumimoji="0" lang="ko-KR" altLang="ko-KR" sz="1000" b="0" i="0" u="none" strike="noStrike" cap="none" normalizeH="0" baseline="0" dirty="0">
-                <a:ln>
-                  <a:noFill/>
-                </a:ln>
-                <a:solidFill>
-                  <a:srgbClr val="CB4B16"/>
-                </a:solidFill>
-                <a:effectLst/>
-                <a:latin typeface="Arial Unicode MS"/>
-              </a:rPr>
-              <a:t>\</a:t>
-            </a:r>
-            <a:r>
-              <a:rPr kumimoji="0" lang="ko-KR" altLang="ko-KR" sz="1000" b="0" i="0" u="none" strike="noStrike" cap="none" normalizeH="0" baseline="0" dirty="0">
-                <a:ln>
-                  <a:noFill/>
-                </a:ln>
-                <a:solidFill>
-                  <a:srgbClr val="FFFFFF"/>
-                </a:solidFill>
-                <a:effectLst/>
-                <a:latin typeface="Arial Unicode MS"/>
-              </a:rPr>
-              <a:t> </a:t>
-            </a:r>
-            <a:endParaRPr kumimoji="0" lang="en-US" altLang="ko-KR" sz="1000" b="0" i="0" u="none" strike="noStrike" cap="none" normalizeH="0" baseline="0" dirty="0">
-              <a:ln>
-                <a:noFill/>
-              </a:ln>
-              <a:solidFill>
-                <a:srgbClr val="FFFFFF"/>
-              </a:solidFill>
-              <a:effectLst/>
-              <a:latin typeface="Arial Unicode MS"/>
-            </a:endParaRPr>
-          </a:p>
-          <a:p>
-            <a:pPr marL="0" marR="0" lvl="0" indent="0" algn="l" defTabSz="914400" rtl="0" eaLnBrk="0" fontAlgn="base" latinLnBrk="0" hangingPunct="0">
-              <a:lnSpc>
-                <a:spcPct val="150000"/>
-              </a:lnSpc>
-              <a:spcBef>
-                <a:spcPct val="0"/>
-              </a:spcBef>
-              <a:spcAft>
-                <a:spcPct val="0"/>
-              </a:spcAft>
-              <a:buClrTx/>
-              <a:buSzTx/>
-              <a:buFontTx/>
-              <a:buNone/>
-              <a:tabLst/>
-            </a:pPr>
-            <a:r>
-              <a:rPr kumimoji="0" lang="ko-KR" altLang="ko-KR" sz="1000" b="0" i="0" u="none" strike="noStrike" cap="none" normalizeH="0" baseline="0" dirty="0" err="1">
-                <a:ln>
-                  <a:noFill/>
-                </a:ln>
-                <a:solidFill>
-                  <a:srgbClr val="FFFFFF"/>
-                </a:solidFill>
-                <a:effectLst/>
-                <a:latin typeface="Arial Unicode MS"/>
-              </a:rPr>
-              <a:t>ros-kinetic-rosserial-server</a:t>
-            </a:r>
-            <a:r>
-              <a:rPr kumimoji="0" lang="ko-KR" altLang="ko-KR" sz="1000" b="0" i="0" u="none" strike="noStrike" cap="none" normalizeH="0" baseline="0" dirty="0">
-                <a:ln>
-                  <a:noFill/>
-                </a:ln>
-                <a:solidFill>
-                  <a:srgbClr val="FFFFFF"/>
-                </a:solidFill>
-                <a:effectLst/>
-                <a:latin typeface="Arial Unicode MS"/>
-              </a:rPr>
-              <a:t> </a:t>
-            </a:r>
-            <a:r>
-              <a:rPr kumimoji="0" lang="ko-KR" altLang="ko-KR" sz="1000" b="0" i="0" u="none" strike="noStrike" cap="none" normalizeH="0" baseline="0" dirty="0" err="1">
-                <a:ln>
-                  <a:noFill/>
-                </a:ln>
-                <a:solidFill>
-                  <a:srgbClr val="FFFFFF"/>
-                </a:solidFill>
-                <a:effectLst/>
-                <a:latin typeface="Arial Unicode MS"/>
-              </a:rPr>
-              <a:t>ros-kinetic-rosserial-client</a:t>
-            </a:r>
-            <a:r>
-              <a:rPr kumimoji="0" lang="ko-KR" altLang="ko-KR" sz="1000" b="0" i="0" u="none" strike="noStrike" cap="none" normalizeH="0" baseline="0" dirty="0">
-                <a:ln>
-                  <a:noFill/>
-                </a:ln>
-                <a:solidFill>
-                  <a:srgbClr val="FFFFFF"/>
-                </a:solidFill>
-                <a:effectLst/>
-                <a:latin typeface="Arial Unicode MS"/>
-              </a:rPr>
-              <a:t> </a:t>
-            </a:r>
-            <a:r>
-              <a:rPr kumimoji="0" lang="ko-KR" altLang="ko-KR" sz="1000" b="0" i="0" u="none" strike="noStrike" cap="none" normalizeH="0" baseline="0" dirty="0">
-                <a:ln>
-                  <a:noFill/>
-                </a:ln>
-                <a:solidFill>
-                  <a:srgbClr val="CB4B16"/>
-                </a:solidFill>
-                <a:effectLst/>
-                <a:latin typeface="Arial Unicode MS"/>
-              </a:rPr>
-              <a:t>\</a:t>
-            </a:r>
-            <a:r>
-              <a:rPr kumimoji="0" lang="ko-KR" altLang="ko-KR" sz="1000" b="0" i="0" u="none" strike="noStrike" cap="none" normalizeH="0" baseline="0" dirty="0">
-                <a:ln>
-                  <a:noFill/>
-                </a:ln>
-                <a:solidFill>
-                  <a:srgbClr val="FFFFFF"/>
-                </a:solidFill>
-                <a:effectLst/>
-                <a:latin typeface="Arial Unicode MS"/>
-              </a:rPr>
-              <a:t> </a:t>
-            </a:r>
-            <a:endParaRPr kumimoji="0" lang="en-US" altLang="ko-KR" sz="1000" b="0" i="0" u="none" strike="noStrike" cap="none" normalizeH="0" baseline="0" dirty="0">
-              <a:ln>
-                <a:noFill/>
-              </a:ln>
-              <a:solidFill>
-                <a:srgbClr val="FFFFFF"/>
-              </a:solidFill>
-              <a:effectLst/>
-              <a:latin typeface="Arial Unicode MS"/>
-            </a:endParaRPr>
-          </a:p>
-          <a:p>
-            <a:pPr marL="0" marR="0" lvl="0" indent="0" algn="l" defTabSz="914400" rtl="0" eaLnBrk="0" fontAlgn="base" latinLnBrk="0" hangingPunct="0">
-              <a:lnSpc>
-                <a:spcPct val="150000"/>
-              </a:lnSpc>
-              <a:spcBef>
-                <a:spcPct val="0"/>
-              </a:spcBef>
-              <a:spcAft>
-                <a:spcPct val="0"/>
-              </a:spcAft>
-              <a:buClrTx/>
-              <a:buSzTx/>
-              <a:buFontTx/>
-              <a:buNone/>
-              <a:tabLst/>
-            </a:pPr>
-            <a:r>
-              <a:rPr kumimoji="0" lang="ko-KR" altLang="ko-KR" sz="1000" b="0" i="0" u="none" strike="noStrike" cap="none" normalizeH="0" baseline="0" dirty="0" err="1">
-                <a:ln>
-                  <a:noFill/>
-                </a:ln>
-                <a:solidFill>
-                  <a:srgbClr val="FFFFFF"/>
-                </a:solidFill>
-                <a:effectLst/>
-                <a:latin typeface="Arial Unicode MS"/>
-              </a:rPr>
-              <a:t>ros-kinetic-rosserial-msgs</a:t>
-            </a:r>
-            <a:r>
-              <a:rPr kumimoji="0" lang="ko-KR" altLang="ko-KR" sz="1000" b="0" i="0" u="none" strike="noStrike" cap="none" normalizeH="0" baseline="0" dirty="0">
-                <a:ln>
-                  <a:noFill/>
-                </a:ln>
-                <a:solidFill>
-                  <a:srgbClr val="FFFFFF"/>
-                </a:solidFill>
-                <a:effectLst/>
-                <a:latin typeface="Arial Unicode MS"/>
-              </a:rPr>
-              <a:t> </a:t>
-            </a:r>
-            <a:r>
-              <a:rPr kumimoji="0" lang="ko-KR" altLang="ko-KR" sz="1000" b="0" i="0" u="none" strike="noStrike" cap="none" normalizeH="0" baseline="0" dirty="0" err="1">
-                <a:ln>
-                  <a:noFill/>
-                </a:ln>
-                <a:solidFill>
-                  <a:srgbClr val="FFFFFF"/>
-                </a:solidFill>
-                <a:effectLst/>
-                <a:latin typeface="Arial Unicode MS"/>
-              </a:rPr>
-              <a:t>ros-kinetic-amcl</a:t>
-            </a:r>
-            <a:r>
-              <a:rPr kumimoji="0" lang="ko-KR" altLang="ko-KR" sz="1000" b="0" i="0" u="none" strike="noStrike" cap="none" normalizeH="0" baseline="0" dirty="0">
-                <a:ln>
-                  <a:noFill/>
-                </a:ln>
-                <a:solidFill>
-                  <a:srgbClr val="FFFFFF"/>
-                </a:solidFill>
-                <a:effectLst/>
-                <a:latin typeface="Arial Unicode MS"/>
-              </a:rPr>
-              <a:t> </a:t>
-            </a:r>
-            <a:r>
-              <a:rPr kumimoji="0" lang="ko-KR" altLang="ko-KR" sz="1000" b="0" i="0" u="none" strike="noStrike" cap="none" normalizeH="0" baseline="0" dirty="0" err="1">
-                <a:ln>
-                  <a:noFill/>
-                </a:ln>
-                <a:solidFill>
-                  <a:srgbClr val="FFFFFF"/>
-                </a:solidFill>
-                <a:effectLst/>
-                <a:latin typeface="Arial Unicode MS"/>
-              </a:rPr>
-              <a:t>ros-kinetic-map-server</a:t>
-            </a:r>
-            <a:r>
-              <a:rPr kumimoji="0" lang="ko-KR" altLang="ko-KR" sz="1000" b="0" i="0" u="none" strike="noStrike" cap="none" normalizeH="0" baseline="0" dirty="0">
-                <a:ln>
-                  <a:noFill/>
-                </a:ln>
-                <a:solidFill>
-                  <a:srgbClr val="FFFFFF"/>
-                </a:solidFill>
-                <a:effectLst/>
-                <a:latin typeface="Arial Unicode MS"/>
-              </a:rPr>
-              <a:t> </a:t>
-            </a:r>
-            <a:r>
-              <a:rPr kumimoji="0" lang="ko-KR" altLang="ko-KR" sz="1000" b="0" i="0" u="none" strike="noStrike" cap="none" normalizeH="0" baseline="0" dirty="0">
-                <a:ln>
-                  <a:noFill/>
-                </a:ln>
-                <a:solidFill>
-                  <a:srgbClr val="CB4B16"/>
-                </a:solidFill>
-                <a:effectLst/>
-                <a:latin typeface="Arial Unicode MS"/>
-              </a:rPr>
-              <a:t>\</a:t>
-            </a:r>
-            <a:r>
-              <a:rPr kumimoji="0" lang="ko-KR" altLang="ko-KR" sz="1000" b="0" i="0" u="none" strike="noStrike" cap="none" normalizeH="0" baseline="0" dirty="0">
-                <a:ln>
-                  <a:noFill/>
-                </a:ln>
-                <a:solidFill>
-                  <a:srgbClr val="FFFFFF"/>
-                </a:solidFill>
-                <a:effectLst/>
-                <a:latin typeface="Arial Unicode MS"/>
-              </a:rPr>
-              <a:t> </a:t>
-            </a:r>
-            <a:endParaRPr kumimoji="0" lang="en-US" altLang="ko-KR" sz="1000" b="0" i="0" u="none" strike="noStrike" cap="none" normalizeH="0" baseline="0" dirty="0">
-              <a:ln>
-                <a:noFill/>
-              </a:ln>
-              <a:solidFill>
-                <a:srgbClr val="FFFFFF"/>
-              </a:solidFill>
-              <a:effectLst/>
-              <a:latin typeface="Arial Unicode MS"/>
-            </a:endParaRPr>
-          </a:p>
-          <a:p>
-            <a:pPr marL="0" marR="0" lvl="0" indent="0" algn="l" defTabSz="914400" rtl="0" eaLnBrk="0" fontAlgn="base" latinLnBrk="0" hangingPunct="0">
-              <a:lnSpc>
-                <a:spcPct val="150000"/>
-              </a:lnSpc>
-              <a:spcBef>
-                <a:spcPct val="0"/>
-              </a:spcBef>
-              <a:spcAft>
-                <a:spcPct val="0"/>
-              </a:spcAft>
-              <a:buClrTx/>
-              <a:buSzTx/>
-              <a:buFontTx/>
-              <a:buNone/>
-              <a:tabLst/>
-            </a:pPr>
-            <a:r>
-              <a:rPr kumimoji="0" lang="ko-KR" altLang="ko-KR" sz="1000" b="0" i="0" u="none" strike="noStrike" cap="none" normalizeH="0" baseline="0" dirty="0" err="1">
-                <a:ln>
-                  <a:noFill/>
-                </a:ln>
-                <a:solidFill>
-                  <a:srgbClr val="FFFFFF"/>
-                </a:solidFill>
-                <a:effectLst/>
-                <a:latin typeface="Arial Unicode MS"/>
-              </a:rPr>
-              <a:t>ros-kinetic-move-base</a:t>
-            </a:r>
-            <a:r>
-              <a:rPr kumimoji="0" lang="ko-KR" altLang="ko-KR" sz="1000" b="0" i="0" u="none" strike="noStrike" cap="none" normalizeH="0" baseline="0" dirty="0">
-                <a:ln>
-                  <a:noFill/>
-                </a:ln>
-                <a:solidFill>
-                  <a:srgbClr val="FFFFFF"/>
-                </a:solidFill>
-                <a:effectLst/>
-                <a:latin typeface="Arial Unicode MS"/>
-              </a:rPr>
-              <a:t> </a:t>
-            </a:r>
-            <a:r>
-              <a:rPr kumimoji="0" lang="ko-KR" altLang="ko-KR" sz="1000" b="0" i="0" u="none" strike="noStrike" cap="none" normalizeH="0" baseline="0" dirty="0" err="1">
-                <a:ln>
-                  <a:noFill/>
-                </a:ln>
-                <a:solidFill>
-                  <a:srgbClr val="FFFFFF"/>
-                </a:solidFill>
-                <a:effectLst/>
-                <a:latin typeface="Arial Unicode MS"/>
-              </a:rPr>
-              <a:t>ros-kinetic-urdf</a:t>
-            </a:r>
-            <a:r>
-              <a:rPr kumimoji="0" lang="ko-KR" altLang="ko-KR" sz="1000" b="0" i="0" u="none" strike="noStrike" cap="none" normalizeH="0" baseline="0" dirty="0">
-                <a:ln>
-                  <a:noFill/>
-                </a:ln>
-                <a:solidFill>
-                  <a:srgbClr val="FFFFFF"/>
-                </a:solidFill>
-                <a:effectLst/>
-                <a:latin typeface="Arial Unicode MS"/>
-              </a:rPr>
-              <a:t> </a:t>
-            </a:r>
-            <a:r>
-              <a:rPr kumimoji="0" lang="ko-KR" altLang="ko-KR" sz="1000" b="0" i="0" u="none" strike="noStrike" cap="none" normalizeH="0" baseline="0" dirty="0" err="1">
-                <a:ln>
-                  <a:noFill/>
-                </a:ln>
-                <a:solidFill>
-                  <a:srgbClr val="FFFFFF"/>
-                </a:solidFill>
-                <a:effectLst/>
-                <a:latin typeface="Arial Unicode MS"/>
-              </a:rPr>
-              <a:t>ros-kinetic-xacro</a:t>
-            </a:r>
-            <a:r>
-              <a:rPr kumimoji="0" lang="ko-KR" altLang="ko-KR" sz="1000" b="0" i="0" u="none" strike="noStrike" cap="none" normalizeH="0" baseline="0" dirty="0">
-                <a:ln>
-                  <a:noFill/>
-                </a:ln>
-                <a:solidFill>
-                  <a:srgbClr val="FFFFFF"/>
-                </a:solidFill>
-                <a:effectLst/>
-                <a:latin typeface="Arial Unicode MS"/>
-              </a:rPr>
-              <a:t> </a:t>
-            </a:r>
-            <a:r>
-              <a:rPr kumimoji="0" lang="ko-KR" altLang="ko-KR" sz="1000" b="0" i="0" u="none" strike="noStrike" cap="none" normalizeH="0" baseline="0" dirty="0">
-                <a:ln>
-                  <a:noFill/>
-                </a:ln>
-                <a:solidFill>
-                  <a:srgbClr val="CB4B16"/>
-                </a:solidFill>
-                <a:effectLst/>
-                <a:latin typeface="Arial Unicode MS"/>
-              </a:rPr>
-              <a:t>\</a:t>
-            </a:r>
-            <a:r>
-              <a:rPr kumimoji="0" lang="ko-KR" altLang="ko-KR" sz="1000" b="0" i="0" u="none" strike="noStrike" cap="none" normalizeH="0" baseline="0" dirty="0">
-                <a:ln>
-                  <a:noFill/>
-                </a:ln>
-                <a:solidFill>
-                  <a:srgbClr val="FFFFFF"/>
-                </a:solidFill>
-                <a:effectLst/>
-                <a:latin typeface="Arial Unicode MS"/>
-              </a:rPr>
-              <a:t> </a:t>
-            </a:r>
-            <a:endParaRPr kumimoji="0" lang="en-US" altLang="ko-KR" sz="1000" b="0" i="0" u="none" strike="noStrike" cap="none" normalizeH="0" baseline="0" dirty="0">
-              <a:ln>
-                <a:noFill/>
-              </a:ln>
-              <a:solidFill>
-                <a:srgbClr val="FFFFFF"/>
-              </a:solidFill>
-              <a:effectLst/>
-              <a:latin typeface="Arial Unicode MS"/>
-            </a:endParaRPr>
-          </a:p>
-          <a:p>
-            <a:pPr marL="0" marR="0" lvl="0" indent="0" algn="l" defTabSz="914400" rtl="0" eaLnBrk="0" fontAlgn="base" latinLnBrk="0" hangingPunct="0">
-              <a:lnSpc>
-                <a:spcPct val="150000"/>
-              </a:lnSpc>
-              <a:spcBef>
-                <a:spcPct val="0"/>
-              </a:spcBef>
-              <a:spcAft>
-                <a:spcPct val="0"/>
-              </a:spcAft>
-              <a:buClrTx/>
-              <a:buSzTx/>
-              <a:buFontTx/>
-              <a:buNone/>
-              <a:tabLst/>
-            </a:pPr>
-            <a:r>
-              <a:rPr kumimoji="0" lang="ko-KR" altLang="ko-KR" sz="1000" b="0" i="0" u="none" strike="noStrike" cap="none" normalizeH="0" baseline="0" dirty="0" err="1">
-                <a:ln>
-                  <a:noFill/>
-                </a:ln>
-                <a:solidFill>
-                  <a:srgbClr val="FFFFFF"/>
-                </a:solidFill>
-                <a:effectLst/>
-                <a:latin typeface="Arial Unicode MS"/>
-              </a:rPr>
-              <a:t>ros-kinetic-compressed-image-transport</a:t>
-            </a:r>
-            <a:r>
-              <a:rPr kumimoji="0" lang="ko-KR" altLang="ko-KR" sz="1000" b="0" i="0" u="none" strike="noStrike" cap="none" normalizeH="0" baseline="0" dirty="0">
-                <a:ln>
-                  <a:noFill/>
-                </a:ln>
-                <a:solidFill>
-                  <a:srgbClr val="FFFFFF"/>
-                </a:solidFill>
-                <a:effectLst/>
-                <a:latin typeface="Arial Unicode MS"/>
-              </a:rPr>
-              <a:t> </a:t>
-            </a:r>
-            <a:r>
-              <a:rPr kumimoji="0" lang="ko-KR" altLang="ko-KR" sz="1000" b="0" i="0" u="none" strike="noStrike" cap="none" normalizeH="0" baseline="0" dirty="0" err="1">
-                <a:ln>
-                  <a:noFill/>
-                </a:ln>
-                <a:solidFill>
-                  <a:srgbClr val="FFFFFF"/>
-                </a:solidFill>
-                <a:effectLst/>
-                <a:latin typeface="Arial Unicode MS"/>
-              </a:rPr>
-              <a:t>ros-kinetic-rqt</a:t>
-            </a:r>
-            <a:r>
-              <a:rPr kumimoji="0" lang="ko-KR" altLang="ko-KR" sz="1000" b="0" i="0" u="none" strike="noStrike" cap="none" normalizeH="0" baseline="0" dirty="0">
-                <a:ln>
-                  <a:noFill/>
-                </a:ln>
-                <a:solidFill>
-                  <a:srgbClr val="859900"/>
-                </a:solidFill>
-                <a:effectLst/>
-                <a:latin typeface="Arial Unicode MS"/>
-              </a:rPr>
-              <a:t>*</a:t>
-            </a:r>
-            <a:r>
-              <a:rPr kumimoji="0" lang="ko-KR" altLang="ko-KR" sz="1000" b="0" i="0" u="none" strike="noStrike" cap="none" normalizeH="0" baseline="0" dirty="0">
-                <a:ln>
-                  <a:noFill/>
-                </a:ln>
-                <a:solidFill>
-                  <a:srgbClr val="FFFFFF"/>
-                </a:solidFill>
-                <a:effectLst/>
-                <a:latin typeface="Arial Unicode MS"/>
-              </a:rPr>
-              <a:t> </a:t>
-            </a:r>
-            <a:r>
-              <a:rPr kumimoji="0" lang="ko-KR" altLang="ko-KR" sz="1000" b="0" i="0" u="none" strike="noStrike" cap="none" normalizeH="0" baseline="0" dirty="0">
-                <a:ln>
-                  <a:noFill/>
-                </a:ln>
-                <a:solidFill>
-                  <a:srgbClr val="CB4B16"/>
-                </a:solidFill>
-                <a:effectLst/>
-                <a:latin typeface="Arial Unicode MS"/>
-              </a:rPr>
-              <a:t>\</a:t>
-            </a:r>
-            <a:r>
-              <a:rPr kumimoji="0" lang="ko-KR" altLang="ko-KR" sz="1000" b="0" i="0" u="none" strike="noStrike" cap="none" normalizeH="0" baseline="0" dirty="0">
-                <a:ln>
-                  <a:noFill/>
-                </a:ln>
-                <a:solidFill>
-                  <a:srgbClr val="FFFFFF"/>
-                </a:solidFill>
-                <a:effectLst/>
-                <a:latin typeface="Arial Unicode MS"/>
-              </a:rPr>
-              <a:t> </a:t>
-            </a:r>
-            <a:endParaRPr kumimoji="0" lang="en-US" altLang="ko-KR" sz="1000" b="0" i="0" u="none" strike="noStrike" cap="none" normalizeH="0" baseline="0" dirty="0">
-              <a:ln>
-                <a:noFill/>
-              </a:ln>
-              <a:solidFill>
-                <a:srgbClr val="FFFFFF"/>
-              </a:solidFill>
-              <a:effectLst/>
-              <a:latin typeface="Arial Unicode MS"/>
-            </a:endParaRPr>
-          </a:p>
-          <a:p>
-            <a:pPr marL="0" marR="0" lvl="0" indent="0" algn="l" defTabSz="914400" rtl="0" eaLnBrk="0" fontAlgn="base" latinLnBrk="0" hangingPunct="0">
-              <a:lnSpc>
-                <a:spcPct val="150000"/>
-              </a:lnSpc>
-              <a:spcBef>
-                <a:spcPct val="0"/>
-              </a:spcBef>
-              <a:spcAft>
-                <a:spcPct val="0"/>
-              </a:spcAft>
-              <a:buClrTx/>
-              <a:buSzTx/>
-              <a:buFontTx/>
-              <a:buNone/>
-              <a:tabLst/>
-            </a:pPr>
-            <a:r>
-              <a:rPr kumimoji="0" lang="ko-KR" altLang="ko-KR" sz="1000" b="0" i="0" u="none" strike="noStrike" cap="none" normalizeH="0" baseline="0" dirty="0" err="1">
-                <a:ln>
-                  <a:noFill/>
-                </a:ln>
-                <a:solidFill>
-                  <a:srgbClr val="FFFFFF"/>
-                </a:solidFill>
-                <a:effectLst/>
-                <a:latin typeface="Arial Unicode MS"/>
-              </a:rPr>
-              <a:t>ros-kinetic-gmapping</a:t>
-            </a:r>
-            <a:r>
-              <a:rPr kumimoji="0" lang="ko-KR" altLang="ko-KR" sz="1000" b="0" i="0" u="none" strike="noStrike" cap="none" normalizeH="0" baseline="0" dirty="0">
-                <a:ln>
-                  <a:noFill/>
-                </a:ln>
-                <a:solidFill>
-                  <a:srgbClr val="FFFFFF"/>
-                </a:solidFill>
-                <a:effectLst/>
-                <a:latin typeface="Arial Unicode MS"/>
-              </a:rPr>
-              <a:t> </a:t>
-            </a:r>
-            <a:r>
-              <a:rPr kumimoji="0" lang="ko-KR" altLang="ko-KR" sz="1000" b="0" i="0" u="none" strike="noStrike" cap="none" normalizeH="0" baseline="0" dirty="0" err="1">
-                <a:ln>
-                  <a:noFill/>
-                </a:ln>
-                <a:solidFill>
-                  <a:srgbClr val="FFFFFF"/>
-                </a:solidFill>
-                <a:effectLst/>
-                <a:latin typeface="Arial Unicode MS"/>
-              </a:rPr>
-              <a:t>ros-kinetic-navigation</a:t>
-            </a:r>
-            <a:r>
-              <a:rPr kumimoji="0" lang="ko-KR" altLang="ko-KR" sz="1000" b="0" i="0" u="none" strike="noStrike" cap="none" normalizeH="0" baseline="0" dirty="0">
-                <a:ln>
-                  <a:noFill/>
-                </a:ln>
-                <a:solidFill>
-                  <a:srgbClr val="FFFFFF"/>
-                </a:solidFill>
-                <a:effectLst/>
-                <a:latin typeface="Arial Unicode MS"/>
-              </a:rPr>
-              <a:t> </a:t>
-            </a:r>
-            <a:r>
-              <a:rPr kumimoji="0" lang="ko-KR" altLang="ko-KR" sz="1000" b="0" i="0" u="none" strike="noStrike" cap="none" normalizeH="0" baseline="0" dirty="0" err="1">
-                <a:ln>
-                  <a:noFill/>
-                </a:ln>
-                <a:solidFill>
-                  <a:srgbClr val="FFFFFF"/>
-                </a:solidFill>
-                <a:effectLst/>
-                <a:latin typeface="Arial Unicode MS"/>
-              </a:rPr>
-              <a:t>ros-kinetic-interactive-markers</a:t>
-            </a:r>
-            <a:r>
-              <a:rPr kumimoji="0" lang="ko-KR" altLang="ko-KR" sz="800" b="0" i="0" u="none" strike="noStrike" cap="none" normalizeH="0" baseline="0" dirty="0">
-                <a:ln>
-                  <a:noFill/>
-                </a:ln>
-                <a:solidFill>
-                  <a:schemeClr val="tx1"/>
-                </a:solidFill>
-                <a:effectLst/>
-              </a:rPr>
-              <a:t> </a:t>
-            </a:r>
-            <a:endParaRPr kumimoji="0" lang="ko-KR" altLang="ko-KR" sz="1800" b="0" i="0" u="none" strike="noStrike" cap="none" normalizeH="0" baseline="0" dirty="0">
-              <a:ln>
-                <a:noFill/>
-              </a:ln>
-              <a:solidFill>
-                <a:schemeClr val="tx1"/>
-              </a:solidFill>
-              <a:effectLst/>
-              <a:latin typeface="Arial" panose="020B0604020202020204" pitchFamily="34" charset="0"/>
-            </a:endParaRPr>
-          </a:p>
-        </p:txBody>
-      </p:sp>
-      <p:sp>
-        <p:nvSpPr>
-          <p:cNvPr id="13" name="Rectangle 4">
-            <a:extLst>
-              <a:ext uri="{FF2B5EF4-FFF2-40B4-BE49-F238E27FC236}">
-                <a16:creationId xmlns:a16="http://schemas.microsoft.com/office/drawing/2014/main" id="{268B57D5-5F51-ADBD-85FD-709037749C06}"/>
-              </a:ext>
-            </a:extLst>
-          </p:cNvPr>
-          <p:cNvSpPr>
-            <a:spLocks noChangeArrowheads="1"/>
-          </p:cNvSpPr>
-          <p:nvPr/>
-        </p:nvSpPr>
-        <p:spPr bwMode="auto">
-          <a:xfrm>
-            <a:off x="381739" y="4560179"/>
-            <a:ext cx="9286044" cy="360000"/>
-          </a:xfrm>
-          <a:prstGeom prst="rect">
-            <a:avLst/>
-          </a:prstGeom>
-          <a:solidFill>
-            <a:srgbClr val="000000"/>
-          </a:solidFill>
-          <a:ln>
-            <a:noFill/>
-          </a:ln>
-          <a:effectLst/>
-          <a:extLst>
-            <a:ext uri="{91240B29-F687-4F45-9708-019B960494DF}">
-              <a14:hiddenLine xmlns:a14="http://schemas.microsoft.com/office/drawing/2010/main" w="9525">
-                <a:solidFill>
-                  <a:schemeClr val="tx1"/>
-                </a:solidFill>
-                <a:miter lim="800000"/>
-                <a:headEnd/>
-                <a:tailEnd/>
-              </a14:hiddenLine>
-            </a:ext>
-            <a:ext uri="{AF507438-7753-43E0-B8FC-AC1667EBCBE1}">
-              <a14:hiddenEffects xmlns:a14="http://schemas.microsoft.com/office/drawing/2010/main">
-                <a:effectLst>
-                  <a:outerShdw dist="35921" dir="2700000" algn="ctr" rotWithShape="0">
-                    <a:schemeClr val="bg2"/>
-                  </a:outerShdw>
-                </a:effectLst>
-              </a14:hiddenEffects>
-            </a:ext>
-          </a:extLst>
-        </p:spPr>
-        <p:txBody>
-          <a:bodyPr vert="horz" wrap="square" lIns="0" tIns="0" rIns="0" bIns="0" numCol="1" anchor="ctr" anchorCtr="0" compatLnSpc="1">
-            <a:prstTxWarp prst="textNoShape">
-              <a:avLst/>
-            </a:prstTxWarp>
-            <a:spAutoFit/>
-          </a:bodyPr>
-          <a:lstStyle/>
-          <a:p>
-            <a:pPr marL="0" marR="0" lvl="0" indent="0" algn="l" defTabSz="914400" rtl="0" eaLnBrk="0" fontAlgn="base" latinLnBrk="0" hangingPunct="0">
-              <a:lnSpc>
-                <a:spcPct val="150000"/>
-              </a:lnSpc>
-              <a:spcBef>
-                <a:spcPct val="0"/>
-              </a:spcBef>
-              <a:spcAft>
-                <a:spcPct val="0"/>
-              </a:spcAft>
-              <a:buClrTx/>
-              <a:buSzTx/>
-              <a:buFontTx/>
-              <a:buNone/>
-              <a:tabLst/>
-            </a:pPr>
-            <a:r>
-              <a:rPr kumimoji="0" lang="ko-KR" altLang="ko-KR" sz="1100" b="0" i="0" u="none" strike="noStrike" cap="none" normalizeH="0" baseline="0" dirty="0">
-                <a:ln>
-                  <a:noFill/>
-                </a:ln>
-                <a:solidFill>
-                  <a:srgbClr val="22B3EB"/>
-                </a:solidFill>
-                <a:effectLst/>
-                <a:latin typeface="Arial Unicode MS"/>
-              </a:rPr>
-              <a:t>$ </a:t>
-            </a:r>
-            <a:r>
-              <a:rPr kumimoji="0" lang="en-US" altLang="ko-KR" sz="1100" b="0" i="0" u="none" strike="noStrike" cap="none" normalizeH="0" baseline="0" dirty="0" err="1">
-                <a:ln>
-                  <a:noFill/>
-                </a:ln>
-                <a:solidFill>
-                  <a:srgbClr val="22B3EB"/>
-                </a:solidFill>
-                <a:effectLst/>
-                <a:latin typeface="Arial Unicode MS"/>
-              </a:rPr>
-              <a:t>sudo</a:t>
-            </a:r>
-            <a:r>
-              <a:rPr kumimoji="0" lang="en-US" altLang="ko-KR" sz="1100" b="0" i="0" u="none" strike="noStrike" cap="none" normalizeH="0" baseline="0" dirty="0">
-                <a:ln>
-                  <a:noFill/>
-                </a:ln>
-                <a:solidFill>
-                  <a:srgbClr val="22B3EB"/>
-                </a:solidFill>
-                <a:effectLst/>
-                <a:latin typeface="Arial Unicode MS"/>
-              </a:rPr>
-              <a:t> </a:t>
-            </a:r>
-            <a:r>
-              <a:rPr kumimoji="0" lang="ko-KR" altLang="ko-KR" sz="1100" b="0" i="0" u="none" strike="noStrike" cap="none" normalizeH="0" baseline="0" dirty="0" err="1">
-                <a:ln>
-                  <a:noFill/>
-                </a:ln>
-                <a:solidFill>
-                  <a:srgbClr val="FFFFFF"/>
-                </a:solidFill>
-                <a:effectLst/>
-                <a:latin typeface="Arial Unicode MS"/>
-              </a:rPr>
-              <a:t>apt</a:t>
-            </a:r>
-            <a:r>
-              <a:rPr kumimoji="0" lang="en-US" altLang="ko-KR" sz="1100" b="0" i="0" u="none" strike="noStrike" cap="none" normalizeH="0" baseline="0" dirty="0">
-                <a:ln>
-                  <a:noFill/>
-                </a:ln>
-                <a:solidFill>
-                  <a:srgbClr val="FFFFFF"/>
-                </a:solidFill>
-                <a:effectLst/>
-                <a:latin typeface="Arial Unicode MS"/>
-              </a:rPr>
-              <a:t> </a:t>
-            </a:r>
-            <a:r>
-              <a:rPr kumimoji="0" lang="ko-KR" altLang="ko-KR" sz="1100" b="0" i="0" u="none" strike="noStrike" cap="none" normalizeH="0" baseline="0" dirty="0" err="1">
-                <a:ln>
-                  <a:noFill/>
-                </a:ln>
-                <a:solidFill>
-                  <a:srgbClr val="FFFFFF"/>
-                </a:solidFill>
-                <a:effectLst/>
-                <a:latin typeface="Arial Unicode MS"/>
-              </a:rPr>
-              <a:t>ros-humble-gazebo</a:t>
-            </a:r>
-            <a:r>
-              <a:rPr kumimoji="0" lang="ko-KR" altLang="ko-KR" sz="1100" b="0" i="0" u="none" strike="noStrike" cap="none" normalizeH="0" baseline="0" dirty="0">
-                <a:ln>
-                  <a:noFill/>
-                </a:ln>
-                <a:solidFill>
-                  <a:srgbClr val="FFFFFF"/>
-                </a:solidFill>
-                <a:effectLst/>
-                <a:latin typeface="Arial Unicode MS"/>
-              </a:rPr>
-              <a:t>-</a:t>
-            </a:r>
-            <a:r>
-              <a:rPr kumimoji="0" lang="ko-KR" altLang="ko-KR" sz="1100" b="0" i="0" u="none" strike="noStrike" cap="none" normalizeH="0" baseline="0" dirty="0">
-                <a:ln>
-                  <a:noFill/>
-                </a:ln>
-                <a:solidFill>
-                  <a:srgbClr val="859900"/>
-                </a:solidFill>
-                <a:effectLst/>
-                <a:latin typeface="Arial Unicode MS"/>
-              </a:rPr>
-              <a:t>*</a:t>
-            </a:r>
-            <a:r>
-              <a:rPr kumimoji="0" lang="ko-KR" altLang="ko-KR" sz="1000" b="0" i="0" u="none" strike="noStrike" cap="none" normalizeH="0" baseline="0" dirty="0">
-                <a:ln>
-                  <a:noFill/>
-                </a:ln>
-                <a:solidFill>
-                  <a:schemeClr val="tx1"/>
-                </a:solidFill>
-                <a:effectLst/>
-              </a:rPr>
-              <a:t> </a:t>
-            </a:r>
-            <a:endParaRPr kumimoji="0" lang="ko-KR" altLang="ko-KR" sz="2400" b="0" i="0" u="none" strike="noStrike" cap="none" normalizeH="0" baseline="0" dirty="0">
-              <a:ln>
-                <a:noFill/>
-              </a:ln>
-              <a:solidFill>
-                <a:schemeClr val="tx1"/>
-              </a:solidFill>
-              <a:effectLst/>
-              <a:latin typeface="Arial" panose="020B0604020202020204" pitchFamily="34" charset="0"/>
-            </a:endParaRPr>
-          </a:p>
-        </p:txBody>
-      </p:sp>
-      <p:sp>
-        <p:nvSpPr>
-          <p:cNvPr id="14" name="Rectangle 5">
-            <a:extLst>
-              <a:ext uri="{FF2B5EF4-FFF2-40B4-BE49-F238E27FC236}">
-                <a16:creationId xmlns:a16="http://schemas.microsoft.com/office/drawing/2014/main" id="{47C15FCB-EA4E-D4B8-BDE4-04CE59F85B88}"/>
-              </a:ext>
-            </a:extLst>
-          </p:cNvPr>
-          <p:cNvSpPr>
-            <a:spLocks noChangeArrowheads="1"/>
-          </p:cNvSpPr>
-          <p:nvPr/>
-        </p:nvSpPr>
-        <p:spPr bwMode="auto">
-          <a:xfrm>
-            <a:off x="381739" y="5130600"/>
-            <a:ext cx="9286044" cy="540000"/>
-          </a:xfrm>
-          <a:prstGeom prst="rect">
-            <a:avLst/>
-          </a:prstGeom>
-          <a:solidFill>
-            <a:srgbClr val="000000"/>
-          </a:solidFill>
-          <a:ln>
-            <a:noFill/>
-          </a:ln>
-          <a:effectLst/>
-          <a:extLst>
-            <a:ext uri="{91240B29-F687-4F45-9708-019B960494DF}">
-              <a14:hiddenLine xmlns:a14="http://schemas.microsoft.com/office/drawing/2010/main" w="9525">
-                <a:solidFill>
-                  <a:schemeClr val="tx1"/>
-                </a:solidFill>
-                <a:miter lim="800000"/>
-                <a:headEnd/>
-                <a:tailEnd/>
-              </a14:hiddenLine>
-            </a:ext>
-            <a:ext uri="{AF507438-7753-43E0-B8FC-AC1667EBCBE1}">
-              <a14:hiddenEffects xmlns:a14="http://schemas.microsoft.com/office/drawing/2010/main">
-                <a:effectLst>
-                  <a:outerShdw dist="35921" dir="2700000" algn="ctr" rotWithShape="0">
-                    <a:schemeClr val="bg2"/>
-                  </a:outerShdw>
-                </a:effectLst>
-              </a14:hiddenEffects>
-            </a:ext>
-          </a:extLst>
-        </p:spPr>
-        <p:txBody>
-          <a:bodyPr vert="horz" wrap="square" lIns="0" tIns="0" rIns="0" bIns="0" numCol="1" anchor="ctr" anchorCtr="0" compatLnSpc="1">
-            <a:prstTxWarp prst="textNoShape">
-              <a:avLst/>
-            </a:prstTxWarp>
-            <a:spAutoFit/>
-          </a:bodyPr>
-          <a:lstStyle/>
-          <a:p>
-            <a:pPr marL="0" marR="0" lvl="0" indent="0" algn="l" defTabSz="914400" rtl="0" eaLnBrk="0" fontAlgn="base" latinLnBrk="0" hangingPunct="0">
-              <a:lnSpc>
-                <a:spcPct val="100000"/>
-              </a:lnSpc>
-              <a:spcBef>
-                <a:spcPct val="0"/>
-              </a:spcBef>
-              <a:spcAft>
-                <a:spcPct val="0"/>
-              </a:spcAft>
-              <a:buClrTx/>
-              <a:buSzTx/>
-              <a:buFontTx/>
-              <a:buNone/>
-              <a:tabLst/>
-            </a:pPr>
-            <a:r>
-              <a:rPr kumimoji="0" lang="ko-KR" altLang="ko-KR" sz="1000" b="0" i="0" u="none" strike="noStrike" cap="none" normalizeH="0" baseline="0" dirty="0">
-                <a:ln>
-                  <a:noFill/>
-                </a:ln>
-                <a:solidFill>
-                  <a:srgbClr val="22B3EB"/>
-                </a:solidFill>
-                <a:effectLst/>
-                <a:latin typeface="Arial Unicode MS"/>
-              </a:rPr>
-              <a:t>$ </a:t>
-            </a:r>
-            <a:r>
-              <a:rPr kumimoji="0" lang="en-US" altLang="ko-KR" sz="1000" b="0" i="0" u="none" strike="noStrike" cap="none" normalizeH="0" baseline="0" dirty="0" err="1">
-                <a:ln>
-                  <a:noFill/>
-                </a:ln>
-                <a:solidFill>
-                  <a:srgbClr val="22B3EB"/>
-                </a:solidFill>
-                <a:effectLst/>
-                <a:latin typeface="Arial Unicode MS"/>
-              </a:rPr>
-              <a:t>sudo</a:t>
-            </a:r>
-            <a:r>
-              <a:rPr kumimoji="0" lang="en-US" altLang="ko-KR" sz="1000" b="0" i="0" u="none" strike="noStrike" cap="none" normalizeH="0" baseline="0" dirty="0">
-                <a:ln>
-                  <a:noFill/>
-                </a:ln>
-                <a:solidFill>
-                  <a:srgbClr val="22B3EB"/>
-                </a:solidFill>
-                <a:effectLst/>
-                <a:latin typeface="Arial Unicode MS"/>
-              </a:rPr>
-              <a:t> </a:t>
-            </a:r>
-            <a:r>
-              <a:rPr kumimoji="0" lang="ko-KR" altLang="ko-KR" sz="1000" b="0" i="0" u="none" strike="noStrike" cap="none" normalizeH="0" baseline="0" dirty="0" err="1">
-                <a:ln>
-                  <a:noFill/>
-                </a:ln>
-                <a:solidFill>
-                  <a:srgbClr val="FFFFFF"/>
-                </a:solidFill>
-                <a:effectLst/>
-                <a:latin typeface="Arial Unicode MS"/>
-              </a:rPr>
-              <a:t>apt</a:t>
-            </a:r>
-            <a:r>
-              <a:rPr kumimoji="0" lang="en-US" altLang="ko-KR" sz="1000" b="0" i="0" u="none" strike="noStrike" cap="none" normalizeH="0" baseline="0" dirty="0">
-                <a:ln>
-                  <a:noFill/>
-                </a:ln>
-                <a:solidFill>
-                  <a:srgbClr val="FFFFFF"/>
-                </a:solidFill>
-                <a:effectLst/>
-                <a:latin typeface="Arial Unicode MS"/>
-              </a:rPr>
-              <a:t> </a:t>
-            </a:r>
-            <a:r>
-              <a:rPr kumimoji="0" lang="ko-KR" altLang="ko-KR" sz="1000" b="0" i="0" u="none" strike="noStrike" cap="none" normalizeH="0" baseline="0" dirty="0" err="1">
-                <a:ln>
-                  <a:noFill/>
-                </a:ln>
-                <a:solidFill>
-                  <a:srgbClr val="FFFFFF"/>
-                </a:solidFill>
-                <a:effectLst/>
-                <a:latin typeface="Arial Unicode MS"/>
-              </a:rPr>
-              <a:t>ros-humble-cartographer</a:t>
-            </a:r>
-            <a:r>
-              <a:rPr kumimoji="0" lang="ko-KR" altLang="ko-KR" sz="1000" b="0" i="0" u="none" strike="noStrike" cap="none" normalizeH="0" baseline="0" dirty="0">
-                <a:ln>
-                  <a:noFill/>
-                </a:ln>
-                <a:solidFill>
-                  <a:srgbClr val="FFFFFF"/>
-                </a:solidFill>
-                <a:effectLst/>
-                <a:latin typeface="Arial Unicode MS"/>
-              </a:rPr>
-              <a:t> </a:t>
-            </a:r>
-            <a:endParaRPr kumimoji="0" lang="en-US" altLang="ko-KR" sz="1000" b="0" i="0" u="none" strike="noStrike" cap="none" normalizeH="0" baseline="0" dirty="0">
-              <a:ln>
-                <a:noFill/>
-              </a:ln>
-              <a:solidFill>
-                <a:srgbClr val="FFFFFF"/>
-              </a:solidFill>
-              <a:effectLst/>
-              <a:latin typeface="Arial Unicode MS"/>
-            </a:endParaRPr>
-          </a:p>
-          <a:p>
-            <a:pPr marL="0" marR="0" lvl="0" indent="0" algn="l" defTabSz="914400" rtl="0" eaLnBrk="0" fontAlgn="base" latinLnBrk="0" hangingPunct="0">
-              <a:lnSpc>
-                <a:spcPct val="100000"/>
-              </a:lnSpc>
-              <a:spcBef>
-                <a:spcPct val="0"/>
-              </a:spcBef>
-              <a:spcAft>
-                <a:spcPct val="0"/>
-              </a:spcAft>
-              <a:buClrTx/>
-              <a:buSzTx/>
-              <a:buFontTx/>
-              <a:buNone/>
-              <a:tabLst/>
-            </a:pPr>
-            <a:r>
-              <a:rPr kumimoji="0" lang="ko-KR" altLang="ko-KR" sz="1000" b="0" i="0" u="none" strike="noStrike" cap="none" normalizeH="0" baseline="0" dirty="0">
-                <a:ln>
-                  <a:noFill/>
-                </a:ln>
-                <a:solidFill>
-                  <a:srgbClr val="22B3EB"/>
-                </a:solidFill>
-                <a:effectLst/>
-                <a:latin typeface="Arial Unicode MS"/>
-              </a:rPr>
-              <a:t>$</a:t>
-            </a:r>
-            <a:r>
-              <a:rPr kumimoji="0" lang="en-US" altLang="ko-KR" sz="1000" b="0" i="0" u="none" strike="noStrike" cap="none" normalizeH="0" baseline="0" dirty="0">
-                <a:ln>
-                  <a:noFill/>
-                </a:ln>
-                <a:solidFill>
-                  <a:srgbClr val="22B3EB"/>
-                </a:solidFill>
-                <a:effectLst/>
-                <a:latin typeface="Arial Unicode MS"/>
-              </a:rPr>
-              <a:t> </a:t>
-            </a:r>
-            <a:r>
-              <a:rPr kumimoji="0" lang="en-US" altLang="ko-KR" sz="1000" b="0" i="0" u="none" strike="noStrike" cap="none" normalizeH="0" baseline="0" dirty="0" err="1">
-                <a:ln>
-                  <a:noFill/>
-                </a:ln>
-                <a:solidFill>
-                  <a:srgbClr val="22B3EB"/>
-                </a:solidFill>
-                <a:effectLst/>
-                <a:latin typeface="Arial Unicode MS"/>
-              </a:rPr>
-              <a:t>sudo</a:t>
-            </a:r>
-            <a:r>
-              <a:rPr kumimoji="0" lang="en-US" altLang="ko-KR" sz="1000" b="0" i="0" u="none" strike="noStrike" cap="none" normalizeH="0" baseline="0" dirty="0">
-                <a:ln>
-                  <a:noFill/>
-                </a:ln>
-                <a:solidFill>
-                  <a:srgbClr val="22B3EB"/>
-                </a:solidFill>
-                <a:effectLst/>
-                <a:latin typeface="Arial Unicode MS"/>
-              </a:rPr>
-              <a:t> </a:t>
-            </a:r>
-            <a:r>
-              <a:rPr kumimoji="0" lang="ko-KR" altLang="ko-KR" sz="1000" b="0" i="0" u="none" strike="noStrike" cap="none" normalizeH="0" baseline="0" dirty="0" err="1">
-                <a:ln>
-                  <a:noFill/>
-                </a:ln>
-                <a:solidFill>
-                  <a:srgbClr val="FFFFFF"/>
-                </a:solidFill>
-                <a:effectLst/>
-                <a:latin typeface="Arial Unicode MS"/>
-              </a:rPr>
-              <a:t>apt</a:t>
-            </a:r>
-            <a:r>
-              <a:rPr kumimoji="0" lang="en-US" altLang="ko-KR" sz="1000" b="0" i="0" u="none" strike="noStrike" cap="none" normalizeH="0" baseline="0" dirty="0">
-                <a:ln>
-                  <a:noFill/>
-                </a:ln>
-                <a:solidFill>
-                  <a:srgbClr val="FFFFFF"/>
-                </a:solidFill>
-                <a:effectLst/>
-                <a:latin typeface="Arial Unicode MS"/>
-              </a:rPr>
-              <a:t> </a:t>
-            </a:r>
-            <a:r>
-              <a:rPr kumimoji="0" lang="ko-KR" altLang="ko-KR" sz="1000" b="0" i="0" u="none" strike="noStrike" cap="none" normalizeH="0" baseline="0" dirty="0" err="1">
-                <a:ln>
-                  <a:noFill/>
-                </a:ln>
-                <a:solidFill>
-                  <a:srgbClr val="FFFFFF"/>
-                </a:solidFill>
-                <a:effectLst/>
-                <a:latin typeface="Arial Unicode MS"/>
-              </a:rPr>
-              <a:t>ros-humble-cartographer-ros</a:t>
-            </a:r>
-            <a:r>
-              <a:rPr kumimoji="0" lang="ko-KR" altLang="ko-KR" sz="800" b="0" i="0" u="none" strike="noStrike" cap="none" normalizeH="0" baseline="0" dirty="0">
-                <a:ln>
-                  <a:noFill/>
-                </a:ln>
-                <a:solidFill>
-                  <a:schemeClr val="tx1"/>
-                </a:solidFill>
-                <a:effectLst/>
-              </a:rPr>
-              <a:t> </a:t>
-            </a:r>
-            <a:endParaRPr kumimoji="0" lang="ko-KR" altLang="ko-KR" sz="1800" b="0" i="0" u="none" strike="noStrike" cap="none" normalizeH="0" baseline="0" dirty="0">
-              <a:ln>
-                <a:noFill/>
-              </a:ln>
-              <a:solidFill>
-                <a:schemeClr val="tx1"/>
-              </a:solidFill>
-              <a:effectLst/>
-              <a:latin typeface="Arial" panose="020B0604020202020204" pitchFamily="34" charset="0"/>
-            </a:endParaRPr>
-          </a:p>
-        </p:txBody>
-      </p:sp>
-      <p:sp>
-        <p:nvSpPr>
-          <p:cNvPr id="15" name="Rectangle 6">
-            <a:extLst>
-              <a:ext uri="{FF2B5EF4-FFF2-40B4-BE49-F238E27FC236}">
-                <a16:creationId xmlns:a16="http://schemas.microsoft.com/office/drawing/2014/main" id="{E91A1DEF-7825-7B43-707E-C9BB86E82D50}"/>
-              </a:ext>
-            </a:extLst>
-          </p:cNvPr>
-          <p:cNvSpPr>
-            <a:spLocks noChangeArrowheads="1"/>
-          </p:cNvSpPr>
-          <p:nvPr/>
-        </p:nvSpPr>
-        <p:spPr bwMode="auto">
-          <a:xfrm>
-            <a:off x="381739" y="5881021"/>
-            <a:ext cx="9286044" cy="540000"/>
-          </a:xfrm>
-          <a:prstGeom prst="rect">
-            <a:avLst/>
-          </a:prstGeom>
-          <a:solidFill>
-            <a:srgbClr val="000000"/>
-          </a:solidFill>
-          <a:ln>
-            <a:noFill/>
-          </a:ln>
-          <a:effectLst/>
-          <a:extLst>
-            <a:ext uri="{91240B29-F687-4F45-9708-019B960494DF}">
-              <a14:hiddenLine xmlns:a14="http://schemas.microsoft.com/office/drawing/2010/main" w="9525">
-                <a:solidFill>
-                  <a:schemeClr val="tx1"/>
-                </a:solidFill>
-                <a:miter lim="800000"/>
-                <a:headEnd/>
-                <a:tailEnd/>
-              </a14:hiddenLine>
-            </a:ext>
-            <a:ext uri="{AF507438-7753-43E0-B8FC-AC1667EBCBE1}">
-              <a14:hiddenEffects xmlns:a14="http://schemas.microsoft.com/office/drawing/2010/main">
-                <a:effectLst>
-                  <a:outerShdw dist="35921" dir="2700000" algn="ctr" rotWithShape="0">
-                    <a:schemeClr val="bg2"/>
-                  </a:outerShdw>
-                </a:effectLst>
-              </a14:hiddenEffects>
-            </a:ext>
-          </a:extLst>
-        </p:spPr>
-        <p:txBody>
-          <a:bodyPr vert="horz" wrap="square" lIns="0" tIns="0" rIns="0" bIns="0" numCol="1" anchor="ctr" anchorCtr="0" compatLnSpc="1">
-            <a:prstTxWarp prst="textNoShape">
-              <a:avLst/>
-            </a:prstTxWarp>
-            <a:spAutoFit/>
-          </a:bodyPr>
-          <a:lstStyle/>
-          <a:p>
-            <a:pPr marL="0" marR="0" lvl="0" indent="0" algn="l" defTabSz="914400" rtl="0" eaLnBrk="0" fontAlgn="base" latinLnBrk="0" hangingPunct="0">
-              <a:lnSpc>
-                <a:spcPct val="100000"/>
-              </a:lnSpc>
-              <a:spcBef>
-                <a:spcPct val="0"/>
-              </a:spcBef>
-              <a:spcAft>
-                <a:spcPct val="0"/>
-              </a:spcAft>
-              <a:buClrTx/>
-              <a:buSzTx/>
-              <a:buFontTx/>
-              <a:buNone/>
-              <a:tabLst/>
-            </a:pPr>
-            <a:r>
-              <a:rPr kumimoji="0" lang="ko-KR" altLang="ko-KR" sz="1000" b="0" i="0" u="none" strike="noStrike" cap="none" normalizeH="0" baseline="0" dirty="0">
-                <a:ln>
-                  <a:noFill/>
-                </a:ln>
-                <a:solidFill>
-                  <a:srgbClr val="22B3EB"/>
-                </a:solidFill>
-                <a:effectLst/>
-                <a:latin typeface="Arial Unicode MS"/>
-              </a:rPr>
-              <a:t>$ </a:t>
-            </a:r>
-            <a:r>
-              <a:rPr kumimoji="0" lang="en-US" altLang="ko-KR" sz="1000" b="0" i="0" u="none" strike="noStrike" cap="none" normalizeH="0" baseline="0" dirty="0" err="1">
-                <a:ln>
-                  <a:noFill/>
-                </a:ln>
-                <a:solidFill>
-                  <a:srgbClr val="22B3EB"/>
-                </a:solidFill>
-                <a:effectLst/>
-                <a:latin typeface="Arial Unicode MS"/>
-              </a:rPr>
-              <a:t>sudo</a:t>
-            </a:r>
-            <a:r>
-              <a:rPr kumimoji="0" lang="en-US" altLang="ko-KR" sz="1000" b="0" i="0" u="none" strike="noStrike" cap="none" normalizeH="0" baseline="0" dirty="0">
-                <a:ln>
-                  <a:noFill/>
-                </a:ln>
-                <a:solidFill>
-                  <a:srgbClr val="22B3EB"/>
-                </a:solidFill>
-                <a:effectLst/>
-                <a:latin typeface="Arial Unicode MS"/>
-              </a:rPr>
-              <a:t> </a:t>
-            </a:r>
-            <a:r>
-              <a:rPr kumimoji="0" lang="ko-KR" altLang="ko-KR" sz="1000" b="0" i="0" u="none" strike="noStrike" cap="none" normalizeH="0" baseline="0" dirty="0" err="1">
-                <a:ln>
-                  <a:noFill/>
-                </a:ln>
-                <a:solidFill>
-                  <a:srgbClr val="FFFFFF"/>
-                </a:solidFill>
-                <a:effectLst/>
-                <a:latin typeface="Arial Unicode MS"/>
-              </a:rPr>
-              <a:t>apt</a:t>
-            </a:r>
-            <a:r>
-              <a:rPr kumimoji="0" lang="ko-KR" altLang="ko-KR" sz="1000" b="0" i="0" u="none" strike="noStrike" cap="none" normalizeH="0" baseline="0" dirty="0">
-                <a:ln>
-                  <a:noFill/>
-                </a:ln>
-                <a:solidFill>
-                  <a:srgbClr val="FFFFFF"/>
-                </a:solidFill>
-                <a:effectLst/>
-                <a:latin typeface="Arial Unicode MS"/>
-              </a:rPr>
-              <a:t> ros-humble-navigation2 </a:t>
-            </a:r>
-            <a:endParaRPr kumimoji="0" lang="en-US" altLang="ko-KR" sz="1000" b="0" i="0" u="none" strike="noStrike" cap="none" normalizeH="0" baseline="0" dirty="0">
-              <a:ln>
-                <a:noFill/>
-              </a:ln>
-              <a:solidFill>
-                <a:srgbClr val="FFFFFF"/>
-              </a:solidFill>
-              <a:effectLst/>
-              <a:latin typeface="Arial Unicode MS"/>
-            </a:endParaRPr>
-          </a:p>
-          <a:p>
-            <a:pPr marL="0" marR="0" lvl="0" indent="0" algn="l" defTabSz="914400" rtl="0" eaLnBrk="0" fontAlgn="base" latinLnBrk="0" hangingPunct="0">
-              <a:lnSpc>
-                <a:spcPct val="100000"/>
-              </a:lnSpc>
-              <a:spcBef>
-                <a:spcPct val="0"/>
-              </a:spcBef>
-              <a:spcAft>
-                <a:spcPct val="0"/>
-              </a:spcAft>
-              <a:buClrTx/>
-              <a:buSzTx/>
-              <a:buFontTx/>
-              <a:buNone/>
-              <a:tabLst/>
-            </a:pPr>
-            <a:r>
-              <a:rPr kumimoji="0" lang="ko-KR" altLang="ko-KR" sz="1000" b="0" i="0" u="none" strike="noStrike" cap="none" normalizeH="0" baseline="0" dirty="0">
-                <a:ln>
-                  <a:noFill/>
-                </a:ln>
-                <a:solidFill>
-                  <a:srgbClr val="22B3EB"/>
-                </a:solidFill>
-                <a:effectLst/>
-                <a:latin typeface="Arial Unicode MS"/>
-              </a:rPr>
-              <a:t>$ </a:t>
-            </a:r>
-            <a:r>
-              <a:rPr kumimoji="0" lang="en-US" altLang="ko-KR" sz="1000" b="0" i="0" u="none" strike="noStrike" cap="none" normalizeH="0" baseline="0" dirty="0" err="1">
-                <a:ln>
-                  <a:noFill/>
-                </a:ln>
-                <a:solidFill>
-                  <a:srgbClr val="22B3EB"/>
-                </a:solidFill>
-                <a:effectLst/>
-                <a:latin typeface="Arial Unicode MS"/>
-              </a:rPr>
-              <a:t>sudo</a:t>
-            </a:r>
-            <a:r>
-              <a:rPr kumimoji="0" lang="en-US" altLang="ko-KR" sz="1000" b="0" i="0" u="none" strike="noStrike" cap="none" normalizeH="0" baseline="0" dirty="0">
-                <a:ln>
-                  <a:noFill/>
-                </a:ln>
-                <a:solidFill>
-                  <a:srgbClr val="22B3EB"/>
-                </a:solidFill>
-                <a:effectLst/>
-                <a:latin typeface="Arial Unicode MS"/>
-              </a:rPr>
-              <a:t> </a:t>
-            </a:r>
-            <a:r>
-              <a:rPr kumimoji="0" lang="ko-KR" altLang="ko-KR" sz="1000" b="0" i="0" u="none" strike="noStrike" cap="none" normalizeH="0" baseline="0" dirty="0" err="1">
-                <a:ln>
-                  <a:noFill/>
-                </a:ln>
-                <a:solidFill>
-                  <a:srgbClr val="FFFFFF"/>
-                </a:solidFill>
-                <a:effectLst/>
-                <a:latin typeface="Arial Unicode MS"/>
-              </a:rPr>
-              <a:t>apt</a:t>
-            </a:r>
-            <a:r>
-              <a:rPr kumimoji="0" lang="en-US" altLang="ko-KR" sz="1000" b="0" i="0" u="none" strike="noStrike" cap="none" normalizeH="0" baseline="0" dirty="0">
-                <a:ln>
-                  <a:noFill/>
-                </a:ln>
-                <a:solidFill>
-                  <a:srgbClr val="FFFFFF"/>
-                </a:solidFill>
-                <a:effectLst/>
-                <a:latin typeface="Arial Unicode MS"/>
-              </a:rPr>
-              <a:t> </a:t>
-            </a:r>
-            <a:r>
-              <a:rPr kumimoji="0" lang="ko-KR" altLang="ko-KR" sz="1000" b="0" i="0" u="none" strike="noStrike" cap="none" normalizeH="0" baseline="0" dirty="0">
-                <a:ln>
-                  <a:noFill/>
-                </a:ln>
-                <a:solidFill>
-                  <a:srgbClr val="FFFFFF"/>
-                </a:solidFill>
-                <a:effectLst/>
-                <a:latin typeface="Arial Unicode MS"/>
-              </a:rPr>
-              <a:t>ros-humble-nav2-bringup</a:t>
-            </a:r>
-            <a:r>
-              <a:rPr kumimoji="0" lang="ko-KR" altLang="ko-KR" sz="800" b="0" i="0" u="none" strike="noStrike" cap="none" normalizeH="0" baseline="0" dirty="0">
-                <a:ln>
-                  <a:noFill/>
-                </a:ln>
-                <a:solidFill>
-                  <a:schemeClr val="tx1"/>
-                </a:solidFill>
-                <a:effectLst/>
-              </a:rPr>
-              <a:t> </a:t>
-            </a:r>
-            <a:endParaRPr kumimoji="0" lang="ko-KR" altLang="ko-KR" sz="1800" b="0" i="0" u="none" strike="noStrike" cap="none" normalizeH="0" baseline="0" dirty="0">
-              <a:ln>
-                <a:noFill/>
-              </a:ln>
-              <a:solidFill>
-                <a:schemeClr val="tx1"/>
-              </a:solidFill>
-              <a:effectLst/>
-              <a:latin typeface="Arial" panose="020B0604020202020204" pitchFamily="34" charset="0"/>
-            </a:endParaRPr>
-          </a:p>
-        </p:txBody>
-      </p:sp>
-    </p:spTree>
-    <p:extLst>
-      <p:ext uri="{BB962C8B-B14F-4D97-AF65-F5344CB8AC3E}">
-        <p14:creationId xmlns:p14="http://schemas.microsoft.com/office/powerpoint/2010/main" val="3445322328"/>
-      </p:ext>
-    </p:extLst>
-  </p:cSld>
-  <p:clrMapOvr>
-    <a:masterClrMapping/>
-  </p:clrMapOvr>
-</p:sld>
-</file>
-
-<file path=ppt/slides/slide12.xml><?xml version="1.0" encoding="utf-8"?>
-<p:sld xmlns:a="http://schemas.openxmlformats.org/drawingml/2006/main" xmlns:r="http://schemas.openxmlformats.org/officeDocument/2006/relationships" xmlns:p="http://schemas.openxmlformats.org/presentationml/2006/main">
-  <p:cSld>
-    <p:spTree>
-      <p:nvGrpSpPr>
-        <p:cNvPr id="1" name=""/>
-        <p:cNvGrpSpPr/>
-        <p:nvPr/>
-      </p:nvGrpSpPr>
-      <p:grpSpPr>
-        <a:xfrm>
-          <a:off x="0" y="0"/>
-          <a:ext cx="0" cy="0"/>
-          <a:chOff x="0" y="0"/>
-          <a:chExt cx="0" cy="0"/>
-        </a:xfrm>
-      </p:grpSpPr>
-      <p:cxnSp>
-        <p:nvCxnSpPr>
-          <p:cNvPr id="5" name="직선 연결선 4">
-            <a:extLst>
-              <a:ext uri="{FF2B5EF4-FFF2-40B4-BE49-F238E27FC236}">
-                <a16:creationId xmlns:a16="http://schemas.microsoft.com/office/drawing/2014/main" id="{5C86692A-7D17-4D6E-2C8C-4A3FE6D011FD}"/>
-              </a:ext>
-            </a:extLst>
-          </p:cNvPr>
-          <p:cNvCxnSpPr/>
-          <p:nvPr/>
-        </p:nvCxnSpPr>
-        <p:spPr>
-          <a:xfrm>
-            <a:off x="159798" y="1003173"/>
-            <a:ext cx="11585359" cy="0"/>
-          </a:xfrm>
-          <a:prstGeom prst="line">
-            <a:avLst/>
-          </a:prstGeom>
-          <a:ln w="38100"/>
-        </p:spPr>
-        <p:style>
-          <a:lnRef idx="1">
-            <a:schemeClr val="dk1"/>
-          </a:lnRef>
-          <a:fillRef idx="0">
-            <a:schemeClr val="dk1"/>
-          </a:fillRef>
-          <a:effectRef idx="0">
-            <a:schemeClr val="dk1"/>
-          </a:effectRef>
-          <a:fontRef idx="minor">
-            <a:schemeClr val="tx1"/>
-          </a:fontRef>
-        </p:style>
-      </p:cxnSp>
-      <p:sp>
-        <p:nvSpPr>
-          <p:cNvPr id="6" name="TextBox 5">
-            <a:extLst>
-              <a:ext uri="{FF2B5EF4-FFF2-40B4-BE49-F238E27FC236}">
-                <a16:creationId xmlns:a16="http://schemas.microsoft.com/office/drawing/2014/main" id="{DA9F2F0B-C4F6-287B-C7B1-181AEC26E67F}"/>
-              </a:ext>
-            </a:extLst>
-          </p:cNvPr>
-          <p:cNvSpPr txBox="1"/>
-          <p:nvPr/>
-        </p:nvSpPr>
-        <p:spPr>
-          <a:xfrm>
-            <a:off x="3835153" y="260775"/>
-            <a:ext cx="6656822" cy="584775"/>
-          </a:xfrm>
-          <a:prstGeom prst="rect">
-            <a:avLst/>
-          </a:prstGeom>
-          <a:noFill/>
-        </p:spPr>
-        <p:txBody>
-          <a:bodyPr wrap="none" rtlCol="0">
-            <a:spAutoFit/>
-          </a:bodyPr>
-          <a:lstStyle/>
-          <a:p>
-            <a:pPr algn="l"/>
-            <a:r>
-              <a:rPr lang="en-US" altLang="ko-KR" sz="3200" dirty="0"/>
-              <a:t>PC Setup/</a:t>
-            </a:r>
-            <a:r>
-              <a:rPr lang="en-US" altLang="ko-KR" sz="3200" b="1" i="0" u="none" strike="noStrike" dirty="0">
-                <a:effectLst/>
-                <a:latin typeface="titillium-web"/>
-                <a:hlinkClick r:id="rId2">
-                  <a:extLst>
-                    <a:ext uri="{A12FA001-AC4F-418D-AE19-62706E023703}">
-                      <ahyp:hlinkClr xmlns:ahyp="http://schemas.microsoft.com/office/drawing/2018/hyperlinkcolor" val="tx"/>
-                    </a:ext>
-                  </a:extLst>
-                </a:hlinkClick>
-              </a:rPr>
-              <a:t>Environment Configuration</a:t>
-            </a:r>
-            <a:endParaRPr lang="en-US" altLang="ko-KR" sz="3200" b="1" i="0" dirty="0">
-              <a:effectLst/>
-              <a:latin typeface="titillium-web"/>
-            </a:endParaRPr>
-          </a:p>
-        </p:txBody>
-      </p:sp>
-      <p:sp>
-        <p:nvSpPr>
-          <p:cNvPr id="7" name="TextBox 6">
-            <a:extLst>
-              <a:ext uri="{FF2B5EF4-FFF2-40B4-BE49-F238E27FC236}">
-                <a16:creationId xmlns:a16="http://schemas.microsoft.com/office/drawing/2014/main" id="{83EBF423-6C1F-8DE0-3A6A-32324600DBF9}"/>
-              </a:ext>
-            </a:extLst>
-          </p:cNvPr>
-          <p:cNvSpPr txBox="1"/>
-          <p:nvPr/>
-        </p:nvSpPr>
-        <p:spPr>
-          <a:xfrm>
-            <a:off x="198729" y="1278380"/>
-            <a:ext cx="1658211" cy="584775"/>
-          </a:xfrm>
-          <a:prstGeom prst="rect">
-            <a:avLst/>
-          </a:prstGeom>
-          <a:noFill/>
-        </p:spPr>
-        <p:txBody>
-          <a:bodyPr wrap="none" rtlCol="0">
-            <a:spAutoFit/>
-          </a:bodyPr>
-          <a:lstStyle/>
-          <a:p>
-            <a:pPr marL="457200" indent="-457200">
-              <a:buFont typeface="Arial" panose="020B0604020202020204" pitchFamily="34" charset="0"/>
-              <a:buChar char="•"/>
-            </a:pPr>
-            <a:r>
-              <a:rPr lang="en-US" altLang="ko-KR" sz="3200" dirty="0"/>
-              <a:t>ROS1</a:t>
-            </a:r>
-            <a:endParaRPr lang="ko-KR" altLang="en-US" dirty="0"/>
-          </a:p>
-        </p:txBody>
-      </p:sp>
-      <p:sp>
-        <p:nvSpPr>
-          <p:cNvPr id="3" name="AutoShape 2" descr="TurtleBOT - Open source personal research robot">
-            <a:extLst>
-              <a:ext uri="{FF2B5EF4-FFF2-40B4-BE49-F238E27FC236}">
-                <a16:creationId xmlns:a16="http://schemas.microsoft.com/office/drawing/2014/main" id="{660CB241-B55D-83B3-A4DB-84D0C36F0D76}"/>
-              </a:ext>
-            </a:extLst>
-          </p:cNvPr>
-          <p:cNvSpPr>
-            <a:spLocks noChangeAspect="1" noChangeArrowheads="1"/>
-          </p:cNvSpPr>
-          <p:nvPr/>
-        </p:nvSpPr>
-        <p:spPr bwMode="auto">
-          <a:xfrm>
-            <a:off x="5943600" y="3276600"/>
-            <a:ext cx="304800" cy="304800"/>
-          </a:xfrm>
-          <a:prstGeom prst="rect">
-            <a:avLst/>
-          </a:prstGeom>
-          <a:noFill/>
-          <a:extLst>
-            <a:ext uri="{909E8E84-426E-40DD-AFC4-6F175D3DCCD1}">
-              <a14:hiddenFill xmlns:a14="http://schemas.microsoft.com/office/drawing/2010/main">
-                <a:solidFill>
-                  <a:srgbClr val="FFFFFF"/>
-                </a:solidFill>
-              </a14:hiddenFill>
-            </a:ext>
-          </a:extLst>
-        </p:spPr>
-        <p:txBody>
-          <a:bodyPr vert="horz" wrap="square" lIns="91440" tIns="45720" rIns="91440" bIns="45720" numCol="1" anchor="t" anchorCtr="0" compatLnSpc="1">
-            <a:prstTxWarp prst="textNoShape">
-              <a:avLst/>
-            </a:prstTxWarp>
-          </a:bodyPr>
-          <a:lstStyle/>
-          <a:p>
-            <a:endParaRPr lang="ko-KR" altLang="en-US"/>
-          </a:p>
-        </p:txBody>
-      </p:sp>
-      <p:sp>
-        <p:nvSpPr>
-          <p:cNvPr id="4" name="AutoShape 4" descr="TurtleBOT - Open source personal research robot">
-            <a:extLst>
-              <a:ext uri="{FF2B5EF4-FFF2-40B4-BE49-F238E27FC236}">
-                <a16:creationId xmlns:a16="http://schemas.microsoft.com/office/drawing/2014/main" id="{0940963A-B2DE-F3B8-F52C-C8EFF3DFF8CD}"/>
-              </a:ext>
-            </a:extLst>
-          </p:cNvPr>
-          <p:cNvSpPr>
-            <a:spLocks noChangeAspect="1" noChangeArrowheads="1"/>
-          </p:cNvSpPr>
-          <p:nvPr/>
-        </p:nvSpPr>
-        <p:spPr bwMode="auto">
-          <a:xfrm>
-            <a:off x="6096000" y="3429000"/>
-            <a:ext cx="304800" cy="304800"/>
-          </a:xfrm>
-          <a:prstGeom prst="rect">
-            <a:avLst/>
-          </a:prstGeom>
-          <a:noFill/>
-          <a:extLst>
-            <a:ext uri="{909E8E84-426E-40DD-AFC4-6F175D3DCCD1}">
-              <a14:hiddenFill xmlns:a14="http://schemas.microsoft.com/office/drawing/2010/main">
-                <a:solidFill>
-                  <a:srgbClr val="FFFFFF"/>
-                </a:solidFill>
-              </a14:hiddenFill>
-            </a:ext>
-          </a:extLst>
-        </p:spPr>
-        <p:txBody>
-          <a:bodyPr vert="horz" wrap="square" lIns="91440" tIns="45720" rIns="91440" bIns="45720" numCol="1" anchor="t" anchorCtr="0" compatLnSpc="1">
-            <a:prstTxWarp prst="textNoShape">
-              <a:avLst/>
-            </a:prstTxWarp>
-          </a:bodyPr>
-          <a:lstStyle/>
-          <a:p>
-            <a:endParaRPr lang="ko-KR" altLang="en-US"/>
-          </a:p>
-        </p:txBody>
-      </p:sp>
-      <p:pic>
-        <p:nvPicPr>
-          <p:cNvPr id="2054" name="Picture 6" descr="Open Source Robots - TurtleBot 3 - ROBOTIS">
-            <a:extLst>
-              <a:ext uri="{FF2B5EF4-FFF2-40B4-BE49-F238E27FC236}">
-                <a16:creationId xmlns:a16="http://schemas.microsoft.com/office/drawing/2014/main" id="{BC22BBD3-E0C9-4173-B29C-412B55F25647}"/>
-              </a:ext>
-            </a:extLst>
-          </p:cNvPr>
-          <p:cNvPicPr>
-            <a:picLocks noChangeAspect="1" noChangeArrowheads="1"/>
-          </p:cNvPicPr>
-          <p:nvPr/>
-        </p:nvPicPr>
-        <p:blipFill>
-          <a:blip r:embed="rId3">
-            <a:extLst>
-              <a:ext uri="{28A0092B-C50C-407E-A947-70E740481C1C}">
-                <a14:useLocalDpi xmlns:a14="http://schemas.microsoft.com/office/drawing/2010/main" val="0"/>
-              </a:ext>
-            </a:extLst>
-          </a:blip>
-          <a:srcRect/>
-          <a:stretch>
-            <a:fillRect/>
-          </a:stretch>
-        </p:blipFill>
-        <p:spPr bwMode="auto">
-          <a:xfrm>
-            <a:off x="159798" y="289382"/>
-            <a:ext cx="3338384" cy="511337"/>
-          </a:xfrm>
-          <a:prstGeom prst="rect">
-            <a:avLst/>
-          </a:prstGeom>
-          <a:noFill/>
-          <a:extLst>
-            <a:ext uri="{909E8E84-426E-40DD-AFC4-6F175D3DCCD1}">
-              <a14:hiddenFill xmlns:a14="http://schemas.microsoft.com/office/drawing/2010/main">
-                <a:solidFill>
-                  <a:srgbClr val="FFFFFF"/>
-                </a:solidFill>
-              </a14:hiddenFill>
-            </a:ext>
-          </a:extLst>
-        </p:spPr>
-      </p:pic>
-      <p:sp>
-        <p:nvSpPr>
-          <p:cNvPr id="10" name="Rectangle 1">
-            <a:extLst>
-              <a:ext uri="{FF2B5EF4-FFF2-40B4-BE49-F238E27FC236}">
-                <a16:creationId xmlns:a16="http://schemas.microsoft.com/office/drawing/2014/main" id="{1C671D80-DEB7-32E2-2242-ACBE9CEAFF7C}"/>
-              </a:ext>
-            </a:extLst>
-          </p:cNvPr>
-          <p:cNvSpPr>
-            <a:spLocks noChangeArrowheads="1"/>
-          </p:cNvSpPr>
-          <p:nvPr/>
-        </p:nvSpPr>
-        <p:spPr bwMode="auto">
-          <a:xfrm>
-            <a:off x="400211" y="1990155"/>
-            <a:ext cx="9362983" cy="576000"/>
-          </a:xfrm>
-          <a:prstGeom prst="rect">
-            <a:avLst/>
-          </a:prstGeom>
-          <a:solidFill>
-            <a:srgbClr val="000000"/>
-          </a:solidFill>
-          <a:ln>
-            <a:noFill/>
-          </a:ln>
-          <a:effectLst/>
-          <a:extLst>
-            <a:ext uri="{91240B29-F687-4F45-9708-019B960494DF}">
-              <a14:hiddenLine xmlns:a14="http://schemas.microsoft.com/office/drawing/2010/main" w="9525">
-                <a:solidFill>
-                  <a:schemeClr val="tx1"/>
-                </a:solidFill>
-                <a:miter lim="800000"/>
-                <a:headEnd/>
-                <a:tailEnd/>
-              </a14:hiddenLine>
-            </a:ext>
-            <a:ext uri="{AF507438-7753-43E0-B8FC-AC1667EBCBE1}">
-              <a14:hiddenEffects xmlns:a14="http://schemas.microsoft.com/office/drawing/2010/main">
-                <a:effectLst>
-                  <a:outerShdw dist="35921" dir="2700000" algn="ctr" rotWithShape="0">
-                    <a:schemeClr val="bg2"/>
-                  </a:outerShdw>
-                </a:effectLst>
-              </a14:hiddenEffects>
-            </a:ext>
-          </a:extLst>
-        </p:spPr>
-        <p:txBody>
-          <a:bodyPr vert="horz" wrap="square" lIns="0" tIns="0" rIns="0" bIns="0" numCol="1" anchor="ctr" anchorCtr="0" compatLnSpc="1">
-            <a:prstTxWarp prst="textNoShape">
-              <a:avLst/>
-            </a:prstTxWarp>
-            <a:spAutoFit/>
-          </a:bodyPr>
-          <a:lstStyle/>
-          <a:p>
-            <a:pPr marL="0" marR="0" lvl="0" indent="0" algn="l" defTabSz="914400" rtl="0" eaLnBrk="0" fontAlgn="base" latinLnBrk="0" hangingPunct="0">
-              <a:lnSpc>
-                <a:spcPct val="100000"/>
-              </a:lnSpc>
-              <a:spcBef>
-                <a:spcPct val="0"/>
-              </a:spcBef>
-              <a:spcAft>
-                <a:spcPct val="0"/>
-              </a:spcAft>
-              <a:buClrTx/>
-              <a:buSzTx/>
-              <a:buFontTx/>
-              <a:buNone/>
-              <a:tabLst/>
-            </a:pPr>
-            <a:r>
-              <a:rPr kumimoji="0" lang="ko-KR" altLang="ko-KR" sz="1000" b="0" i="0" u="none" strike="noStrike" cap="none" normalizeH="0" baseline="0" dirty="0">
-                <a:ln>
-                  <a:noFill/>
-                </a:ln>
-                <a:solidFill>
-                  <a:srgbClr val="22B3EB"/>
-                </a:solidFill>
-                <a:effectLst/>
-                <a:latin typeface="Arial Unicode MS"/>
-              </a:rPr>
-              <a:t>$ </a:t>
-            </a:r>
-            <a:r>
-              <a:rPr lang="en-US" altLang="ko-KR" sz="1200" dirty="0">
-                <a:solidFill>
-                  <a:srgbClr val="B58900"/>
-                </a:solidFill>
-                <a:latin typeface="Arial" panose="020B0604020202020204" pitchFamily="34" charset="0"/>
-              </a:rPr>
-              <a:t>echo </a:t>
-            </a:r>
-            <a:r>
-              <a:rPr kumimoji="0" lang="ko-KR" altLang="ko-KR" sz="1000" b="0" i="0" u="none" strike="noStrike" cap="none" normalizeH="0" baseline="0" dirty="0">
-                <a:ln>
-                  <a:noFill/>
-                </a:ln>
-                <a:solidFill>
-                  <a:srgbClr val="2AA198"/>
-                </a:solidFill>
-                <a:effectLst/>
-                <a:latin typeface="Arial Unicode MS"/>
-              </a:rPr>
-              <a:t>"</a:t>
-            </a:r>
-            <a:r>
-              <a:rPr kumimoji="0" lang="ko-KR" altLang="ko-KR" sz="1000" b="0" i="0" u="none" strike="noStrike" cap="none" normalizeH="0" baseline="0" dirty="0" err="1">
-                <a:ln>
-                  <a:noFill/>
-                </a:ln>
-                <a:solidFill>
-                  <a:srgbClr val="2AA198"/>
-                </a:solidFill>
-                <a:effectLst/>
-                <a:latin typeface="Arial Unicode MS"/>
-              </a:rPr>
-              <a:t>export</a:t>
-            </a:r>
-            <a:r>
-              <a:rPr kumimoji="0" lang="ko-KR" altLang="ko-KR" sz="1000" b="0" i="0" u="none" strike="noStrike" cap="none" normalizeH="0" baseline="0" dirty="0">
-                <a:ln>
-                  <a:noFill/>
-                </a:ln>
-                <a:solidFill>
-                  <a:srgbClr val="2AA198"/>
-                </a:solidFill>
-                <a:effectLst/>
-                <a:latin typeface="Arial Unicode MS"/>
-              </a:rPr>
-              <a:t> TURTLEBOT3_MODEL=</a:t>
-            </a:r>
-            <a:r>
-              <a:rPr kumimoji="0" lang="ko-KR" altLang="ko-KR" sz="1000" b="0" i="0" u="none" strike="noStrike" cap="none" normalizeH="0" baseline="0" dirty="0" err="1">
-                <a:ln>
-                  <a:noFill/>
-                </a:ln>
-                <a:solidFill>
-                  <a:srgbClr val="2AA198"/>
-                </a:solidFill>
-                <a:effectLst/>
-                <a:latin typeface="Arial Unicode MS"/>
-              </a:rPr>
-              <a:t>burger</a:t>
-            </a:r>
-            <a:r>
-              <a:rPr kumimoji="0" lang="ko-KR" altLang="ko-KR" sz="1000" b="0" i="0" u="none" strike="noStrike" cap="none" normalizeH="0" baseline="0" dirty="0">
-                <a:ln>
-                  <a:noFill/>
-                </a:ln>
-                <a:solidFill>
-                  <a:srgbClr val="2AA198"/>
-                </a:solidFill>
-                <a:effectLst/>
-                <a:latin typeface="Arial Unicode MS"/>
-              </a:rPr>
-              <a:t>"</a:t>
-            </a:r>
-            <a:r>
-              <a:rPr kumimoji="0" lang="ko-KR" altLang="ko-KR" sz="1000" b="0" i="0" u="none" strike="noStrike" cap="none" normalizeH="0" baseline="0" dirty="0">
-                <a:ln>
-                  <a:noFill/>
-                </a:ln>
-                <a:solidFill>
-                  <a:srgbClr val="FFFFFF"/>
-                </a:solidFill>
-                <a:effectLst/>
-                <a:latin typeface="Arial Unicode MS"/>
-              </a:rPr>
-              <a:t> </a:t>
-            </a:r>
-            <a:r>
-              <a:rPr kumimoji="0" lang="ko-KR" altLang="ko-KR" sz="1800" b="0" i="0" u="none" strike="noStrike" cap="none" normalizeH="0" baseline="0" dirty="0">
-                <a:ln>
-                  <a:noFill/>
-                </a:ln>
-                <a:solidFill>
-                  <a:srgbClr val="ACC500"/>
-                </a:solidFill>
-                <a:effectLst/>
-                <a:latin typeface="Arial" panose="020B0604020202020204" pitchFamily="34" charset="0"/>
-              </a:rPr>
-              <a:t>&gt;&gt;</a:t>
-            </a:r>
-            <a:r>
-              <a:rPr kumimoji="0" lang="ko-KR" altLang="ko-KR" sz="1000" b="0" i="0" u="none" strike="noStrike" cap="none" normalizeH="0" baseline="0" dirty="0">
-                <a:ln>
-                  <a:noFill/>
-                </a:ln>
-                <a:solidFill>
-                  <a:srgbClr val="FFFFFF"/>
-                </a:solidFill>
-                <a:effectLst/>
-                <a:latin typeface="Arial Unicode MS"/>
-              </a:rPr>
-              <a:t> ~/.</a:t>
-            </a:r>
-            <a:r>
-              <a:rPr kumimoji="0" lang="ko-KR" altLang="ko-KR" sz="1000" b="0" i="0" u="none" strike="noStrike" cap="none" normalizeH="0" baseline="0" dirty="0" err="1">
-                <a:ln>
-                  <a:noFill/>
-                </a:ln>
-                <a:solidFill>
-                  <a:srgbClr val="FFFFFF"/>
-                </a:solidFill>
-                <a:effectLst/>
-                <a:latin typeface="Arial Unicode MS"/>
-              </a:rPr>
-              <a:t>bashrc</a:t>
-            </a:r>
-            <a:r>
-              <a:rPr kumimoji="0" lang="ko-KR" altLang="ko-KR" sz="800" b="0" i="0" u="none" strike="noStrike" cap="none" normalizeH="0" baseline="0" dirty="0">
-                <a:ln>
-                  <a:noFill/>
-                </a:ln>
-                <a:solidFill>
-                  <a:schemeClr val="tx1"/>
-                </a:solidFill>
-                <a:effectLst/>
-              </a:rPr>
-              <a:t> </a:t>
-            </a:r>
-            <a:endParaRPr kumimoji="0" lang="ko-KR" altLang="ko-KR" sz="1800" b="0" i="0" u="none" strike="noStrike" cap="none" normalizeH="0" baseline="0" dirty="0">
-              <a:ln>
-                <a:noFill/>
-              </a:ln>
-              <a:solidFill>
-                <a:schemeClr val="tx1"/>
-              </a:solidFill>
-              <a:effectLst/>
-              <a:latin typeface="Arial" panose="020B0604020202020204" pitchFamily="34" charset="0"/>
-            </a:endParaRPr>
-          </a:p>
-        </p:txBody>
-      </p:sp>
-      <p:pic>
-        <p:nvPicPr>
-          <p:cNvPr id="11" name="그림 10">
-            <a:extLst>
-              <a:ext uri="{FF2B5EF4-FFF2-40B4-BE49-F238E27FC236}">
-                <a16:creationId xmlns:a16="http://schemas.microsoft.com/office/drawing/2014/main" id="{BAAFFF37-FBF0-FC40-DA67-1226238ECAA6}"/>
-              </a:ext>
-            </a:extLst>
-          </p:cNvPr>
-          <p:cNvPicPr>
-            <a:picLocks noChangeAspect="1"/>
-          </p:cNvPicPr>
-          <p:nvPr/>
-        </p:nvPicPr>
-        <p:blipFill>
-          <a:blip r:embed="rId4"/>
-          <a:stretch>
-            <a:fillRect/>
-          </a:stretch>
-        </p:blipFill>
-        <p:spPr>
-          <a:xfrm>
-            <a:off x="6096000" y="2618760"/>
-            <a:ext cx="5850331" cy="4081318"/>
-          </a:xfrm>
-          <a:prstGeom prst="rect">
-            <a:avLst/>
-          </a:prstGeom>
-        </p:spPr>
-      </p:pic>
-      <p:pic>
-        <p:nvPicPr>
-          <p:cNvPr id="6149" name="Picture 5">
-            <a:extLst>
-              <a:ext uri="{FF2B5EF4-FFF2-40B4-BE49-F238E27FC236}">
-                <a16:creationId xmlns:a16="http://schemas.microsoft.com/office/drawing/2014/main" id="{53CE2753-BCD3-2ABD-DF7E-EE558A35352D}"/>
-              </a:ext>
-            </a:extLst>
-          </p:cNvPr>
-          <p:cNvPicPr>
-            <a:picLocks noChangeAspect="1" noChangeArrowheads="1"/>
-          </p:cNvPicPr>
-          <p:nvPr/>
-        </p:nvPicPr>
-        <p:blipFill>
-          <a:blip r:embed="rId5">
-            <a:extLst>
-              <a:ext uri="{28A0092B-C50C-407E-A947-70E740481C1C}">
-                <a14:useLocalDpi xmlns:a14="http://schemas.microsoft.com/office/drawing/2010/main" val="0"/>
-              </a:ext>
-            </a:extLst>
-          </a:blip>
-          <a:srcRect/>
-          <a:stretch>
-            <a:fillRect/>
-          </a:stretch>
-        </p:blipFill>
-        <p:spPr bwMode="auto">
-          <a:xfrm>
-            <a:off x="347838" y="2618760"/>
-            <a:ext cx="5748162" cy="4239240"/>
-          </a:xfrm>
-          <a:prstGeom prst="rect">
-            <a:avLst/>
-          </a:prstGeom>
-          <a:noFill/>
-          <a:extLst>
-            <a:ext uri="{909E8E84-426E-40DD-AFC4-6F175D3DCCD1}">
-              <a14:hiddenFill xmlns:a14="http://schemas.microsoft.com/office/drawing/2010/main">
-                <a:solidFill>
-                  <a:srgbClr val="FFFFFF"/>
-                </a:solidFill>
-              </a14:hiddenFill>
-            </a:ext>
-          </a:extLst>
-        </p:spPr>
-      </p:pic>
-    </p:spTree>
-    <p:extLst>
-      <p:ext uri="{BB962C8B-B14F-4D97-AF65-F5344CB8AC3E}">
-        <p14:creationId xmlns:p14="http://schemas.microsoft.com/office/powerpoint/2010/main" val="3604735644"/>
-      </p:ext>
-    </p:extLst>
-  </p:cSld>
-  <p:clrMapOvr>
-    <a:masterClrMapping/>
-  </p:clrMapOvr>
-</p:sld>
-</file>
-
-<file path=ppt/slides/slide13.xml><?xml version="1.0" encoding="utf-8"?>
-<p:sld xmlns:a="http://schemas.openxmlformats.org/drawingml/2006/main" xmlns:r="http://schemas.openxmlformats.org/officeDocument/2006/relationships" xmlns:p="http://schemas.openxmlformats.org/presentationml/2006/main">
-  <p:cSld>
-    <p:spTree>
-      <p:nvGrpSpPr>
-        <p:cNvPr id="1" name=""/>
-        <p:cNvGrpSpPr/>
-        <p:nvPr/>
-      </p:nvGrpSpPr>
-      <p:grpSpPr>
-        <a:xfrm>
-          <a:off x="0" y="0"/>
-          <a:ext cx="0" cy="0"/>
-          <a:chOff x="0" y="0"/>
-          <a:chExt cx="0" cy="0"/>
-        </a:xfrm>
-      </p:grpSpPr>
-      <p:cxnSp>
-        <p:nvCxnSpPr>
-          <p:cNvPr id="5" name="직선 연결선 4">
-            <a:extLst>
-              <a:ext uri="{FF2B5EF4-FFF2-40B4-BE49-F238E27FC236}">
-                <a16:creationId xmlns:a16="http://schemas.microsoft.com/office/drawing/2014/main" id="{5C86692A-7D17-4D6E-2C8C-4A3FE6D011FD}"/>
-              </a:ext>
-            </a:extLst>
-          </p:cNvPr>
-          <p:cNvCxnSpPr/>
-          <p:nvPr/>
-        </p:nvCxnSpPr>
-        <p:spPr>
-          <a:xfrm>
-            <a:off x="159798" y="1003173"/>
-            <a:ext cx="11585359" cy="0"/>
-          </a:xfrm>
-          <a:prstGeom prst="line">
-            <a:avLst/>
-          </a:prstGeom>
-          <a:ln w="38100"/>
-        </p:spPr>
-        <p:style>
-          <a:lnRef idx="1">
-            <a:schemeClr val="dk1"/>
-          </a:lnRef>
-          <a:fillRef idx="0">
-            <a:schemeClr val="dk1"/>
-          </a:fillRef>
-          <a:effectRef idx="0">
-            <a:schemeClr val="dk1"/>
-          </a:effectRef>
-          <a:fontRef idx="minor">
-            <a:schemeClr val="tx1"/>
-          </a:fontRef>
-        </p:style>
-      </p:cxnSp>
-      <p:sp>
-        <p:nvSpPr>
-          <p:cNvPr id="6" name="TextBox 5">
-            <a:extLst>
-              <a:ext uri="{FF2B5EF4-FFF2-40B4-BE49-F238E27FC236}">
-                <a16:creationId xmlns:a16="http://schemas.microsoft.com/office/drawing/2014/main" id="{DA9F2F0B-C4F6-287B-C7B1-181AEC26E67F}"/>
-              </a:ext>
-            </a:extLst>
-          </p:cNvPr>
-          <p:cNvSpPr txBox="1"/>
-          <p:nvPr/>
-        </p:nvSpPr>
-        <p:spPr>
-          <a:xfrm>
-            <a:off x="3835153" y="260775"/>
-            <a:ext cx="6656822" cy="584775"/>
-          </a:xfrm>
-          <a:prstGeom prst="rect">
-            <a:avLst/>
-          </a:prstGeom>
-          <a:noFill/>
-        </p:spPr>
-        <p:txBody>
-          <a:bodyPr wrap="none" rtlCol="0">
-            <a:spAutoFit/>
-          </a:bodyPr>
-          <a:lstStyle/>
-          <a:p>
-            <a:pPr algn="l"/>
-            <a:r>
-              <a:rPr lang="en-US" altLang="ko-KR" sz="3200" dirty="0"/>
-              <a:t>PC Setup/</a:t>
-            </a:r>
-            <a:r>
-              <a:rPr lang="en-US" altLang="ko-KR" sz="3200" b="1" i="0" u="none" strike="noStrike" dirty="0">
-                <a:effectLst/>
-                <a:latin typeface="titillium-web"/>
-                <a:hlinkClick r:id="rId2">
-                  <a:extLst>
-                    <a:ext uri="{A12FA001-AC4F-418D-AE19-62706E023703}">
-                      <ahyp:hlinkClr xmlns:ahyp="http://schemas.microsoft.com/office/drawing/2018/hyperlinkcolor" val="tx"/>
-                    </a:ext>
-                  </a:extLst>
-                </a:hlinkClick>
-              </a:rPr>
-              <a:t>Environment Configuration</a:t>
-            </a:r>
-            <a:endParaRPr lang="en-US" altLang="ko-KR" sz="3200" b="1" i="0" dirty="0">
-              <a:effectLst/>
-              <a:latin typeface="titillium-web"/>
-            </a:endParaRPr>
-          </a:p>
-        </p:txBody>
-      </p:sp>
-      <p:sp>
-        <p:nvSpPr>
-          <p:cNvPr id="7" name="TextBox 6">
-            <a:extLst>
-              <a:ext uri="{FF2B5EF4-FFF2-40B4-BE49-F238E27FC236}">
-                <a16:creationId xmlns:a16="http://schemas.microsoft.com/office/drawing/2014/main" id="{83EBF423-6C1F-8DE0-3A6A-32324600DBF9}"/>
-              </a:ext>
-            </a:extLst>
-          </p:cNvPr>
-          <p:cNvSpPr txBox="1"/>
-          <p:nvPr/>
-        </p:nvSpPr>
-        <p:spPr>
-          <a:xfrm>
-            <a:off x="198729" y="1278380"/>
-            <a:ext cx="1658211" cy="584775"/>
-          </a:xfrm>
-          <a:prstGeom prst="rect">
-            <a:avLst/>
-          </a:prstGeom>
-          <a:noFill/>
-        </p:spPr>
-        <p:txBody>
-          <a:bodyPr wrap="none" rtlCol="0">
-            <a:spAutoFit/>
-          </a:bodyPr>
-          <a:lstStyle/>
-          <a:p>
-            <a:pPr marL="457200" indent="-457200">
-              <a:buFont typeface="Arial" panose="020B0604020202020204" pitchFamily="34" charset="0"/>
-              <a:buChar char="•"/>
-            </a:pPr>
-            <a:r>
-              <a:rPr lang="en-US" altLang="ko-KR" sz="3200" dirty="0"/>
-              <a:t>ROS2</a:t>
-            </a:r>
-            <a:endParaRPr lang="ko-KR" altLang="en-US" dirty="0"/>
-          </a:p>
-        </p:txBody>
-      </p:sp>
-      <p:sp>
-        <p:nvSpPr>
-          <p:cNvPr id="3" name="AutoShape 2" descr="TurtleBOT - Open source personal research robot">
-            <a:extLst>
-              <a:ext uri="{FF2B5EF4-FFF2-40B4-BE49-F238E27FC236}">
-                <a16:creationId xmlns:a16="http://schemas.microsoft.com/office/drawing/2014/main" id="{660CB241-B55D-83B3-A4DB-84D0C36F0D76}"/>
-              </a:ext>
-            </a:extLst>
-          </p:cNvPr>
-          <p:cNvSpPr>
-            <a:spLocks noChangeAspect="1" noChangeArrowheads="1"/>
-          </p:cNvSpPr>
-          <p:nvPr/>
-        </p:nvSpPr>
-        <p:spPr bwMode="auto">
-          <a:xfrm>
-            <a:off x="5943600" y="3276600"/>
-            <a:ext cx="304800" cy="304800"/>
-          </a:xfrm>
-          <a:prstGeom prst="rect">
-            <a:avLst/>
-          </a:prstGeom>
-          <a:noFill/>
-          <a:extLst>
-            <a:ext uri="{909E8E84-426E-40DD-AFC4-6F175D3DCCD1}">
-              <a14:hiddenFill xmlns:a14="http://schemas.microsoft.com/office/drawing/2010/main">
-                <a:solidFill>
-                  <a:srgbClr val="FFFFFF"/>
-                </a:solidFill>
-              </a14:hiddenFill>
-            </a:ext>
-          </a:extLst>
-        </p:spPr>
-        <p:txBody>
-          <a:bodyPr vert="horz" wrap="square" lIns="91440" tIns="45720" rIns="91440" bIns="45720" numCol="1" anchor="t" anchorCtr="0" compatLnSpc="1">
-            <a:prstTxWarp prst="textNoShape">
-              <a:avLst/>
-            </a:prstTxWarp>
-          </a:bodyPr>
-          <a:lstStyle/>
-          <a:p>
-            <a:endParaRPr lang="ko-KR" altLang="en-US"/>
-          </a:p>
-        </p:txBody>
-      </p:sp>
-      <p:sp>
-        <p:nvSpPr>
-          <p:cNvPr id="4" name="AutoShape 4" descr="TurtleBOT - Open source personal research robot">
-            <a:extLst>
-              <a:ext uri="{FF2B5EF4-FFF2-40B4-BE49-F238E27FC236}">
-                <a16:creationId xmlns:a16="http://schemas.microsoft.com/office/drawing/2014/main" id="{0940963A-B2DE-F3B8-F52C-C8EFF3DFF8CD}"/>
-              </a:ext>
-            </a:extLst>
-          </p:cNvPr>
-          <p:cNvSpPr>
-            <a:spLocks noChangeAspect="1" noChangeArrowheads="1"/>
-          </p:cNvSpPr>
-          <p:nvPr/>
-        </p:nvSpPr>
-        <p:spPr bwMode="auto">
-          <a:xfrm>
-            <a:off x="6096000" y="3429000"/>
-            <a:ext cx="304800" cy="304800"/>
-          </a:xfrm>
-          <a:prstGeom prst="rect">
-            <a:avLst/>
-          </a:prstGeom>
-          <a:noFill/>
-          <a:extLst>
-            <a:ext uri="{909E8E84-426E-40DD-AFC4-6F175D3DCCD1}">
-              <a14:hiddenFill xmlns:a14="http://schemas.microsoft.com/office/drawing/2010/main">
-                <a:solidFill>
-                  <a:srgbClr val="FFFFFF"/>
-                </a:solidFill>
-              </a14:hiddenFill>
-            </a:ext>
-          </a:extLst>
-        </p:spPr>
-        <p:txBody>
-          <a:bodyPr vert="horz" wrap="square" lIns="91440" tIns="45720" rIns="91440" bIns="45720" numCol="1" anchor="t" anchorCtr="0" compatLnSpc="1">
-            <a:prstTxWarp prst="textNoShape">
-              <a:avLst/>
-            </a:prstTxWarp>
-          </a:bodyPr>
-          <a:lstStyle/>
-          <a:p>
-            <a:endParaRPr lang="ko-KR" altLang="en-US"/>
-          </a:p>
-        </p:txBody>
-      </p:sp>
-      <p:pic>
-        <p:nvPicPr>
-          <p:cNvPr id="2054" name="Picture 6" descr="Open Source Robots - TurtleBot 3 - ROBOTIS">
-            <a:extLst>
-              <a:ext uri="{FF2B5EF4-FFF2-40B4-BE49-F238E27FC236}">
-                <a16:creationId xmlns:a16="http://schemas.microsoft.com/office/drawing/2014/main" id="{BC22BBD3-E0C9-4173-B29C-412B55F25647}"/>
-              </a:ext>
-            </a:extLst>
-          </p:cNvPr>
-          <p:cNvPicPr>
-            <a:picLocks noChangeAspect="1" noChangeArrowheads="1"/>
-          </p:cNvPicPr>
-          <p:nvPr/>
-        </p:nvPicPr>
-        <p:blipFill>
-          <a:blip r:embed="rId3">
-            <a:extLst>
-              <a:ext uri="{28A0092B-C50C-407E-A947-70E740481C1C}">
-                <a14:useLocalDpi xmlns:a14="http://schemas.microsoft.com/office/drawing/2010/main" val="0"/>
-              </a:ext>
-            </a:extLst>
-          </a:blip>
-          <a:srcRect/>
-          <a:stretch>
-            <a:fillRect/>
-          </a:stretch>
-        </p:blipFill>
-        <p:spPr bwMode="auto">
-          <a:xfrm>
-            <a:off x="159798" y="289382"/>
-            <a:ext cx="3338384" cy="511337"/>
-          </a:xfrm>
-          <a:prstGeom prst="rect">
-            <a:avLst/>
-          </a:prstGeom>
-          <a:noFill/>
-          <a:extLst>
-            <a:ext uri="{909E8E84-426E-40DD-AFC4-6F175D3DCCD1}">
-              <a14:hiddenFill xmlns:a14="http://schemas.microsoft.com/office/drawing/2010/main">
-                <a:solidFill>
-                  <a:srgbClr val="FFFFFF"/>
-                </a:solidFill>
-              </a14:hiddenFill>
-            </a:ext>
-          </a:extLst>
-        </p:spPr>
-      </p:pic>
-      <p:sp>
-        <p:nvSpPr>
-          <p:cNvPr id="2" name="Rectangle 1">
-            <a:extLst>
-              <a:ext uri="{FF2B5EF4-FFF2-40B4-BE49-F238E27FC236}">
-                <a16:creationId xmlns:a16="http://schemas.microsoft.com/office/drawing/2014/main" id="{6BF22D8E-C2A5-5756-5DE9-6D6E16DF8D2C}"/>
-              </a:ext>
-            </a:extLst>
-          </p:cNvPr>
-          <p:cNvSpPr>
-            <a:spLocks noChangeArrowheads="1"/>
-          </p:cNvSpPr>
-          <p:nvPr/>
-        </p:nvSpPr>
-        <p:spPr bwMode="auto">
-          <a:xfrm>
-            <a:off x="400211" y="1892755"/>
-            <a:ext cx="9362983" cy="720000"/>
-          </a:xfrm>
-          <a:prstGeom prst="rect">
-            <a:avLst/>
-          </a:prstGeom>
-          <a:solidFill>
-            <a:srgbClr val="000000"/>
-          </a:solidFill>
-          <a:ln>
-            <a:noFill/>
-          </a:ln>
-          <a:effectLst/>
-          <a:extLst>
-            <a:ext uri="{91240B29-F687-4F45-9708-019B960494DF}">
-              <a14:hiddenLine xmlns:a14="http://schemas.microsoft.com/office/drawing/2010/main" w="9525">
-                <a:solidFill>
-                  <a:schemeClr val="tx1"/>
-                </a:solidFill>
-                <a:miter lim="800000"/>
-                <a:headEnd/>
-                <a:tailEnd/>
-              </a14:hiddenLine>
-            </a:ext>
-            <a:ext uri="{AF507438-7753-43E0-B8FC-AC1667EBCBE1}">
-              <a14:hiddenEffects xmlns:a14="http://schemas.microsoft.com/office/drawing/2010/main">
-                <a:effectLst>
-                  <a:outerShdw dist="35921" dir="2700000" algn="ctr" rotWithShape="0">
-                    <a:schemeClr val="bg2"/>
-                  </a:outerShdw>
-                </a:effectLst>
-              </a14:hiddenEffects>
-            </a:ext>
-          </a:extLst>
-        </p:spPr>
-        <p:txBody>
-          <a:bodyPr vert="horz" wrap="square" lIns="0" tIns="0" rIns="0" bIns="0" numCol="1" anchor="ctr" anchorCtr="0" compatLnSpc="1">
-            <a:prstTxWarp prst="textNoShape">
-              <a:avLst/>
-            </a:prstTxWarp>
-            <a:spAutoFit/>
-          </a:bodyPr>
-          <a:lstStyle/>
-          <a:p>
-            <a:pPr marL="0" marR="0" lvl="0" indent="0" algn="l" defTabSz="914400" rtl="0" eaLnBrk="0" fontAlgn="base" latinLnBrk="0" hangingPunct="0">
-              <a:lnSpc>
-                <a:spcPct val="100000"/>
-              </a:lnSpc>
-              <a:spcBef>
-                <a:spcPct val="0"/>
-              </a:spcBef>
-              <a:spcAft>
-                <a:spcPct val="0"/>
-              </a:spcAft>
-              <a:buClrTx/>
-              <a:buSzTx/>
-              <a:buFontTx/>
-              <a:buNone/>
-              <a:tabLst/>
-            </a:pPr>
-            <a:r>
-              <a:rPr kumimoji="0" lang="ko-KR" altLang="ko-KR" sz="1000" b="0" i="0" u="none" strike="noStrike" cap="none" normalizeH="0" baseline="0" dirty="0">
-                <a:ln>
-                  <a:noFill/>
-                </a:ln>
-                <a:solidFill>
-                  <a:srgbClr val="22B3EB"/>
-                </a:solidFill>
-                <a:effectLst/>
-                <a:latin typeface="Arial Unicode MS"/>
-              </a:rPr>
-              <a:t>$ </a:t>
-            </a:r>
-            <a:r>
-              <a:rPr kumimoji="0" lang="en-US" altLang="ko-KR" sz="1200" b="0" i="0" u="none" strike="noStrike" cap="none" normalizeH="0" baseline="0" dirty="0">
-                <a:ln>
-                  <a:noFill/>
-                </a:ln>
-                <a:solidFill>
-                  <a:srgbClr val="B58900"/>
-                </a:solidFill>
-                <a:effectLst/>
-                <a:latin typeface="Arial" panose="020B0604020202020204" pitchFamily="34" charset="0"/>
-              </a:rPr>
-              <a:t>echo</a:t>
-            </a:r>
-            <a:r>
-              <a:rPr kumimoji="0" lang="ko-KR" altLang="ko-KR" sz="1000" b="0" i="0" u="none" strike="noStrike" cap="none" normalizeH="0" baseline="0" dirty="0">
-                <a:ln>
-                  <a:noFill/>
-                </a:ln>
-                <a:solidFill>
-                  <a:srgbClr val="FFFFFF"/>
-                </a:solidFill>
-                <a:effectLst/>
-                <a:latin typeface="Arial Unicode MS"/>
-              </a:rPr>
-              <a:t> </a:t>
-            </a:r>
-            <a:r>
-              <a:rPr kumimoji="0" lang="ko-KR" altLang="ko-KR" sz="1000" b="0" i="0" u="none" strike="noStrike" cap="none" normalizeH="0" baseline="0" dirty="0">
-                <a:ln>
-                  <a:noFill/>
-                </a:ln>
-                <a:solidFill>
-                  <a:srgbClr val="2AA198"/>
-                </a:solidFill>
-                <a:effectLst/>
-                <a:latin typeface="Arial Unicode MS"/>
-              </a:rPr>
-              <a:t>'</a:t>
-            </a:r>
-            <a:r>
-              <a:rPr kumimoji="0" lang="ko-KR" altLang="ko-KR" sz="1000" b="0" i="0" u="none" strike="noStrike" cap="none" normalizeH="0" baseline="0" dirty="0" err="1">
-                <a:ln>
-                  <a:noFill/>
-                </a:ln>
-                <a:solidFill>
-                  <a:srgbClr val="2AA198"/>
-                </a:solidFill>
-                <a:effectLst/>
-                <a:latin typeface="Arial Unicode MS"/>
-              </a:rPr>
-              <a:t>export</a:t>
-            </a:r>
-            <a:r>
-              <a:rPr kumimoji="0" lang="ko-KR" altLang="ko-KR" sz="1000" b="0" i="0" u="none" strike="noStrike" cap="none" normalizeH="0" baseline="0" dirty="0">
-                <a:ln>
-                  <a:noFill/>
-                </a:ln>
-                <a:solidFill>
-                  <a:srgbClr val="2AA198"/>
-                </a:solidFill>
-                <a:effectLst/>
-                <a:latin typeface="Arial Unicode MS"/>
-              </a:rPr>
-              <a:t> ROS_DOMAIN_ID=30 #TURTLEBOT3'</a:t>
-            </a:r>
-            <a:r>
-              <a:rPr kumimoji="0" lang="ko-KR" altLang="ko-KR" sz="1000" b="0" i="0" u="none" strike="noStrike" cap="none" normalizeH="0" baseline="0" dirty="0">
-                <a:ln>
-                  <a:noFill/>
-                </a:ln>
-                <a:solidFill>
-                  <a:srgbClr val="FFFFFF"/>
-                </a:solidFill>
-                <a:effectLst/>
-                <a:latin typeface="Arial Unicode MS"/>
-              </a:rPr>
-              <a:t> </a:t>
-            </a:r>
-            <a:r>
-              <a:rPr kumimoji="0" lang="ko-KR" altLang="ko-KR" sz="1800" b="0" i="0" u="none" strike="noStrike" cap="none" normalizeH="0" baseline="0" dirty="0">
-                <a:ln>
-                  <a:noFill/>
-                </a:ln>
-                <a:solidFill>
-                  <a:srgbClr val="ACC500"/>
-                </a:solidFill>
-                <a:effectLst/>
-                <a:latin typeface="Arial" panose="020B0604020202020204" pitchFamily="34" charset="0"/>
-              </a:rPr>
-              <a:t>&gt;&gt;</a:t>
-            </a:r>
-            <a:r>
-              <a:rPr kumimoji="0" lang="ko-KR" altLang="ko-KR" sz="1000" b="0" i="0" u="none" strike="noStrike" cap="none" normalizeH="0" baseline="0" dirty="0">
-                <a:ln>
-                  <a:noFill/>
-                </a:ln>
-                <a:solidFill>
-                  <a:srgbClr val="FFFFFF"/>
-                </a:solidFill>
-                <a:effectLst/>
-                <a:latin typeface="Arial Unicode MS"/>
-              </a:rPr>
-              <a:t> ~/.</a:t>
-            </a:r>
-            <a:r>
-              <a:rPr kumimoji="0" lang="ko-KR" altLang="ko-KR" sz="1000" b="0" i="0" u="none" strike="noStrike" cap="none" normalizeH="0" baseline="0" dirty="0" err="1">
-                <a:ln>
-                  <a:noFill/>
-                </a:ln>
-                <a:solidFill>
-                  <a:srgbClr val="FFFFFF"/>
-                </a:solidFill>
-                <a:effectLst/>
-                <a:latin typeface="Arial Unicode MS"/>
-              </a:rPr>
-              <a:t>bashrc</a:t>
-            </a:r>
-            <a:r>
-              <a:rPr kumimoji="0" lang="ko-KR" altLang="ko-KR" sz="1000" b="0" i="0" u="none" strike="noStrike" cap="none" normalizeH="0" baseline="0" dirty="0">
-                <a:ln>
-                  <a:noFill/>
-                </a:ln>
-                <a:solidFill>
-                  <a:srgbClr val="FFFFFF"/>
-                </a:solidFill>
-                <a:effectLst/>
-                <a:latin typeface="Arial Unicode MS"/>
-              </a:rPr>
-              <a:t> </a:t>
-            </a:r>
-            <a:endParaRPr kumimoji="0" lang="en-US" altLang="ko-KR" sz="1000" b="0" i="0" u="none" strike="noStrike" cap="none" normalizeH="0" baseline="0" dirty="0">
-              <a:ln>
-                <a:noFill/>
-              </a:ln>
-              <a:solidFill>
-                <a:srgbClr val="FFFFFF"/>
-              </a:solidFill>
-              <a:effectLst/>
-              <a:latin typeface="Arial Unicode MS"/>
-            </a:endParaRPr>
-          </a:p>
-          <a:p>
-            <a:pPr marL="0" marR="0" lvl="0" indent="0" algn="l" defTabSz="914400" rtl="0" eaLnBrk="0" fontAlgn="base" latinLnBrk="0" hangingPunct="0">
-              <a:lnSpc>
-                <a:spcPct val="100000"/>
-              </a:lnSpc>
-              <a:spcBef>
-                <a:spcPct val="0"/>
-              </a:spcBef>
-              <a:spcAft>
-                <a:spcPct val="0"/>
-              </a:spcAft>
-              <a:buClrTx/>
-              <a:buSzTx/>
-              <a:buFontTx/>
-              <a:buNone/>
-              <a:tabLst/>
-            </a:pPr>
-            <a:r>
-              <a:rPr kumimoji="0" lang="ko-KR" altLang="ko-KR" sz="1000" b="0" i="0" u="none" strike="noStrike" cap="none" normalizeH="0" baseline="0" dirty="0">
-                <a:ln>
-                  <a:noFill/>
-                </a:ln>
-                <a:solidFill>
-                  <a:srgbClr val="22B3EB"/>
-                </a:solidFill>
-                <a:effectLst/>
-                <a:latin typeface="Arial Unicode MS"/>
-              </a:rPr>
-              <a:t>$</a:t>
-            </a:r>
-            <a:r>
-              <a:rPr kumimoji="0" lang="en-US" altLang="ko-KR" sz="1000" b="0" i="0" u="none" strike="noStrike" cap="none" normalizeH="0" baseline="0" dirty="0">
-                <a:ln>
-                  <a:noFill/>
-                </a:ln>
-                <a:solidFill>
-                  <a:srgbClr val="22B3EB"/>
-                </a:solidFill>
-                <a:effectLst/>
-                <a:latin typeface="Arial Unicode MS"/>
-              </a:rPr>
-              <a:t> source </a:t>
-            </a:r>
-            <a:r>
-              <a:rPr kumimoji="0" lang="ko-KR" altLang="ko-KR" sz="1000" b="0" i="0" u="none" strike="noStrike" cap="none" normalizeH="0" baseline="0" dirty="0">
-                <a:ln>
-                  <a:noFill/>
-                </a:ln>
-                <a:solidFill>
-                  <a:srgbClr val="FFFFFF"/>
-                </a:solidFill>
-                <a:effectLst/>
-                <a:latin typeface="Arial Unicode MS"/>
-              </a:rPr>
-              <a:t>~/.</a:t>
-            </a:r>
-            <a:r>
-              <a:rPr kumimoji="0" lang="ko-KR" altLang="ko-KR" sz="1000" b="0" i="0" u="none" strike="noStrike" cap="none" normalizeH="0" baseline="0" dirty="0" err="1">
-                <a:ln>
-                  <a:noFill/>
-                </a:ln>
-                <a:solidFill>
-                  <a:srgbClr val="FFFFFF"/>
-                </a:solidFill>
-                <a:effectLst/>
-                <a:latin typeface="Arial Unicode MS"/>
-              </a:rPr>
-              <a:t>bashrc</a:t>
-            </a:r>
-            <a:r>
-              <a:rPr kumimoji="0" lang="ko-KR" altLang="ko-KR" sz="800" b="0" i="0" u="none" strike="noStrike" cap="none" normalizeH="0" baseline="0" dirty="0">
-                <a:ln>
-                  <a:noFill/>
-                </a:ln>
-                <a:solidFill>
-                  <a:schemeClr val="tx1"/>
-                </a:solidFill>
-                <a:effectLst/>
-              </a:rPr>
-              <a:t> </a:t>
-            </a:r>
-            <a:endParaRPr kumimoji="0" lang="ko-KR" altLang="ko-KR" sz="1800" b="0" i="0" u="none" strike="noStrike" cap="none" normalizeH="0" baseline="0" dirty="0">
-              <a:ln>
-                <a:noFill/>
-              </a:ln>
-              <a:solidFill>
-                <a:schemeClr val="tx1"/>
-              </a:solidFill>
-              <a:effectLst/>
-              <a:latin typeface="Arial" panose="020B0604020202020204" pitchFamily="34" charset="0"/>
-            </a:endParaRPr>
-          </a:p>
-        </p:txBody>
-      </p:sp>
-    </p:spTree>
-    <p:extLst>
-      <p:ext uri="{BB962C8B-B14F-4D97-AF65-F5344CB8AC3E}">
-        <p14:creationId xmlns:p14="http://schemas.microsoft.com/office/powerpoint/2010/main" val="1050177382"/>
-      </p:ext>
-    </p:extLst>
-  </p:cSld>
-  <p:clrMapOvr>
-    <a:masterClrMapping/>
-  </p:clrMapOvr>
-</p:sld>
-</file>
-
 <file path=ppt/slides/slide2.xml><?xml version="1.0" encoding="utf-8"?>
 <p:sld xmlns:a="http://schemas.openxmlformats.org/drawingml/2006/main" xmlns:r="http://schemas.openxmlformats.org/officeDocument/2006/relationships" xmlns:p="http://schemas.openxmlformats.org/presentationml/2006/main">
   <p:cSld>
@@ -14162,7 +9498,7 @@
                 <a:effectLst/>
                 <a:latin typeface="Arial Unicode MS"/>
               </a:rPr>
-              <a:t> https://raw.githubusercontent.com/orocapangyo/turtlebot/blob/main/Tutorial/02-Week/robert/install_ros2_humble_rpi.sh</a:t>
+              <a:t> https://raw.githubusercontent.com/orocapangyo/turtlebot/main/Tutorial/02-Week/robert/install_ros2_humble_rpi.sh</a:t>
             </a:r>
           </a:p>
           <a:p>
